--- a/Presentación del proyecto.pptx
+++ b/Presentación del proyecto.pptx
@@ -2,10 +2,18 @@
 <file path=ppt/presentation.xml><?xml version="1.0" encoding="utf-8"?>
 <p:presentation xmlns:a="http://schemas.openxmlformats.org/drawingml/2006/main" xmlns:r="http://schemas.openxmlformats.org/officeDocument/2006/relationships" xmlns:p="http://schemas.openxmlformats.org/presentationml/2006/main" saveSubsetFonts="1">
   <p:sldMasterIdLst>
-    <p:sldMasterId id="2147483648" r:id="rId1"/>
+    <p:sldMasterId id="2147483702" r:id="rId1"/>
   </p:sldMasterIdLst>
   <p:sldIdLst>
-    <p:sldId id="256" r:id="rId2"/>
+    <p:sldId id="257" r:id="rId2"/>
+    <p:sldId id="258" r:id="rId3"/>
+    <p:sldId id="259" r:id="rId4"/>
+    <p:sldId id="260" r:id="rId5"/>
+    <p:sldId id="261" r:id="rId6"/>
+    <p:sldId id="262" r:id="rId7"/>
+    <p:sldId id="263" r:id="rId8"/>
+    <p:sldId id="264" r:id="rId9"/>
+    <p:sldId id="265" r:id="rId10"/>
   </p:sldIdLst>
   <p:sldSz cx="12192000" cy="6858000"/>
   <p:notesSz cx="6858000" cy="9144000"/>
@@ -104,6 +112,11 @@
       </a:defRPr>
     </a:lvl9pPr>
   </p:defaultTextStyle>
+  <p:extLst>
+    <p:ext uri="{EFAFB233-063F-42B5-8137-9DF3F51BA10A}">
+      <p15:sldGuideLst xmlns:p15="http://schemas.microsoft.com/office/powerpoint/2012/main"/>
+    </p:ext>
+  </p:extLst>
 </p:presentation>
 </file>
 
@@ -129,7 +142,7 @@
           <p:cNvPr id="2" name="Título 1">
             <a:extLst>
               <a:ext uri="{FF2B5EF4-FFF2-40B4-BE49-F238E27FC236}">
-                <a16:creationId xmlns:a16="http://schemas.microsoft.com/office/drawing/2014/main" id="{002D962A-A1BC-4B86-8B1F-5C0848AEAF29}"/>
+                <a16:creationId xmlns:a16="http://schemas.microsoft.com/office/drawing/2014/main" id="{D22F1AD4-E98D-774E-A98E-6066FCBE5C98}"/>
               </a:ext>
             </a:extLst>
           </p:cNvPr>
@@ -155,10 +168,10 @@
           </a:lstStyle>
           <a:p>
             <a:r>
-              <a:rPr lang="es-ES"/>
-              <a:t>Haga clic para modificar el estilo de título del patrón</a:t>
-            </a:r>
-            <a:endParaRPr lang="es-MX"/>
+              <a:rPr lang="es-MX"/>
+              <a:t>Haz clic para modificar el estilo de título del patrón</a:t>
+            </a:r>
+            <a:endParaRPr lang="es-ES_tradnl"/>
           </a:p>
         </p:txBody>
       </p:sp>
@@ -167,7 +180,7 @@
           <p:cNvPr id="3" name="Subtítulo 2">
             <a:extLst>
               <a:ext uri="{FF2B5EF4-FFF2-40B4-BE49-F238E27FC236}">
-                <a16:creationId xmlns:a16="http://schemas.microsoft.com/office/drawing/2014/main" id="{0AF52A58-6399-4EF9-8283-1D0BDEC23B0B}"/>
+                <a16:creationId xmlns:a16="http://schemas.microsoft.com/office/drawing/2014/main" id="{062D82F2-CD2E-2B49-88C2-8A290BDFE7D5}"/>
               </a:ext>
             </a:extLst>
           </p:cNvPr>
@@ -226,10 +239,10 @@
           </a:lstStyle>
           <a:p>
             <a:r>
-              <a:rPr lang="es-ES"/>
-              <a:t>Haga clic para modificar el estilo de subtítulo del patrón</a:t>
-            </a:r>
-            <a:endParaRPr lang="es-MX"/>
+              <a:rPr lang="es-MX"/>
+              <a:t>Haz clic para editar el estilo de subtítulo del patrón</a:t>
+            </a:r>
+            <a:endParaRPr lang="es-ES_tradnl"/>
           </a:p>
         </p:txBody>
       </p:sp>
@@ -238,7 +251,7 @@
           <p:cNvPr id="4" name="Marcador de fecha 3">
             <a:extLst>
               <a:ext uri="{FF2B5EF4-FFF2-40B4-BE49-F238E27FC236}">
-                <a16:creationId xmlns:a16="http://schemas.microsoft.com/office/drawing/2014/main" id="{8ECEAD46-7690-46E0-8483-7CA524D7F6CA}"/>
+                <a16:creationId xmlns:a16="http://schemas.microsoft.com/office/drawing/2014/main" id="{21B26266-281F-694E-8C3D-959810D2AE0B}"/>
               </a:ext>
             </a:extLst>
           </p:cNvPr>
@@ -256,7 +269,7 @@
           <a:p>
             <a:fld id="{C7D119B6-3D6E-41E2-90C4-A7C1CC8E1202}" type="datetimeFigureOut">
               <a:rPr lang="es-MX" smtClean="0"/>
-              <a:t>30/09/2019</a:t>
+              <a:t>01/10/19</a:t>
             </a:fld>
             <a:endParaRPr lang="es-MX"/>
           </a:p>
@@ -267,7 +280,7 @@
           <p:cNvPr id="5" name="Marcador de pie de página 4">
             <a:extLst>
               <a:ext uri="{FF2B5EF4-FFF2-40B4-BE49-F238E27FC236}">
-                <a16:creationId xmlns:a16="http://schemas.microsoft.com/office/drawing/2014/main" id="{C66A4CA3-6BA4-4845-AF8D-D6A39D39A750}"/>
+                <a16:creationId xmlns:a16="http://schemas.microsoft.com/office/drawing/2014/main" id="{4640B8C7-A61C-D64F-95C6-BDBF91C3A02E}"/>
               </a:ext>
             </a:extLst>
           </p:cNvPr>
@@ -292,7 +305,7 @@
           <p:cNvPr id="6" name="Marcador de número de diapositiva 5">
             <a:extLst>
               <a:ext uri="{FF2B5EF4-FFF2-40B4-BE49-F238E27FC236}">
-                <a16:creationId xmlns:a16="http://schemas.microsoft.com/office/drawing/2014/main" id="{A538F178-C79A-442D-BD04-8352FB1FBF21}"/>
+                <a16:creationId xmlns:a16="http://schemas.microsoft.com/office/drawing/2014/main" id="{91F8056D-BB89-E04E-90BF-2A63BF22E965}"/>
               </a:ext>
             </a:extLst>
           </p:cNvPr>
@@ -319,7 +332,7 @@
     </p:spTree>
     <p:extLst>
       <p:ext uri="{BB962C8B-B14F-4D97-AF65-F5344CB8AC3E}">
-        <p14:creationId xmlns:p14="http://schemas.microsoft.com/office/powerpoint/2010/main" val="410478151"/>
+        <p14:creationId xmlns:p14="http://schemas.microsoft.com/office/powerpoint/2010/main" val="2668446011"/>
       </p:ext>
     </p:extLst>
   </p:cSld>
@@ -351,7 +364,7 @@
           <p:cNvPr id="2" name="Título 1">
             <a:extLst>
               <a:ext uri="{FF2B5EF4-FFF2-40B4-BE49-F238E27FC236}">
-                <a16:creationId xmlns:a16="http://schemas.microsoft.com/office/drawing/2014/main" id="{87F4F691-69C1-4F98-8D00-C9097888EE7C}"/>
+                <a16:creationId xmlns:a16="http://schemas.microsoft.com/office/drawing/2014/main" id="{80E40365-CB23-0743-BA34-5326ACA2C816}"/>
               </a:ext>
             </a:extLst>
           </p:cNvPr>
@@ -368,10 +381,10 @@
           <a:lstStyle/>
           <a:p>
             <a:r>
-              <a:rPr lang="es-ES"/>
-              <a:t>Haga clic para modificar el estilo de título del patrón</a:t>
-            </a:r>
-            <a:endParaRPr lang="es-MX"/>
+              <a:rPr lang="es-MX"/>
+              <a:t>Haz clic para modificar el estilo de título del patrón</a:t>
+            </a:r>
+            <a:endParaRPr lang="es-ES_tradnl"/>
           </a:p>
         </p:txBody>
       </p:sp>
@@ -380,7 +393,7 @@
           <p:cNvPr id="3" name="Marcador de texto vertical 2">
             <a:extLst>
               <a:ext uri="{FF2B5EF4-FFF2-40B4-BE49-F238E27FC236}">
-                <a16:creationId xmlns:a16="http://schemas.microsoft.com/office/drawing/2014/main" id="{25F02826-DD08-4185-A93F-BECD1E17E500}"/>
+                <a16:creationId xmlns:a16="http://schemas.microsoft.com/office/drawing/2014/main" id="{AB82DE35-9BFD-FE41-BDAB-C3EDD842C8C6}"/>
               </a:ext>
             </a:extLst>
           </p:cNvPr>
@@ -398,38 +411,38 @@
           <a:p>
             <a:pPr lvl="0"/>
             <a:r>
-              <a:rPr lang="es-ES"/>
+              <a:rPr lang="es-MX"/>
               <a:t>Haga clic para modificar los estilos de texto del patrón</a:t>
             </a:r>
           </a:p>
           <a:p>
             <a:pPr lvl="1"/>
             <a:r>
-              <a:rPr lang="es-ES"/>
+              <a:rPr lang="es-MX"/>
               <a:t>Segundo nivel</a:t>
             </a:r>
           </a:p>
           <a:p>
             <a:pPr lvl="2"/>
             <a:r>
-              <a:rPr lang="es-ES"/>
+              <a:rPr lang="es-MX"/>
               <a:t>Tercer nivel</a:t>
             </a:r>
           </a:p>
           <a:p>
             <a:pPr lvl="3"/>
             <a:r>
-              <a:rPr lang="es-ES"/>
+              <a:rPr lang="es-MX"/>
               <a:t>Cuarto nivel</a:t>
             </a:r>
           </a:p>
           <a:p>
             <a:pPr lvl="4"/>
             <a:r>
-              <a:rPr lang="es-ES"/>
+              <a:rPr lang="es-MX"/>
               <a:t>Quinto nivel</a:t>
             </a:r>
-            <a:endParaRPr lang="es-MX"/>
+            <a:endParaRPr lang="es-ES_tradnl"/>
           </a:p>
         </p:txBody>
       </p:sp>
@@ -438,7 +451,7 @@
           <p:cNvPr id="4" name="Marcador de fecha 3">
             <a:extLst>
               <a:ext uri="{FF2B5EF4-FFF2-40B4-BE49-F238E27FC236}">
-                <a16:creationId xmlns:a16="http://schemas.microsoft.com/office/drawing/2014/main" id="{C01F3C11-B7BE-441E-A636-3522A400E2E0}"/>
+                <a16:creationId xmlns:a16="http://schemas.microsoft.com/office/drawing/2014/main" id="{AF31AF5C-564D-CA4A-ABC1-AAA37DD21346}"/>
               </a:ext>
             </a:extLst>
           </p:cNvPr>
@@ -456,7 +469,7 @@
           <a:p>
             <a:fld id="{C7D119B6-3D6E-41E2-90C4-A7C1CC8E1202}" type="datetimeFigureOut">
               <a:rPr lang="es-MX" smtClean="0"/>
-              <a:t>30/09/2019</a:t>
+              <a:t>01/10/19</a:t>
             </a:fld>
             <a:endParaRPr lang="es-MX"/>
           </a:p>
@@ -467,7 +480,7 @@
           <p:cNvPr id="5" name="Marcador de pie de página 4">
             <a:extLst>
               <a:ext uri="{FF2B5EF4-FFF2-40B4-BE49-F238E27FC236}">
-                <a16:creationId xmlns:a16="http://schemas.microsoft.com/office/drawing/2014/main" id="{C55D8284-ABEA-4AA0-80D3-409CDFF8ADA8}"/>
+                <a16:creationId xmlns:a16="http://schemas.microsoft.com/office/drawing/2014/main" id="{4D7F937E-5904-7045-A65F-8BDF2FE6C1DA}"/>
               </a:ext>
             </a:extLst>
           </p:cNvPr>
@@ -492,7 +505,7 @@
           <p:cNvPr id="6" name="Marcador de número de diapositiva 5">
             <a:extLst>
               <a:ext uri="{FF2B5EF4-FFF2-40B4-BE49-F238E27FC236}">
-                <a16:creationId xmlns:a16="http://schemas.microsoft.com/office/drawing/2014/main" id="{03A81162-354C-4E5B-A866-48515FFBF4CE}"/>
+                <a16:creationId xmlns:a16="http://schemas.microsoft.com/office/drawing/2014/main" id="{555AC1C9-307F-7E48-B362-DD4FF8DD5499}"/>
               </a:ext>
             </a:extLst>
           </p:cNvPr>
@@ -519,7 +532,7 @@
     </p:spTree>
     <p:extLst>
       <p:ext uri="{BB962C8B-B14F-4D97-AF65-F5344CB8AC3E}">
-        <p14:creationId xmlns:p14="http://schemas.microsoft.com/office/powerpoint/2010/main" val="3010512279"/>
+        <p14:creationId xmlns:p14="http://schemas.microsoft.com/office/powerpoint/2010/main" val="2247749135"/>
       </p:ext>
     </p:extLst>
   </p:cSld>
@@ -551,7 +564,7 @@
           <p:cNvPr id="2" name="Título vertical 1">
             <a:extLst>
               <a:ext uri="{FF2B5EF4-FFF2-40B4-BE49-F238E27FC236}">
-                <a16:creationId xmlns:a16="http://schemas.microsoft.com/office/drawing/2014/main" id="{3FF7B365-8D64-4CB4-A4D8-DDF64405EEC6}"/>
+                <a16:creationId xmlns:a16="http://schemas.microsoft.com/office/drawing/2014/main" id="{37AD0350-3585-F649-BB68-E6A87467F1F4}"/>
               </a:ext>
             </a:extLst>
           </p:cNvPr>
@@ -573,10 +586,10 @@
           <a:lstStyle/>
           <a:p>
             <a:r>
-              <a:rPr lang="es-ES"/>
-              <a:t>Haga clic para modificar el estilo de título del patrón</a:t>
-            </a:r>
-            <a:endParaRPr lang="es-MX"/>
+              <a:rPr lang="es-MX"/>
+              <a:t>Haz clic para modificar el estilo de título del patrón</a:t>
+            </a:r>
+            <a:endParaRPr lang="es-ES_tradnl"/>
           </a:p>
         </p:txBody>
       </p:sp>
@@ -585,7 +598,7 @@
           <p:cNvPr id="3" name="Marcador de texto vertical 2">
             <a:extLst>
               <a:ext uri="{FF2B5EF4-FFF2-40B4-BE49-F238E27FC236}">
-                <a16:creationId xmlns:a16="http://schemas.microsoft.com/office/drawing/2014/main" id="{ABC26F8D-BEF2-48D8-8630-27043A6041B8}"/>
+                <a16:creationId xmlns:a16="http://schemas.microsoft.com/office/drawing/2014/main" id="{9F19E863-AEE6-4442-B6D3-B6048AB3E2F1}"/>
               </a:ext>
             </a:extLst>
           </p:cNvPr>
@@ -608,38 +621,38 @@
           <a:p>
             <a:pPr lvl="0"/>
             <a:r>
-              <a:rPr lang="es-ES"/>
+              <a:rPr lang="es-MX"/>
               <a:t>Haga clic para modificar los estilos de texto del patrón</a:t>
             </a:r>
           </a:p>
           <a:p>
             <a:pPr lvl="1"/>
             <a:r>
-              <a:rPr lang="es-ES"/>
+              <a:rPr lang="es-MX"/>
               <a:t>Segundo nivel</a:t>
             </a:r>
           </a:p>
           <a:p>
             <a:pPr lvl="2"/>
             <a:r>
-              <a:rPr lang="es-ES"/>
+              <a:rPr lang="es-MX"/>
               <a:t>Tercer nivel</a:t>
             </a:r>
           </a:p>
           <a:p>
             <a:pPr lvl="3"/>
             <a:r>
-              <a:rPr lang="es-ES"/>
+              <a:rPr lang="es-MX"/>
               <a:t>Cuarto nivel</a:t>
             </a:r>
           </a:p>
           <a:p>
             <a:pPr lvl="4"/>
             <a:r>
-              <a:rPr lang="es-ES"/>
+              <a:rPr lang="es-MX"/>
               <a:t>Quinto nivel</a:t>
             </a:r>
-            <a:endParaRPr lang="es-MX"/>
+            <a:endParaRPr lang="es-ES_tradnl"/>
           </a:p>
         </p:txBody>
       </p:sp>
@@ -648,7 +661,7 @@
           <p:cNvPr id="4" name="Marcador de fecha 3">
             <a:extLst>
               <a:ext uri="{FF2B5EF4-FFF2-40B4-BE49-F238E27FC236}">
-                <a16:creationId xmlns:a16="http://schemas.microsoft.com/office/drawing/2014/main" id="{B637E31B-A33A-4002-B4A0-4DD0AFFF4C32}"/>
+                <a16:creationId xmlns:a16="http://schemas.microsoft.com/office/drawing/2014/main" id="{BA1D3E1A-9070-DC43-8E8D-AF74385BA81C}"/>
               </a:ext>
             </a:extLst>
           </p:cNvPr>
@@ -666,7 +679,7 @@
           <a:p>
             <a:fld id="{C7D119B6-3D6E-41E2-90C4-A7C1CC8E1202}" type="datetimeFigureOut">
               <a:rPr lang="es-MX" smtClean="0"/>
-              <a:t>30/09/2019</a:t>
+              <a:t>01/10/19</a:t>
             </a:fld>
             <a:endParaRPr lang="es-MX"/>
           </a:p>
@@ -677,7 +690,7 @@
           <p:cNvPr id="5" name="Marcador de pie de página 4">
             <a:extLst>
               <a:ext uri="{FF2B5EF4-FFF2-40B4-BE49-F238E27FC236}">
-                <a16:creationId xmlns:a16="http://schemas.microsoft.com/office/drawing/2014/main" id="{300EFF18-060C-46A5-8099-212FC6037BB9}"/>
+                <a16:creationId xmlns:a16="http://schemas.microsoft.com/office/drawing/2014/main" id="{BE271CB0-AB99-1E43-BF7A-72B0CAB86925}"/>
               </a:ext>
             </a:extLst>
           </p:cNvPr>
@@ -702,7 +715,7 @@
           <p:cNvPr id="6" name="Marcador de número de diapositiva 5">
             <a:extLst>
               <a:ext uri="{FF2B5EF4-FFF2-40B4-BE49-F238E27FC236}">
-                <a16:creationId xmlns:a16="http://schemas.microsoft.com/office/drawing/2014/main" id="{0415B4C8-0BBF-421C-997A-6FCF8467AB0C}"/>
+                <a16:creationId xmlns:a16="http://schemas.microsoft.com/office/drawing/2014/main" id="{251D46C5-B940-3B4E-9E2F-D990E168A69B}"/>
               </a:ext>
             </a:extLst>
           </p:cNvPr>
@@ -729,7 +742,7 @@
     </p:spTree>
     <p:extLst>
       <p:ext uri="{BB962C8B-B14F-4D97-AF65-F5344CB8AC3E}">
-        <p14:creationId xmlns:p14="http://schemas.microsoft.com/office/powerpoint/2010/main" val="3804735873"/>
+        <p14:creationId xmlns:p14="http://schemas.microsoft.com/office/powerpoint/2010/main" val="545207056"/>
       </p:ext>
     </p:extLst>
   </p:cSld>
@@ -761,7 +774,7 @@
           <p:cNvPr id="2" name="Título 1">
             <a:extLst>
               <a:ext uri="{FF2B5EF4-FFF2-40B4-BE49-F238E27FC236}">
-                <a16:creationId xmlns:a16="http://schemas.microsoft.com/office/drawing/2014/main" id="{FB386889-DB40-4FCC-B826-6EC7B72E7103}"/>
+                <a16:creationId xmlns:a16="http://schemas.microsoft.com/office/drawing/2014/main" id="{8237C203-79EF-DD40-8B69-409FA5FD9D00}"/>
               </a:ext>
             </a:extLst>
           </p:cNvPr>
@@ -778,10 +791,10 @@
           <a:lstStyle/>
           <a:p>
             <a:r>
-              <a:rPr lang="es-ES"/>
-              <a:t>Haga clic para modificar el estilo de título del patrón</a:t>
-            </a:r>
-            <a:endParaRPr lang="es-MX"/>
+              <a:rPr lang="es-MX"/>
+              <a:t>Haz clic para modificar el estilo de título del patrón</a:t>
+            </a:r>
+            <a:endParaRPr lang="es-ES_tradnl"/>
           </a:p>
         </p:txBody>
       </p:sp>
@@ -790,7 +803,7 @@
           <p:cNvPr id="3" name="Marcador de contenido 2">
             <a:extLst>
               <a:ext uri="{FF2B5EF4-FFF2-40B4-BE49-F238E27FC236}">
-                <a16:creationId xmlns:a16="http://schemas.microsoft.com/office/drawing/2014/main" id="{CF6DDD07-0AF0-4C9E-9F0D-FFC76AFE7D75}"/>
+                <a16:creationId xmlns:a16="http://schemas.microsoft.com/office/drawing/2014/main" id="{E38D13EE-8F86-8143-8084-1208F37F1F33}"/>
               </a:ext>
             </a:extLst>
           </p:cNvPr>
@@ -808,38 +821,38 @@
           <a:p>
             <a:pPr lvl="0"/>
             <a:r>
-              <a:rPr lang="es-ES"/>
+              <a:rPr lang="es-MX"/>
               <a:t>Haga clic para modificar los estilos de texto del patrón</a:t>
             </a:r>
           </a:p>
           <a:p>
             <a:pPr lvl="1"/>
             <a:r>
-              <a:rPr lang="es-ES"/>
+              <a:rPr lang="es-MX"/>
               <a:t>Segundo nivel</a:t>
             </a:r>
           </a:p>
           <a:p>
             <a:pPr lvl="2"/>
             <a:r>
-              <a:rPr lang="es-ES"/>
+              <a:rPr lang="es-MX"/>
               <a:t>Tercer nivel</a:t>
             </a:r>
           </a:p>
           <a:p>
             <a:pPr lvl="3"/>
             <a:r>
-              <a:rPr lang="es-ES"/>
+              <a:rPr lang="es-MX"/>
               <a:t>Cuarto nivel</a:t>
             </a:r>
           </a:p>
           <a:p>
             <a:pPr lvl="4"/>
             <a:r>
-              <a:rPr lang="es-ES"/>
+              <a:rPr lang="es-MX"/>
               <a:t>Quinto nivel</a:t>
             </a:r>
-            <a:endParaRPr lang="es-MX"/>
+            <a:endParaRPr lang="es-ES_tradnl"/>
           </a:p>
         </p:txBody>
       </p:sp>
@@ -848,7 +861,7 @@
           <p:cNvPr id="4" name="Marcador de fecha 3">
             <a:extLst>
               <a:ext uri="{FF2B5EF4-FFF2-40B4-BE49-F238E27FC236}">
-                <a16:creationId xmlns:a16="http://schemas.microsoft.com/office/drawing/2014/main" id="{FAD21CE6-45C8-4D94-96E0-6DB552B3CAEC}"/>
+                <a16:creationId xmlns:a16="http://schemas.microsoft.com/office/drawing/2014/main" id="{FB63E191-F4F0-0348-B5D1-E019DD6524D1}"/>
               </a:ext>
             </a:extLst>
           </p:cNvPr>
@@ -866,7 +879,7 @@
           <a:p>
             <a:fld id="{C7D119B6-3D6E-41E2-90C4-A7C1CC8E1202}" type="datetimeFigureOut">
               <a:rPr lang="es-MX" smtClean="0"/>
-              <a:t>30/09/2019</a:t>
+              <a:t>01/10/19</a:t>
             </a:fld>
             <a:endParaRPr lang="es-MX"/>
           </a:p>
@@ -877,7 +890,7 @@
           <p:cNvPr id="5" name="Marcador de pie de página 4">
             <a:extLst>
               <a:ext uri="{FF2B5EF4-FFF2-40B4-BE49-F238E27FC236}">
-                <a16:creationId xmlns:a16="http://schemas.microsoft.com/office/drawing/2014/main" id="{81BD758F-E15F-483F-B07D-D07DC9836D2D}"/>
+                <a16:creationId xmlns:a16="http://schemas.microsoft.com/office/drawing/2014/main" id="{3765C178-2EF6-E449-907E-30B1A52974DB}"/>
               </a:ext>
             </a:extLst>
           </p:cNvPr>
@@ -902,7 +915,7 @@
           <p:cNvPr id="6" name="Marcador de número de diapositiva 5">
             <a:extLst>
               <a:ext uri="{FF2B5EF4-FFF2-40B4-BE49-F238E27FC236}">
-                <a16:creationId xmlns:a16="http://schemas.microsoft.com/office/drawing/2014/main" id="{CEEABC34-86BA-44AB-9A56-440D71F111CC}"/>
+                <a16:creationId xmlns:a16="http://schemas.microsoft.com/office/drawing/2014/main" id="{FA80DE24-135E-3D43-A2EA-B6AC8B68306A}"/>
               </a:ext>
             </a:extLst>
           </p:cNvPr>
@@ -929,7 +942,7 @@
     </p:spTree>
     <p:extLst>
       <p:ext uri="{BB962C8B-B14F-4D97-AF65-F5344CB8AC3E}">
-        <p14:creationId xmlns:p14="http://schemas.microsoft.com/office/powerpoint/2010/main" val="4013971471"/>
+        <p14:creationId xmlns:p14="http://schemas.microsoft.com/office/powerpoint/2010/main" val="1859245393"/>
       </p:ext>
     </p:extLst>
   </p:cSld>
@@ -961,7 +974,7 @@
           <p:cNvPr id="2" name="Título 1">
             <a:extLst>
               <a:ext uri="{FF2B5EF4-FFF2-40B4-BE49-F238E27FC236}">
-                <a16:creationId xmlns:a16="http://schemas.microsoft.com/office/drawing/2014/main" id="{386B1911-F9AE-412D-8436-61391AD69ED0}"/>
+                <a16:creationId xmlns:a16="http://schemas.microsoft.com/office/drawing/2014/main" id="{1B9FB993-BCBB-1346-9E14-9AD6A433DF7F}"/>
               </a:ext>
             </a:extLst>
           </p:cNvPr>
@@ -987,10 +1000,10 @@
           </a:lstStyle>
           <a:p>
             <a:r>
-              <a:rPr lang="es-ES"/>
-              <a:t>Haga clic para modificar el estilo de título del patrón</a:t>
-            </a:r>
-            <a:endParaRPr lang="es-MX"/>
+              <a:rPr lang="es-MX"/>
+              <a:t>Haz clic para modificar el estilo de título del patrón</a:t>
+            </a:r>
+            <a:endParaRPr lang="es-ES_tradnl"/>
           </a:p>
         </p:txBody>
       </p:sp>
@@ -999,7 +1012,7 @@
           <p:cNvPr id="3" name="Marcador de texto 2">
             <a:extLst>
               <a:ext uri="{FF2B5EF4-FFF2-40B4-BE49-F238E27FC236}">
-                <a16:creationId xmlns:a16="http://schemas.microsoft.com/office/drawing/2014/main" id="{21077987-A7E6-43A2-B50A-B22B3DBFEE40}"/>
+                <a16:creationId xmlns:a16="http://schemas.microsoft.com/office/drawing/2014/main" id="{4E623402-B577-3344-B9F2-C084F6A994C2}"/>
               </a:ext>
             </a:extLst>
           </p:cNvPr>
@@ -1113,7 +1126,7 @@
           <a:p>
             <a:pPr lvl="0"/>
             <a:r>
-              <a:rPr lang="es-ES"/>
+              <a:rPr lang="es-MX"/>
               <a:t>Haga clic para modificar los estilos de texto del patrón</a:t>
             </a:r>
           </a:p>
@@ -1124,7 +1137,7 @@
           <p:cNvPr id="4" name="Marcador de fecha 3">
             <a:extLst>
               <a:ext uri="{FF2B5EF4-FFF2-40B4-BE49-F238E27FC236}">
-                <a16:creationId xmlns:a16="http://schemas.microsoft.com/office/drawing/2014/main" id="{60727C05-B986-47D2-BDE0-B1CFAE8ED08A}"/>
+                <a16:creationId xmlns:a16="http://schemas.microsoft.com/office/drawing/2014/main" id="{0AFFA990-D555-CB4F-A07D-E705E0F4AAA3}"/>
               </a:ext>
             </a:extLst>
           </p:cNvPr>
@@ -1142,7 +1155,7 @@
           <a:p>
             <a:fld id="{C7D119B6-3D6E-41E2-90C4-A7C1CC8E1202}" type="datetimeFigureOut">
               <a:rPr lang="es-MX" smtClean="0"/>
-              <a:t>30/09/2019</a:t>
+              <a:t>01/10/19</a:t>
             </a:fld>
             <a:endParaRPr lang="es-MX"/>
           </a:p>
@@ -1153,7 +1166,7 @@
           <p:cNvPr id="5" name="Marcador de pie de página 4">
             <a:extLst>
               <a:ext uri="{FF2B5EF4-FFF2-40B4-BE49-F238E27FC236}">
-                <a16:creationId xmlns:a16="http://schemas.microsoft.com/office/drawing/2014/main" id="{F3B4F6C9-FC8B-471F-854D-05D24FE31A61}"/>
+                <a16:creationId xmlns:a16="http://schemas.microsoft.com/office/drawing/2014/main" id="{A9080F4C-20A2-E74C-B5B2-B9549F2CD833}"/>
               </a:ext>
             </a:extLst>
           </p:cNvPr>
@@ -1178,7 +1191,7 @@
           <p:cNvPr id="6" name="Marcador de número de diapositiva 5">
             <a:extLst>
               <a:ext uri="{FF2B5EF4-FFF2-40B4-BE49-F238E27FC236}">
-                <a16:creationId xmlns:a16="http://schemas.microsoft.com/office/drawing/2014/main" id="{67DB6847-198B-41FF-98D5-32CC79C629E5}"/>
+                <a16:creationId xmlns:a16="http://schemas.microsoft.com/office/drawing/2014/main" id="{65988C86-F821-4C41-A47B-A854989638BC}"/>
               </a:ext>
             </a:extLst>
           </p:cNvPr>
@@ -1205,7 +1218,7 @@
     </p:spTree>
     <p:extLst>
       <p:ext uri="{BB962C8B-B14F-4D97-AF65-F5344CB8AC3E}">
-        <p14:creationId xmlns:p14="http://schemas.microsoft.com/office/powerpoint/2010/main" val="2624023431"/>
+        <p14:creationId xmlns:p14="http://schemas.microsoft.com/office/powerpoint/2010/main" val="3866863132"/>
       </p:ext>
     </p:extLst>
   </p:cSld>
@@ -1237,7 +1250,7 @@
           <p:cNvPr id="2" name="Título 1">
             <a:extLst>
               <a:ext uri="{FF2B5EF4-FFF2-40B4-BE49-F238E27FC236}">
-                <a16:creationId xmlns:a16="http://schemas.microsoft.com/office/drawing/2014/main" id="{456340D0-1DB2-4DE8-B2C6-2EF21E864E4D}"/>
+                <a16:creationId xmlns:a16="http://schemas.microsoft.com/office/drawing/2014/main" id="{79249E64-A7E1-7F46-9B41-06498EC66F76}"/>
               </a:ext>
             </a:extLst>
           </p:cNvPr>
@@ -1254,10 +1267,10 @@
           <a:lstStyle/>
           <a:p>
             <a:r>
-              <a:rPr lang="es-ES"/>
-              <a:t>Haga clic para modificar el estilo de título del patrón</a:t>
-            </a:r>
-            <a:endParaRPr lang="es-MX"/>
+              <a:rPr lang="es-MX"/>
+              <a:t>Haz clic para modificar el estilo de título del patrón</a:t>
+            </a:r>
+            <a:endParaRPr lang="es-ES_tradnl"/>
           </a:p>
         </p:txBody>
       </p:sp>
@@ -1266,7 +1279,7 @@
           <p:cNvPr id="3" name="Marcador de contenido 2">
             <a:extLst>
               <a:ext uri="{FF2B5EF4-FFF2-40B4-BE49-F238E27FC236}">
-                <a16:creationId xmlns:a16="http://schemas.microsoft.com/office/drawing/2014/main" id="{072E82BF-72A7-43BE-8BF7-18328D217EBE}"/>
+                <a16:creationId xmlns:a16="http://schemas.microsoft.com/office/drawing/2014/main" id="{1760779E-F4E9-5943-A430-E6AAF0507C00}"/>
               </a:ext>
             </a:extLst>
           </p:cNvPr>
@@ -1289,38 +1302,38 @@
           <a:p>
             <a:pPr lvl="0"/>
             <a:r>
-              <a:rPr lang="es-ES"/>
+              <a:rPr lang="es-MX"/>
               <a:t>Haga clic para modificar los estilos de texto del patrón</a:t>
             </a:r>
           </a:p>
           <a:p>
             <a:pPr lvl="1"/>
             <a:r>
-              <a:rPr lang="es-ES"/>
+              <a:rPr lang="es-MX"/>
               <a:t>Segundo nivel</a:t>
             </a:r>
           </a:p>
           <a:p>
             <a:pPr lvl="2"/>
             <a:r>
-              <a:rPr lang="es-ES"/>
+              <a:rPr lang="es-MX"/>
               <a:t>Tercer nivel</a:t>
             </a:r>
           </a:p>
           <a:p>
             <a:pPr lvl="3"/>
             <a:r>
-              <a:rPr lang="es-ES"/>
+              <a:rPr lang="es-MX"/>
               <a:t>Cuarto nivel</a:t>
             </a:r>
           </a:p>
           <a:p>
             <a:pPr lvl="4"/>
             <a:r>
-              <a:rPr lang="es-ES"/>
+              <a:rPr lang="es-MX"/>
               <a:t>Quinto nivel</a:t>
             </a:r>
-            <a:endParaRPr lang="es-MX"/>
+            <a:endParaRPr lang="es-ES_tradnl"/>
           </a:p>
         </p:txBody>
       </p:sp>
@@ -1329,7 +1342,7 @@
           <p:cNvPr id="4" name="Marcador de contenido 3">
             <a:extLst>
               <a:ext uri="{FF2B5EF4-FFF2-40B4-BE49-F238E27FC236}">
-                <a16:creationId xmlns:a16="http://schemas.microsoft.com/office/drawing/2014/main" id="{AB5468DE-6AC2-439F-96B5-EF123574541B}"/>
+                <a16:creationId xmlns:a16="http://schemas.microsoft.com/office/drawing/2014/main" id="{66FDCFDF-4F2B-CB46-A21D-26E368D3A69B}"/>
               </a:ext>
             </a:extLst>
           </p:cNvPr>
@@ -1352,38 +1365,38 @@
           <a:p>
             <a:pPr lvl="0"/>
             <a:r>
-              <a:rPr lang="es-ES"/>
+              <a:rPr lang="es-MX"/>
               <a:t>Haga clic para modificar los estilos de texto del patrón</a:t>
             </a:r>
           </a:p>
           <a:p>
             <a:pPr lvl="1"/>
             <a:r>
-              <a:rPr lang="es-ES"/>
+              <a:rPr lang="es-MX"/>
               <a:t>Segundo nivel</a:t>
             </a:r>
           </a:p>
           <a:p>
             <a:pPr lvl="2"/>
             <a:r>
-              <a:rPr lang="es-ES"/>
+              <a:rPr lang="es-MX"/>
               <a:t>Tercer nivel</a:t>
             </a:r>
           </a:p>
           <a:p>
             <a:pPr lvl="3"/>
             <a:r>
-              <a:rPr lang="es-ES"/>
+              <a:rPr lang="es-MX"/>
               <a:t>Cuarto nivel</a:t>
             </a:r>
           </a:p>
           <a:p>
             <a:pPr lvl="4"/>
             <a:r>
-              <a:rPr lang="es-ES"/>
+              <a:rPr lang="es-MX"/>
               <a:t>Quinto nivel</a:t>
             </a:r>
-            <a:endParaRPr lang="es-MX"/>
+            <a:endParaRPr lang="es-ES_tradnl"/>
           </a:p>
         </p:txBody>
       </p:sp>
@@ -1392,7 +1405,7 @@
           <p:cNvPr id="5" name="Marcador de fecha 4">
             <a:extLst>
               <a:ext uri="{FF2B5EF4-FFF2-40B4-BE49-F238E27FC236}">
-                <a16:creationId xmlns:a16="http://schemas.microsoft.com/office/drawing/2014/main" id="{1B86D991-D84D-4EBC-93F3-BF13CA13BDD3}"/>
+                <a16:creationId xmlns:a16="http://schemas.microsoft.com/office/drawing/2014/main" id="{4E58C04A-532D-F744-B83E-4C7C128AC7D2}"/>
               </a:ext>
             </a:extLst>
           </p:cNvPr>
@@ -1410,7 +1423,7 @@
           <a:p>
             <a:fld id="{C7D119B6-3D6E-41E2-90C4-A7C1CC8E1202}" type="datetimeFigureOut">
               <a:rPr lang="es-MX" smtClean="0"/>
-              <a:t>30/09/2019</a:t>
+              <a:t>01/10/19</a:t>
             </a:fld>
             <a:endParaRPr lang="es-MX"/>
           </a:p>
@@ -1421,7 +1434,7 @@
           <p:cNvPr id="6" name="Marcador de pie de página 5">
             <a:extLst>
               <a:ext uri="{FF2B5EF4-FFF2-40B4-BE49-F238E27FC236}">
-                <a16:creationId xmlns:a16="http://schemas.microsoft.com/office/drawing/2014/main" id="{94036652-6267-4336-B165-8C87F37AE411}"/>
+                <a16:creationId xmlns:a16="http://schemas.microsoft.com/office/drawing/2014/main" id="{2AD059AE-B4C5-F543-977F-3ACD1B9EB348}"/>
               </a:ext>
             </a:extLst>
           </p:cNvPr>
@@ -1446,7 +1459,7 @@
           <p:cNvPr id="7" name="Marcador de número de diapositiva 6">
             <a:extLst>
               <a:ext uri="{FF2B5EF4-FFF2-40B4-BE49-F238E27FC236}">
-                <a16:creationId xmlns:a16="http://schemas.microsoft.com/office/drawing/2014/main" id="{415C8CD3-54B7-41B3-B027-92848D60C9E0}"/>
+                <a16:creationId xmlns:a16="http://schemas.microsoft.com/office/drawing/2014/main" id="{FF27E4BF-AB30-BE4B-BBAC-7E470FB6BAF5}"/>
               </a:ext>
             </a:extLst>
           </p:cNvPr>
@@ -1473,7 +1486,7 @@
     </p:spTree>
     <p:extLst>
       <p:ext uri="{BB962C8B-B14F-4D97-AF65-F5344CB8AC3E}">
-        <p14:creationId xmlns:p14="http://schemas.microsoft.com/office/powerpoint/2010/main" val="2034748007"/>
+        <p14:creationId xmlns:p14="http://schemas.microsoft.com/office/powerpoint/2010/main" val="3488398656"/>
       </p:ext>
     </p:extLst>
   </p:cSld>
@@ -1505,7 +1518,7 @@
           <p:cNvPr id="2" name="Título 1">
             <a:extLst>
               <a:ext uri="{FF2B5EF4-FFF2-40B4-BE49-F238E27FC236}">
-                <a16:creationId xmlns:a16="http://schemas.microsoft.com/office/drawing/2014/main" id="{1A50DCC8-F38B-4F79-BBBD-C953DC0D98DC}"/>
+                <a16:creationId xmlns:a16="http://schemas.microsoft.com/office/drawing/2014/main" id="{FDC9C8D1-70AD-CA4C-B5E5-C2BC1728B54B}"/>
               </a:ext>
             </a:extLst>
           </p:cNvPr>
@@ -1527,10 +1540,10 @@
           <a:lstStyle/>
           <a:p>
             <a:r>
-              <a:rPr lang="es-ES"/>
-              <a:t>Haga clic para modificar el estilo de título del patrón</a:t>
-            </a:r>
-            <a:endParaRPr lang="es-MX"/>
+              <a:rPr lang="es-MX"/>
+              <a:t>Haz clic para modificar el estilo de título del patrón</a:t>
+            </a:r>
+            <a:endParaRPr lang="es-ES_tradnl"/>
           </a:p>
         </p:txBody>
       </p:sp>
@@ -1539,7 +1552,7 @@
           <p:cNvPr id="3" name="Marcador de texto 2">
             <a:extLst>
               <a:ext uri="{FF2B5EF4-FFF2-40B4-BE49-F238E27FC236}">
-                <a16:creationId xmlns:a16="http://schemas.microsoft.com/office/drawing/2014/main" id="{0B54587A-470D-4D5B-86A9-13840554C879}"/>
+                <a16:creationId xmlns:a16="http://schemas.microsoft.com/office/drawing/2014/main" id="{B50C03A5-7EEF-B74E-8A26-4AD61147FB03}"/>
               </a:ext>
             </a:extLst>
           </p:cNvPr>
@@ -1599,7 +1612,7 @@
           <a:p>
             <a:pPr lvl="0"/>
             <a:r>
-              <a:rPr lang="es-ES"/>
+              <a:rPr lang="es-MX"/>
               <a:t>Haga clic para modificar los estilos de texto del patrón</a:t>
             </a:r>
           </a:p>
@@ -1610,7 +1623,7 @@
           <p:cNvPr id="4" name="Marcador de contenido 3">
             <a:extLst>
               <a:ext uri="{FF2B5EF4-FFF2-40B4-BE49-F238E27FC236}">
-                <a16:creationId xmlns:a16="http://schemas.microsoft.com/office/drawing/2014/main" id="{574B9C4D-9D2E-4132-9C47-FD4F8E9CDDB9}"/>
+                <a16:creationId xmlns:a16="http://schemas.microsoft.com/office/drawing/2014/main" id="{672EA5AA-D835-E64F-87BB-511EFCB4291B}"/>
               </a:ext>
             </a:extLst>
           </p:cNvPr>
@@ -1633,38 +1646,38 @@
           <a:p>
             <a:pPr lvl="0"/>
             <a:r>
-              <a:rPr lang="es-ES"/>
+              <a:rPr lang="es-MX"/>
               <a:t>Haga clic para modificar los estilos de texto del patrón</a:t>
             </a:r>
           </a:p>
           <a:p>
             <a:pPr lvl="1"/>
             <a:r>
-              <a:rPr lang="es-ES"/>
+              <a:rPr lang="es-MX"/>
               <a:t>Segundo nivel</a:t>
             </a:r>
           </a:p>
           <a:p>
             <a:pPr lvl="2"/>
             <a:r>
-              <a:rPr lang="es-ES"/>
+              <a:rPr lang="es-MX"/>
               <a:t>Tercer nivel</a:t>
             </a:r>
           </a:p>
           <a:p>
             <a:pPr lvl="3"/>
             <a:r>
-              <a:rPr lang="es-ES"/>
+              <a:rPr lang="es-MX"/>
               <a:t>Cuarto nivel</a:t>
             </a:r>
           </a:p>
           <a:p>
             <a:pPr lvl="4"/>
             <a:r>
-              <a:rPr lang="es-ES"/>
+              <a:rPr lang="es-MX"/>
               <a:t>Quinto nivel</a:t>
             </a:r>
-            <a:endParaRPr lang="es-MX"/>
+            <a:endParaRPr lang="es-ES_tradnl"/>
           </a:p>
         </p:txBody>
       </p:sp>
@@ -1673,7 +1686,7 @@
           <p:cNvPr id="5" name="Marcador de texto 4">
             <a:extLst>
               <a:ext uri="{FF2B5EF4-FFF2-40B4-BE49-F238E27FC236}">
-                <a16:creationId xmlns:a16="http://schemas.microsoft.com/office/drawing/2014/main" id="{6D50682C-4195-4EAF-A7B3-6050172C2C30}"/>
+                <a16:creationId xmlns:a16="http://schemas.microsoft.com/office/drawing/2014/main" id="{63B1E50D-8CE1-4A46-A2B4-88BD50CE895F}"/>
               </a:ext>
             </a:extLst>
           </p:cNvPr>
@@ -1733,7 +1746,7 @@
           <a:p>
             <a:pPr lvl="0"/>
             <a:r>
-              <a:rPr lang="es-ES"/>
+              <a:rPr lang="es-MX"/>
               <a:t>Haga clic para modificar los estilos de texto del patrón</a:t>
             </a:r>
           </a:p>
@@ -1744,7 +1757,7 @@
           <p:cNvPr id="6" name="Marcador de contenido 5">
             <a:extLst>
               <a:ext uri="{FF2B5EF4-FFF2-40B4-BE49-F238E27FC236}">
-                <a16:creationId xmlns:a16="http://schemas.microsoft.com/office/drawing/2014/main" id="{67851F26-1BA7-489B-A50F-C19FDD7336B8}"/>
+                <a16:creationId xmlns:a16="http://schemas.microsoft.com/office/drawing/2014/main" id="{6CDB2FA5-1F0B-C949-A53E-34D8958E7C7B}"/>
               </a:ext>
             </a:extLst>
           </p:cNvPr>
@@ -1767,38 +1780,38 @@
           <a:p>
             <a:pPr lvl="0"/>
             <a:r>
-              <a:rPr lang="es-ES"/>
+              <a:rPr lang="es-MX"/>
               <a:t>Haga clic para modificar los estilos de texto del patrón</a:t>
             </a:r>
           </a:p>
           <a:p>
             <a:pPr lvl="1"/>
             <a:r>
-              <a:rPr lang="es-ES"/>
+              <a:rPr lang="es-MX"/>
               <a:t>Segundo nivel</a:t>
             </a:r>
           </a:p>
           <a:p>
             <a:pPr lvl="2"/>
             <a:r>
-              <a:rPr lang="es-ES"/>
+              <a:rPr lang="es-MX"/>
               <a:t>Tercer nivel</a:t>
             </a:r>
           </a:p>
           <a:p>
             <a:pPr lvl="3"/>
             <a:r>
-              <a:rPr lang="es-ES"/>
+              <a:rPr lang="es-MX"/>
               <a:t>Cuarto nivel</a:t>
             </a:r>
           </a:p>
           <a:p>
             <a:pPr lvl="4"/>
             <a:r>
-              <a:rPr lang="es-ES"/>
+              <a:rPr lang="es-MX"/>
               <a:t>Quinto nivel</a:t>
             </a:r>
-            <a:endParaRPr lang="es-MX"/>
+            <a:endParaRPr lang="es-ES_tradnl"/>
           </a:p>
         </p:txBody>
       </p:sp>
@@ -1807,7 +1820,7 @@
           <p:cNvPr id="7" name="Marcador de fecha 6">
             <a:extLst>
               <a:ext uri="{FF2B5EF4-FFF2-40B4-BE49-F238E27FC236}">
-                <a16:creationId xmlns:a16="http://schemas.microsoft.com/office/drawing/2014/main" id="{F7F75997-149E-4D9B-8DFF-64A810068713}"/>
+                <a16:creationId xmlns:a16="http://schemas.microsoft.com/office/drawing/2014/main" id="{A50C8C40-91D3-E542-B83A-A5589F09840F}"/>
               </a:ext>
             </a:extLst>
           </p:cNvPr>
@@ -1825,7 +1838,7 @@
           <a:p>
             <a:fld id="{C7D119B6-3D6E-41E2-90C4-A7C1CC8E1202}" type="datetimeFigureOut">
               <a:rPr lang="es-MX" smtClean="0"/>
-              <a:t>30/09/2019</a:t>
+              <a:t>01/10/19</a:t>
             </a:fld>
             <a:endParaRPr lang="es-MX"/>
           </a:p>
@@ -1836,7 +1849,7 @@
           <p:cNvPr id="8" name="Marcador de pie de página 7">
             <a:extLst>
               <a:ext uri="{FF2B5EF4-FFF2-40B4-BE49-F238E27FC236}">
-                <a16:creationId xmlns:a16="http://schemas.microsoft.com/office/drawing/2014/main" id="{8820C311-2F4B-421D-913F-42E65AC418C9}"/>
+                <a16:creationId xmlns:a16="http://schemas.microsoft.com/office/drawing/2014/main" id="{4E28F6FA-E5B4-1044-BAE6-49ACE2CF8114}"/>
               </a:ext>
             </a:extLst>
           </p:cNvPr>
@@ -1861,7 +1874,7 @@
           <p:cNvPr id="9" name="Marcador de número de diapositiva 8">
             <a:extLst>
               <a:ext uri="{FF2B5EF4-FFF2-40B4-BE49-F238E27FC236}">
-                <a16:creationId xmlns:a16="http://schemas.microsoft.com/office/drawing/2014/main" id="{80988C1A-4D5B-46C6-ADE8-5B7689B47052}"/>
+                <a16:creationId xmlns:a16="http://schemas.microsoft.com/office/drawing/2014/main" id="{BAA2623B-7749-9949-9757-2BEC6D7C7EFA}"/>
               </a:ext>
             </a:extLst>
           </p:cNvPr>
@@ -1888,7 +1901,7 @@
     </p:spTree>
     <p:extLst>
       <p:ext uri="{BB962C8B-B14F-4D97-AF65-F5344CB8AC3E}">
-        <p14:creationId xmlns:p14="http://schemas.microsoft.com/office/powerpoint/2010/main" val="3401721945"/>
+        <p14:creationId xmlns:p14="http://schemas.microsoft.com/office/powerpoint/2010/main" val="2223561185"/>
       </p:ext>
     </p:extLst>
   </p:cSld>
@@ -1920,7 +1933,7 @@
           <p:cNvPr id="2" name="Título 1">
             <a:extLst>
               <a:ext uri="{FF2B5EF4-FFF2-40B4-BE49-F238E27FC236}">
-                <a16:creationId xmlns:a16="http://schemas.microsoft.com/office/drawing/2014/main" id="{C3506A6A-3F06-4AD1-8738-CD2CEC7569E8}"/>
+                <a16:creationId xmlns:a16="http://schemas.microsoft.com/office/drawing/2014/main" id="{E12AC2EE-3E0B-FB4A-8FD2-C5393BD10DD3}"/>
               </a:ext>
             </a:extLst>
           </p:cNvPr>
@@ -1937,10 +1950,10 @@
           <a:lstStyle/>
           <a:p>
             <a:r>
-              <a:rPr lang="es-ES"/>
-              <a:t>Haga clic para modificar el estilo de título del patrón</a:t>
-            </a:r>
-            <a:endParaRPr lang="es-MX"/>
+              <a:rPr lang="es-MX"/>
+              <a:t>Haz clic para modificar el estilo de título del patrón</a:t>
+            </a:r>
+            <a:endParaRPr lang="es-ES_tradnl"/>
           </a:p>
         </p:txBody>
       </p:sp>
@@ -1949,7 +1962,7 @@
           <p:cNvPr id="3" name="Marcador de fecha 2">
             <a:extLst>
               <a:ext uri="{FF2B5EF4-FFF2-40B4-BE49-F238E27FC236}">
-                <a16:creationId xmlns:a16="http://schemas.microsoft.com/office/drawing/2014/main" id="{85CFF105-AC1C-4519-8BFB-BFE10611C740}"/>
+                <a16:creationId xmlns:a16="http://schemas.microsoft.com/office/drawing/2014/main" id="{1E01BF0F-BC0C-0E47-8D00-4ED027A62BAB}"/>
               </a:ext>
             </a:extLst>
           </p:cNvPr>
@@ -1967,7 +1980,7 @@
           <a:p>
             <a:fld id="{C7D119B6-3D6E-41E2-90C4-A7C1CC8E1202}" type="datetimeFigureOut">
               <a:rPr lang="es-MX" smtClean="0"/>
-              <a:t>30/09/2019</a:t>
+              <a:t>01/10/19</a:t>
             </a:fld>
             <a:endParaRPr lang="es-MX"/>
           </a:p>
@@ -1978,7 +1991,7 @@
           <p:cNvPr id="4" name="Marcador de pie de página 3">
             <a:extLst>
               <a:ext uri="{FF2B5EF4-FFF2-40B4-BE49-F238E27FC236}">
-                <a16:creationId xmlns:a16="http://schemas.microsoft.com/office/drawing/2014/main" id="{2FFE8503-C3FF-42E7-94F6-CDD602CFD7BC}"/>
+                <a16:creationId xmlns:a16="http://schemas.microsoft.com/office/drawing/2014/main" id="{D3BE4AF7-DC14-9640-9F9D-05BE7CB30E5E}"/>
               </a:ext>
             </a:extLst>
           </p:cNvPr>
@@ -2003,7 +2016,7 @@
           <p:cNvPr id="5" name="Marcador de número de diapositiva 4">
             <a:extLst>
               <a:ext uri="{FF2B5EF4-FFF2-40B4-BE49-F238E27FC236}">
-                <a16:creationId xmlns:a16="http://schemas.microsoft.com/office/drawing/2014/main" id="{EA50E9E8-09F4-46D7-A870-EFE82E0A304E}"/>
+                <a16:creationId xmlns:a16="http://schemas.microsoft.com/office/drawing/2014/main" id="{98E0F71D-DE3F-A74A-AE0E-3348C63605E8}"/>
               </a:ext>
             </a:extLst>
           </p:cNvPr>
@@ -2030,7 +2043,7 @@
     </p:spTree>
     <p:extLst>
       <p:ext uri="{BB962C8B-B14F-4D97-AF65-F5344CB8AC3E}">
-        <p14:creationId xmlns:p14="http://schemas.microsoft.com/office/powerpoint/2010/main" val="4001900218"/>
+        <p14:creationId xmlns:p14="http://schemas.microsoft.com/office/powerpoint/2010/main" val="565317351"/>
       </p:ext>
     </p:extLst>
   </p:cSld>
@@ -2062,7 +2075,7 @@
           <p:cNvPr id="2" name="Marcador de fecha 1">
             <a:extLst>
               <a:ext uri="{FF2B5EF4-FFF2-40B4-BE49-F238E27FC236}">
-                <a16:creationId xmlns:a16="http://schemas.microsoft.com/office/drawing/2014/main" id="{CAFEFD8E-79D8-4C91-8442-76E516174576}"/>
+                <a16:creationId xmlns:a16="http://schemas.microsoft.com/office/drawing/2014/main" id="{A703DECE-A907-0B48-950A-3ADD7720F2DA}"/>
               </a:ext>
             </a:extLst>
           </p:cNvPr>
@@ -2080,7 +2093,7 @@
           <a:p>
             <a:fld id="{C7D119B6-3D6E-41E2-90C4-A7C1CC8E1202}" type="datetimeFigureOut">
               <a:rPr lang="es-MX" smtClean="0"/>
-              <a:t>30/09/2019</a:t>
+              <a:t>01/10/19</a:t>
             </a:fld>
             <a:endParaRPr lang="es-MX"/>
           </a:p>
@@ -2091,7 +2104,7 @@
           <p:cNvPr id="3" name="Marcador de pie de página 2">
             <a:extLst>
               <a:ext uri="{FF2B5EF4-FFF2-40B4-BE49-F238E27FC236}">
-                <a16:creationId xmlns:a16="http://schemas.microsoft.com/office/drawing/2014/main" id="{471B3D6D-7D0D-4E5E-940C-B58AC707BFA4}"/>
+                <a16:creationId xmlns:a16="http://schemas.microsoft.com/office/drawing/2014/main" id="{8E4F6996-8FAB-BC4C-BC7C-61EE4FBFCD21}"/>
               </a:ext>
             </a:extLst>
           </p:cNvPr>
@@ -2116,7 +2129,7 @@
           <p:cNvPr id="4" name="Marcador de número de diapositiva 3">
             <a:extLst>
               <a:ext uri="{FF2B5EF4-FFF2-40B4-BE49-F238E27FC236}">
-                <a16:creationId xmlns:a16="http://schemas.microsoft.com/office/drawing/2014/main" id="{645C6626-1840-4F09-AD0C-8B6DE49F75DD}"/>
+                <a16:creationId xmlns:a16="http://schemas.microsoft.com/office/drawing/2014/main" id="{395D289D-FB6D-324E-B876-FBC06DC9A6BA}"/>
               </a:ext>
             </a:extLst>
           </p:cNvPr>
@@ -2143,7 +2156,7 @@
     </p:spTree>
     <p:extLst>
       <p:ext uri="{BB962C8B-B14F-4D97-AF65-F5344CB8AC3E}">
-        <p14:creationId xmlns:p14="http://schemas.microsoft.com/office/powerpoint/2010/main" val="1085734960"/>
+        <p14:creationId xmlns:p14="http://schemas.microsoft.com/office/powerpoint/2010/main" val="3674581999"/>
       </p:ext>
     </p:extLst>
   </p:cSld>
@@ -2175,7 +2188,7 @@
           <p:cNvPr id="2" name="Título 1">
             <a:extLst>
               <a:ext uri="{FF2B5EF4-FFF2-40B4-BE49-F238E27FC236}">
-                <a16:creationId xmlns:a16="http://schemas.microsoft.com/office/drawing/2014/main" id="{72CAAF4E-958A-4571-BAF6-09339F3D8FB3}"/>
+                <a16:creationId xmlns:a16="http://schemas.microsoft.com/office/drawing/2014/main" id="{5DA3F440-501A-B74D-9DFC-A4DFFF34EDCA}"/>
               </a:ext>
             </a:extLst>
           </p:cNvPr>
@@ -2201,10 +2214,10 @@
           </a:lstStyle>
           <a:p>
             <a:r>
-              <a:rPr lang="es-ES"/>
-              <a:t>Haga clic para modificar el estilo de título del patrón</a:t>
-            </a:r>
-            <a:endParaRPr lang="es-MX"/>
+              <a:rPr lang="es-MX"/>
+              <a:t>Haz clic para modificar el estilo de título del patrón</a:t>
+            </a:r>
+            <a:endParaRPr lang="es-ES_tradnl"/>
           </a:p>
         </p:txBody>
       </p:sp>
@@ -2213,7 +2226,7 @@
           <p:cNvPr id="3" name="Marcador de contenido 2">
             <a:extLst>
               <a:ext uri="{FF2B5EF4-FFF2-40B4-BE49-F238E27FC236}">
-                <a16:creationId xmlns:a16="http://schemas.microsoft.com/office/drawing/2014/main" id="{7AAFA652-7552-4BF4-B9E5-A67CB3EB083C}"/>
+                <a16:creationId xmlns:a16="http://schemas.microsoft.com/office/drawing/2014/main" id="{9A17BC8F-C87C-E64A-B7D0-4EC019B722BA}"/>
               </a:ext>
             </a:extLst>
           </p:cNvPr>
@@ -2264,38 +2277,38 @@
           <a:p>
             <a:pPr lvl="0"/>
             <a:r>
-              <a:rPr lang="es-ES"/>
+              <a:rPr lang="es-MX"/>
               <a:t>Haga clic para modificar los estilos de texto del patrón</a:t>
             </a:r>
           </a:p>
           <a:p>
             <a:pPr lvl="1"/>
             <a:r>
-              <a:rPr lang="es-ES"/>
+              <a:rPr lang="es-MX"/>
               <a:t>Segundo nivel</a:t>
             </a:r>
           </a:p>
           <a:p>
             <a:pPr lvl="2"/>
             <a:r>
-              <a:rPr lang="es-ES"/>
+              <a:rPr lang="es-MX"/>
               <a:t>Tercer nivel</a:t>
             </a:r>
           </a:p>
           <a:p>
             <a:pPr lvl="3"/>
             <a:r>
-              <a:rPr lang="es-ES"/>
+              <a:rPr lang="es-MX"/>
               <a:t>Cuarto nivel</a:t>
             </a:r>
           </a:p>
           <a:p>
             <a:pPr lvl="4"/>
             <a:r>
-              <a:rPr lang="es-ES"/>
+              <a:rPr lang="es-MX"/>
               <a:t>Quinto nivel</a:t>
             </a:r>
-            <a:endParaRPr lang="es-MX"/>
+            <a:endParaRPr lang="es-ES_tradnl"/>
           </a:p>
         </p:txBody>
       </p:sp>
@@ -2304,7 +2317,7 @@
           <p:cNvPr id="4" name="Marcador de texto 3">
             <a:extLst>
               <a:ext uri="{FF2B5EF4-FFF2-40B4-BE49-F238E27FC236}">
-                <a16:creationId xmlns:a16="http://schemas.microsoft.com/office/drawing/2014/main" id="{ECE8720D-DB6A-4981-A089-A9DE3F5950B1}"/>
+                <a16:creationId xmlns:a16="http://schemas.microsoft.com/office/drawing/2014/main" id="{E1BA1468-E9F6-4D4D-A672-969EDFCD7E1D}"/>
               </a:ext>
             </a:extLst>
           </p:cNvPr>
@@ -2364,7 +2377,7 @@
           <a:p>
             <a:pPr lvl="0"/>
             <a:r>
-              <a:rPr lang="es-ES"/>
+              <a:rPr lang="es-MX"/>
               <a:t>Haga clic para modificar los estilos de texto del patrón</a:t>
             </a:r>
           </a:p>
@@ -2375,7 +2388,7 @@
           <p:cNvPr id="5" name="Marcador de fecha 4">
             <a:extLst>
               <a:ext uri="{FF2B5EF4-FFF2-40B4-BE49-F238E27FC236}">
-                <a16:creationId xmlns:a16="http://schemas.microsoft.com/office/drawing/2014/main" id="{DEDBBDFA-642F-4335-8DD4-70C7B8E9A769}"/>
+                <a16:creationId xmlns:a16="http://schemas.microsoft.com/office/drawing/2014/main" id="{5557AAA1-91DA-CF44-88A3-A42452C2A2C5}"/>
               </a:ext>
             </a:extLst>
           </p:cNvPr>
@@ -2393,7 +2406,7 @@
           <a:p>
             <a:fld id="{C7D119B6-3D6E-41E2-90C4-A7C1CC8E1202}" type="datetimeFigureOut">
               <a:rPr lang="es-MX" smtClean="0"/>
-              <a:t>30/09/2019</a:t>
+              <a:t>01/10/19</a:t>
             </a:fld>
             <a:endParaRPr lang="es-MX"/>
           </a:p>
@@ -2404,7 +2417,7 @@
           <p:cNvPr id="6" name="Marcador de pie de página 5">
             <a:extLst>
               <a:ext uri="{FF2B5EF4-FFF2-40B4-BE49-F238E27FC236}">
-                <a16:creationId xmlns:a16="http://schemas.microsoft.com/office/drawing/2014/main" id="{6FC847FB-38C4-49DE-8BA5-8891BE59320B}"/>
+                <a16:creationId xmlns:a16="http://schemas.microsoft.com/office/drawing/2014/main" id="{E6087D58-C628-854E-83AD-1AEEAFD2C539}"/>
               </a:ext>
             </a:extLst>
           </p:cNvPr>
@@ -2429,7 +2442,7 @@
           <p:cNvPr id="7" name="Marcador de número de diapositiva 6">
             <a:extLst>
               <a:ext uri="{FF2B5EF4-FFF2-40B4-BE49-F238E27FC236}">
-                <a16:creationId xmlns:a16="http://schemas.microsoft.com/office/drawing/2014/main" id="{F621AEF4-21DE-4306-864B-984FA6F088F1}"/>
+                <a16:creationId xmlns:a16="http://schemas.microsoft.com/office/drawing/2014/main" id="{BE597C34-F7F5-8044-B7B6-C5CC8AE54E27}"/>
               </a:ext>
             </a:extLst>
           </p:cNvPr>
@@ -2456,7 +2469,7 @@
     </p:spTree>
     <p:extLst>
       <p:ext uri="{BB962C8B-B14F-4D97-AF65-F5344CB8AC3E}">
-        <p14:creationId xmlns:p14="http://schemas.microsoft.com/office/powerpoint/2010/main" val="902725558"/>
+        <p14:creationId xmlns:p14="http://schemas.microsoft.com/office/powerpoint/2010/main" val="2248115512"/>
       </p:ext>
     </p:extLst>
   </p:cSld>
@@ -2488,7 +2501,7 @@
           <p:cNvPr id="2" name="Título 1">
             <a:extLst>
               <a:ext uri="{FF2B5EF4-FFF2-40B4-BE49-F238E27FC236}">
-                <a16:creationId xmlns:a16="http://schemas.microsoft.com/office/drawing/2014/main" id="{9D5F434F-3E61-46BD-85C5-BA31369E369F}"/>
+                <a16:creationId xmlns:a16="http://schemas.microsoft.com/office/drawing/2014/main" id="{C59F1961-FA66-3C40-BF1E-A1629BE7A90D}"/>
               </a:ext>
             </a:extLst>
           </p:cNvPr>
@@ -2514,10 +2527,10 @@
           </a:lstStyle>
           <a:p>
             <a:r>
-              <a:rPr lang="es-ES"/>
-              <a:t>Haga clic para modificar el estilo de título del patrón</a:t>
-            </a:r>
-            <a:endParaRPr lang="es-MX"/>
+              <a:rPr lang="es-MX"/>
+              <a:t>Haz clic para modificar el estilo de título del patrón</a:t>
+            </a:r>
+            <a:endParaRPr lang="es-ES_tradnl"/>
           </a:p>
         </p:txBody>
       </p:sp>
@@ -2526,7 +2539,7 @@
           <p:cNvPr id="3" name="Marcador de posición de imagen 2">
             <a:extLst>
               <a:ext uri="{FF2B5EF4-FFF2-40B4-BE49-F238E27FC236}">
-                <a16:creationId xmlns:a16="http://schemas.microsoft.com/office/drawing/2014/main" id="{5172C1BB-D426-4FCC-A555-AE56FB9908B3}"/>
+                <a16:creationId xmlns:a16="http://schemas.microsoft.com/office/drawing/2014/main" id="{A48930CC-48ED-E542-9DC3-174DF4B00B36}"/>
               </a:ext>
             </a:extLst>
           </p:cNvPr>
@@ -2584,7 +2597,7 @@
             </a:lvl9pPr>
           </a:lstStyle>
           <a:p>
-            <a:endParaRPr lang="es-MX"/>
+            <a:endParaRPr lang="es-ES_tradnl"/>
           </a:p>
         </p:txBody>
       </p:sp>
@@ -2593,7 +2606,7 @@
           <p:cNvPr id="4" name="Marcador de texto 3">
             <a:extLst>
               <a:ext uri="{FF2B5EF4-FFF2-40B4-BE49-F238E27FC236}">
-                <a16:creationId xmlns:a16="http://schemas.microsoft.com/office/drawing/2014/main" id="{9D0DFAEF-CBCB-4075-A5C3-1C568E0270E7}"/>
+                <a16:creationId xmlns:a16="http://schemas.microsoft.com/office/drawing/2014/main" id="{B2C86E53-E9C6-4C43-9910-D26059982291}"/>
               </a:ext>
             </a:extLst>
           </p:cNvPr>
@@ -2653,7 +2666,7 @@
           <a:p>
             <a:pPr lvl="0"/>
             <a:r>
-              <a:rPr lang="es-ES"/>
+              <a:rPr lang="es-MX"/>
               <a:t>Haga clic para modificar los estilos de texto del patrón</a:t>
             </a:r>
           </a:p>
@@ -2664,7 +2677,7 @@
           <p:cNvPr id="5" name="Marcador de fecha 4">
             <a:extLst>
               <a:ext uri="{FF2B5EF4-FFF2-40B4-BE49-F238E27FC236}">
-                <a16:creationId xmlns:a16="http://schemas.microsoft.com/office/drawing/2014/main" id="{3DD58ADA-FE0B-47DC-A415-AF19F18E4B76}"/>
+                <a16:creationId xmlns:a16="http://schemas.microsoft.com/office/drawing/2014/main" id="{9C59C876-259A-2F40-9407-6F0B0E813688}"/>
               </a:ext>
             </a:extLst>
           </p:cNvPr>
@@ -2682,7 +2695,7 @@
           <a:p>
             <a:fld id="{C7D119B6-3D6E-41E2-90C4-A7C1CC8E1202}" type="datetimeFigureOut">
               <a:rPr lang="es-MX" smtClean="0"/>
-              <a:t>30/09/2019</a:t>
+              <a:t>01/10/19</a:t>
             </a:fld>
             <a:endParaRPr lang="es-MX"/>
           </a:p>
@@ -2693,7 +2706,7 @@
           <p:cNvPr id="6" name="Marcador de pie de página 5">
             <a:extLst>
               <a:ext uri="{FF2B5EF4-FFF2-40B4-BE49-F238E27FC236}">
-                <a16:creationId xmlns:a16="http://schemas.microsoft.com/office/drawing/2014/main" id="{5827ED9E-967D-4C82-8268-9D105C7703F7}"/>
+                <a16:creationId xmlns:a16="http://schemas.microsoft.com/office/drawing/2014/main" id="{C6AE4E21-77E5-344B-872B-262D83080800}"/>
               </a:ext>
             </a:extLst>
           </p:cNvPr>
@@ -2718,7 +2731,7 @@
           <p:cNvPr id="7" name="Marcador de número de diapositiva 6">
             <a:extLst>
               <a:ext uri="{FF2B5EF4-FFF2-40B4-BE49-F238E27FC236}">
-                <a16:creationId xmlns:a16="http://schemas.microsoft.com/office/drawing/2014/main" id="{F9373216-85FA-4CCD-AEC6-5CDD59B2B15C}"/>
+                <a16:creationId xmlns:a16="http://schemas.microsoft.com/office/drawing/2014/main" id="{147FEC0D-C084-4946-B7A1-1038369CAFFD}"/>
               </a:ext>
             </a:extLst>
           </p:cNvPr>
@@ -2745,7 +2758,7 @@
     </p:spTree>
     <p:extLst>
       <p:ext uri="{BB962C8B-B14F-4D97-AF65-F5344CB8AC3E}">
-        <p14:creationId xmlns:p14="http://schemas.microsoft.com/office/powerpoint/2010/main" val="4205472005"/>
+        <p14:creationId xmlns:p14="http://schemas.microsoft.com/office/powerpoint/2010/main" val="50685418"/>
       </p:ext>
     </p:extLst>
   </p:cSld>
@@ -2782,7 +2795,7 @@
           <p:cNvPr id="2" name="Marcador de título 1">
             <a:extLst>
               <a:ext uri="{FF2B5EF4-FFF2-40B4-BE49-F238E27FC236}">
-                <a16:creationId xmlns:a16="http://schemas.microsoft.com/office/drawing/2014/main" id="{6BD43C78-A291-4963-A70E-D3E22F864415}"/>
+                <a16:creationId xmlns:a16="http://schemas.microsoft.com/office/drawing/2014/main" id="{8DCBADC5-5747-BC49-ABB7-72510183C87B}"/>
               </a:ext>
             </a:extLst>
           </p:cNvPr>
@@ -2809,10 +2822,10 @@
           <a:lstStyle/>
           <a:p>
             <a:r>
-              <a:rPr lang="es-ES"/>
-              <a:t>Haga clic para modificar el estilo de título del patrón</a:t>
-            </a:r>
-            <a:endParaRPr lang="es-MX"/>
+              <a:rPr lang="es-MX"/>
+              <a:t>Haz clic para modificar el estilo de título del patrón</a:t>
+            </a:r>
+            <a:endParaRPr lang="es-ES_tradnl"/>
           </a:p>
         </p:txBody>
       </p:sp>
@@ -2821,7 +2834,7 @@
           <p:cNvPr id="3" name="Marcador de texto 2">
             <a:extLst>
               <a:ext uri="{FF2B5EF4-FFF2-40B4-BE49-F238E27FC236}">
-                <a16:creationId xmlns:a16="http://schemas.microsoft.com/office/drawing/2014/main" id="{249A82A5-350C-4760-9A21-807D87208BAB}"/>
+                <a16:creationId xmlns:a16="http://schemas.microsoft.com/office/drawing/2014/main" id="{CDDF8D3F-6C76-EB4D-94E0-15B187CD1DAF}"/>
               </a:ext>
             </a:extLst>
           </p:cNvPr>
@@ -2849,38 +2862,38 @@
           <a:p>
             <a:pPr lvl="0"/>
             <a:r>
-              <a:rPr lang="es-ES"/>
+              <a:rPr lang="es-MX"/>
               <a:t>Haga clic para modificar los estilos de texto del patrón</a:t>
             </a:r>
           </a:p>
           <a:p>
             <a:pPr lvl="1"/>
             <a:r>
-              <a:rPr lang="es-ES"/>
+              <a:rPr lang="es-MX"/>
               <a:t>Segundo nivel</a:t>
             </a:r>
           </a:p>
           <a:p>
             <a:pPr lvl="2"/>
             <a:r>
-              <a:rPr lang="es-ES"/>
+              <a:rPr lang="es-MX"/>
               <a:t>Tercer nivel</a:t>
             </a:r>
           </a:p>
           <a:p>
             <a:pPr lvl="3"/>
             <a:r>
-              <a:rPr lang="es-ES"/>
+              <a:rPr lang="es-MX"/>
               <a:t>Cuarto nivel</a:t>
             </a:r>
           </a:p>
           <a:p>
             <a:pPr lvl="4"/>
             <a:r>
-              <a:rPr lang="es-ES"/>
+              <a:rPr lang="es-MX"/>
               <a:t>Quinto nivel</a:t>
             </a:r>
-            <a:endParaRPr lang="es-MX"/>
+            <a:endParaRPr lang="es-ES_tradnl"/>
           </a:p>
         </p:txBody>
       </p:sp>
@@ -2889,7 +2902,7 @@
           <p:cNvPr id="4" name="Marcador de fecha 3">
             <a:extLst>
               <a:ext uri="{FF2B5EF4-FFF2-40B4-BE49-F238E27FC236}">
-                <a16:creationId xmlns:a16="http://schemas.microsoft.com/office/drawing/2014/main" id="{33A42E21-5947-45A9-B61D-0CB2EA0566E3}"/>
+                <a16:creationId xmlns:a16="http://schemas.microsoft.com/office/drawing/2014/main" id="{1E855E6C-34CB-A945-80C3-3A380CC9778A}"/>
               </a:ext>
             </a:extLst>
           </p:cNvPr>
@@ -2925,7 +2938,7 @@
           <a:p>
             <a:fld id="{C7D119B6-3D6E-41E2-90C4-A7C1CC8E1202}" type="datetimeFigureOut">
               <a:rPr lang="es-MX" smtClean="0"/>
-              <a:t>30/09/2019</a:t>
+              <a:t>01/10/19</a:t>
             </a:fld>
             <a:endParaRPr lang="es-MX"/>
           </a:p>
@@ -2936,7 +2949,7 @@
           <p:cNvPr id="5" name="Marcador de pie de página 4">
             <a:extLst>
               <a:ext uri="{FF2B5EF4-FFF2-40B4-BE49-F238E27FC236}">
-                <a16:creationId xmlns:a16="http://schemas.microsoft.com/office/drawing/2014/main" id="{800522E6-1FDF-4582-BC98-36B25E064506}"/>
+                <a16:creationId xmlns:a16="http://schemas.microsoft.com/office/drawing/2014/main" id="{2AB15E9E-9E6C-884F-B0BD-5423D8B21F88}"/>
               </a:ext>
             </a:extLst>
           </p:cNvPr>
@@ -2979,7 +2992,7 @@
           <p:cNvPr id="6" name="Marcador de número de diapositiva 5">
             <a:extLst>
               <a:ext uri="{FF2B5EF4-FFF2-40B4-BE49-F238E27FC236}">
-                <a16:creationId xmlns:a16="http://schemas.microsoft.com/office/drawing/2014/main" id="{DE3E1E71-B8BE-490B-91C9-68978CE67D8A}"/>
+                <a16:creationId xmlns:a16="http://schemas.microsoft.com/office/drawing/2014/main" id="{791B4A24-5B7C-144F-9498-D53B4CF106C0}"/>
               </a:ext>
             </a:extLst>
           </p:cNvPr>
@@ -3024,23 +3037,23 @@
     </p:spTree>
     <p:extLst>
       <p:ext uri="{BB962C8B-B14F-4D97-AF65-F5344CB8AC3E}">
-        <p14:creationId xmlns:p14="http://schemas.microsoft.com/office/powerpoint/2010/main" val="1906506640"/>
+        <p14:creationId xmlns:p14="http://schemas.microsoft.com/office/powerpoint/2010/main" val="1303073027"/>
       </p:ext>
     </p:extLst>
   </p:cSld>
   <p:clrMap bg1="lt1" tx1="dk1" bg2="lt2" tx2="dk2" accent1="accent1" accent2="accent2" accent3="accent3" accent4="accent4" accent5="accent5" accent6="accent6" hlink="hlink" folHlink="folHlink"/>
   <p:sldLayoutIdLst>
-    <p:sldLayoutId id="2147483649" r:id="rId1"/>
-    <p:sldLayoutId id="2147483650" r:id="rId2"/>
-    <p:sldLayoutId id="2147483651" r:id="rId3"/>
-    <p:sldLayoutId id="2147483652" r:id="rId4"/>
-    <p:sldLayoutId id="2147483653" r:id="rId5"/>
-    <p:sldLayoutId id="2147483654" r:id="rId6"/>
-    <p:sldLayoutId id="2147483655" r:id="rId7"/>
-    <p:sldLayoutId id="2147483656" r:id="rId8"/>
-    <p:sldLayoutId id="2147483657" r:id="rId9"/>
-    <p:sldLayoutId id="2147483658" r:id="rId10"/>
-    <p:sldLayoutId id="2147483659" r:id="rId11"/>
+    <p:sldLayoutId id="2147483703" r:id="rId1"/>
+    <p:sldLayoutId id="2147483704" r:id="rId2"/>
+    <p:sldLayoutId id="2147483705" r:id="rId3"/>
+    <p:sldLayoutId id="2147483706" r:id="rId4"/>
+    <p:sldLayoutId id="2147483707" r:id="rId5"/>
+    <p:sldLayoutId id="2147483708" r:id="rId6"/>
+    <p:sldLayoutId id="2147483709" r:id="rId7"/>
+    <p:sldLayoutId id="2147483710" r:id="rId8"/>
+    <p:sldLayoutId id="2147483711" r:id="rId9"/>
+    <p:sldLayoutId id="2147483712" r:id="rId10"/>
+    <p:sldLayoutId id="2147483713" r:id="rId11"/>
   </p:sldLayoutIdLst>
   <p:txStyles>
     <p:titleStyle>
@@ -3342,60 +3355,1736 @@
           <a:chExt cx="0" cy="0"/>
         </a:xfrm>
       </p:grpSpPr>
-      <p:sp>
-        <p:nvSpPr>
-          <p:cNvPr id="2" name="Título 1">
-            <a:extLst>
-              <a:ext uri="{FF2B5EF4-FFF2-40B4-BE49-F238E27FC236}">
-                <a16:creationId xmlns:a16="http://schemas.microsoft.com/office/drawing/2014/main" id="{661CDED8-F927-4E58-8E83-23BF8C473D32}"/>
-              </a:ext>
-            </a:extLst>
-          </p:cNvPr>
-          <p:cNvSpPr>
-            <a:spLocks noGrp="1"/>
-          </p:cNvSpPr>
-          <p:nvPr>
-            <p:ph type="ctrTitle"/>
-          </p:nvPr>
-        </p:nvSpPr>
-        <p:spPr/>
-        <p:txBody>
-          <a:bodyPr/>
-          <a:lstStyle/>
-          <a:p>
-            <a:endParaRPr lang="es-MX"/>
-          </a:p>
-        </p:txBody>
-      </p:sp>
-      <p:sp>
-        <p:nvSpPr>
-          <p:cNvPr id="3" name="Subtítulo 2">
-            <a:extLst>
-              <a:ext uri="{FF2B5EF4-FFF2-40B4-BE49-F238E27FC236}">
-                <a16:creationId xmlns:a16="http://schemas.microsoft.com/office/drawing/2014/main" id="{A4529974-A107-4B83-85DB-F0E1E1BF6CB0}"/>
-              </a:ext>
-            </a:extLst>
-          </p:cNvPr>
-          <p:cNvSpPr>
-            <a:spLocks noGrp="1"/>
-          </p:cNvSpPr>
-          <p:nvPr>
-            <p:ph type="subTitle" idx="1"/>
-          </p:nvPr>
-        </p:nvSpPr>
-        <p:spPr/>
-        <p:txBody>
-          <a:bodyPr/>
-          <a:lstStyle/>
-          <a:p>
-            <a:endParaRPr lang="es-MX"/>
-          </a:p>
-        </p:txBody>
-      </p:sp>
+      <p:pic>
+        <p:nvPicPr>
+          <p:cNvPr id="9" name="Imagen 8">
+            <a:extLst>
+              <a:ext uri="{FF2B5EF4-FFF2-40B4-BE49-F238E27FC236}">
+                <a16:creationId xmlns:a16="http://schemas.microsoft.com/office/drawing/2014/main" id="{5958DF5A-35D2-6342-B625-BB8B6DC53325}"/>
+              </a:ext>
+            </a:extLst>
+          </p:cNvPr>
+          <p:cNvPicPr>
+            <a:picLocks noChangeAspect="1"/>
+          </p:cNvPicPr>
+          <p:nvPr/>
+        </p:nvPicPr>
+        <p:blipFill>
+          <a:blip r:embed="rId2">
+            <a:extLst>
+              <a:ext uri="{28A0092B-C50C-407E-A947-70E740481C1C}">
+                <a14:useLocalDpi xmlns:a14="http://schemas.microsoft.com/office/drawing/2010/main" val="0"/>
+              </a:ext>
+            </a:extLst>
+          </a:blip>
+          <a:stretch>
+            <a:fillRect/>
+          </a:stretch>
+        </p:blipFill>
+        <p:spPr>
+          <a:xfrm>
+            <a:off x="405590" y="339964"/>
+            <a:ext cx="7923762" cy="5268384"/>
+          </a:xfrm>
+          <a:prstGeom prst="rect">
+            <a:avLst/>
+          </a:prstGeom>
+          <a:ln>
+            <a:noFill/>
+          </a:ln>
+        </p:spPr>
+      </p:pic>
+      <p:sp>
+        <p:nvSpPr>
+          <p:cNvPr id="10" name="Rectángulo 9">
+            <a:extLst>
+              <a:ext uri="{FF2B5EF4-FFF2-40B4-BE49-F238E27FC236}">
+                <a16:creationId xmlns:a16="http://schemas.microsoft.com/office/drawing/2014/main" id="{24DDC639-7E2E-C84B-A52F-F22C91BB8F23}"/>
+              </a:ext>
+            </a:extLst>
+          </p:cNvPr>
+          <p:cNvSpPr/>
+          <p:nvPr/>
+        </p:nvSpPr>
+        <p:spPr>
+          <a:xfrm>
+            <a:off x="83129" y="5720289"/>
+            <a:ext cx="11155681" cy="830997"/>
+          </a:xfrm>
+          <a:prstGeom prst="rect">
+            <a:avLst/>
+          </a:prstGeom>
+          <a:noFill/>
+        </p:spPr>
+        <p:txBody>
+          <a:bodyPr wrap="square" lIns="91440" tIns="45720" rIns="91440" bIns="45720">
+            <a:spAutoFit/>
+          </a:bodyPr>
+          <a:lstStyle/>
+          <a:p>
+            <a:pPr algn="ctr"/>
+            <a:r>
+              <a:rPr lang="es-MX" sz="4800" b="1" cap="none" spc="0" dirty="0">
+                <a:ln w="0"/>
+                <a:solidFill>
+                  <a:schemeClr val="tx1"/>
+                </a:solidFill>
+                <a:effectLst>
+                  <a:outerShdw blurRad="38100" dist="19050" dir="2700000" algn="tl" rotWithShape="0">
+                    <a:schemeClr val="dk1">
+                      <a:alpha val="40000"/>
+                    </a:schemeClr>
+                  </a:outerShdw>
+                </a:effectLst>
+                <a:latin typeface="Arial Narrow" panose="020B0604020202020204" pitchFamily="34" charset="0"/>
+                <a:ea typeface="Apple Color Emoji" pitchFamily="2" charset="0"/>
+                <a:cs typeface="Arial Narrow" panose="020B0604020202020204" pitchFamily="34" charset="0"/>
+              </a:rPr>
+              <a:t>Proyecto Modulo 1: Optimización Cementera</a:t>
+            </a:r>
+          </a:p>
+        </p:txBody>
+      </p:sp>
+      <p:sp>
+        <p:nvSpPr>
+          <p:cNvPr id="11" name="Rectángulo 10">
+            <a:extLst>
+              <a:ext uri="{FF2B5EF4-FFF2-40B4-BE49-F238E27FC236}">
+                <a16:creationId xmlns:a16="http://schemas.microsoft.com/office/drawing/2014/main" id="{33DDB3C7-C9FC-2C41-9566-C2A868C8C701}"/>
+              </a:ext>
+            </a:extLst>
+          </p:cNvPr>
+          <p:cNvSpPr/>
+          <p:nvPr/>
+        </p:nvSpPr>
+        <p:spPr>
+          <a:xfrm>
+            <a:off x="8312727" y="3895199"/>
+            <a:ext cx="1896674" cy="646331"/>
+          </a:xfrm>
+          <a:prstGeom prst="rect">
+            <a:avLst/>
+          </a:prstGeom>
+          <a:noFill/>
+        </p:spPr>
+        <p:txBody>
+          <a:bodyPr wrap="square" lIns="91440" tIns="45720" rIns="91440" bIns="45720">
+            <a:spAutoFit/>
+          </a:bodyPr>
+          <a:lstStyle/>
+          <a:p>
+            <a:pPr algn="ctr"/>
+            <a:r>
+              <a:rPr lang="es-MX" sz="3600" cap="none" spc="0" dirty="0">
+                <a:ln w="0"/>
+                <a:solidFill>
+                  <a:schemeClr val="tx1"/>
+                </a:solidFill>
+                <a:effectLst>
+                  <a:outerShdw blurRad="38100" dist="19050" dir="2700000" algn="tl" rotWithShape="0">
+                    <a:schemeClr val="dk1">
+                      <a:alpha val="40000"/>
+                    </a:schemeClr>
+                  </a:outerShdw>
+                </a:effectLst>
+                <a:latin typeface="Arial Narrow" panose="020B0604020202020204" pitchFamily="34" charset="0"/>
+                <a:ea typeface="Apple Color Emoji" pitchFamily="2" charset="0"/>
+                <a:cs typeface="Arial Narrow" panose="020B0604020202020204" pitchFamily="34" charset="0"/>
+              </a:rPr>
+              <a:t>Equipo:</a:t>
+            </a:r>
+          </a:p>
+        </p:txBody>
+      </p:sp>
+      <p:sp>
+        <p:nvSpPr>
+          <p:cNvPr id="12" name="Rectángulo 11">
+            <a:extLst>
+              <a:ext uri="{FF2B5EF4-FFF2-40B4-BE49-F238E27FC236}">
+                <a16:creationId xmlns:a16="http://schemas.microsoft.com/office/drawing/2014/main" id="{0A990B2A-265F-4A48-BB6D-27D9FB36026E}"/>
+              </a:ext>
+            </a:extLst>
+          </p:cNvPr>
+          <p:cNvSpPr/>
+          <p:nvPr/>
+        </p:nvSpPr>
+        <p:spPr>
+          <a:xfrm>
+            <a:off x="8538542" y="4453460"/>
+            <a:ext cx="3374968" cy="1200329"/>
+          </a:xfrm>
+          <a:prstGeom prst="rect">
+            <a:avLst/>
+          </a:prstGeom>
+          <a:noFill/>
+        </p:spPr>
+        <p:txBody>
+          <a:bodyPr wrap="square" lIns="91440" tIns="45720" rIns="91440" bIns="45720">
+            <a:spAutoFit/>
+          </a:bodyPr>
+          <a:lstStyle/>
+          <a:p>
+            <a:r>
+              <a:rPr lang="es-MX" sz="3600" cap="none" spc="0" dirty="0">
+                <a:ln w="0"/>
+                <a:solidFill>
+                  <a:schemeClr val="tx1"/>
+                </a:solidFill>
+                <a:effectLst>
+                  <a:outerShdw blurRad="38100" dist="19050" dir="2700000" algn="tl" rotWithShape="0">
+                    <a:schemeClr val="dk1">
+                      <a:alpha val="40000"/>
+                    </a:schemeClr>
+                  </a:outerShdw>
+                </a:effectLst>
+                <a:latin typeface="Arial Narrow" panose="020B0604020202020204" pitchFamily="34" charset="0"/>
+                <a:ea typeface="Apple Color Emoji" pitchFamily="2" charset="0"/>
+                <a:cs typeface="Arial Narrow" panose="020B0604020202020204" pitchFamily="34" charset="0"/>
+              </a:rPr>
+              <a:t>Fernando Aguilar</a:t>
+            </a:r>
+          </a:p>
+          <a:p>
+            <a:r>
+              <a:rPr lang="es-MX" sz="3600" dirty="0">
+                <a:ln w="0"/>
+                <a:effectLst>
+                  <a:outerShdw blurRad="38100" dist="19050" dir="2700000" algn="tl" rotWithShape="0">
+                    <a:schemeClr val="dk1">
+                      <a:alpha val="40000"/>
+                    </a:schemeClr>
+                  </a:outerShdw>
+                </a:effectLst>
+                <a:latin typeface="Arial Narrow" panose="020B0604020202020204" pitchFamily="34" charset="0"/>
+                <a:ea typeface="Apple Color Emoji" pitchFamily="2" charset="0"/>
+                <a:cs typeface="Arial Narrow" panose="020B0604020202020204" pitchFamily="34" charset="0"/>
+              </a:rPr>
+              <a:t>Diego Díaz</a:t>
+            </a:r>
+            <a:endParaRPr lang="es-MX" sz="3600" cap="none" spc="0" dirty="0">
+              <a:ln w="0"/>
+              <a:solidFill>
+                <a:schemeClr val="tx1"/>
+              </a:solidFill>
+              <a:effectLst>
+                <a:outerShdw blurRad="38100" dist="19050" dir="2700000" algn="tl" rotWithShape="0">
+                  <a:schemeClr val="dk1">
+                    <a:alpha val="40000"/>
+                  </a:schemeClr>
+                </a:outerShdw>
+              </a:effectLst>
+              <a:latin typeface="Arial Narrow" panose="020B0604020202020204" pitchFamily="34" charset="0"/>
+              <a:ea typeface="Apple Color Emoji" pitchFamily="2" charset="0"/>
+              <a:cs typeface="Arial Narrow" panose="020B0604020202020204" pitchFamily="34" charset="0"/>
+            </a:endParaRPr>
+          </a:p>
+        </p:txBody>
+      </p:sp>
+      <p:pic>
+        <p:nvPicPr>
+          <p:cNvPr id="14" name="Imagen 13">
+            <a:extLst>
+              <a:ext uri="{FF2B5EF4-FFF2-40B4-BE49-F238E27FC236}">
+                <a16:creationId xmlns:a16="http://schemas.microsoft.com/office/drawing/2014/main" id="{160ED5C5-BF51-5043-AFC1-A5EEFE73D285}"/>
+              </a:ext>
+            </a:extLst>
+          </p:cNvPr>
+          <p:cNvPicPr>
+            <a:picLocks noChangeAspect="1"/>
+          </p:cNvPicPr>
+          <p:nvPr/>
+        </p:nvPicPr>
+        <p:blipFill>
+          <a:blip r:embed="rId3">
+            <a:extLst>
+              <a:ext uri="{28A0092B-C50C-407E-A947-70E740481C1C}">
+                <a14:useLocalDpi xmlns:a14="http://schemas.microsoft.com/office/drawing/2010/main" val="0"/>
+              </a:ext>
+            </a:extLst>
+          </a:blip>
+          <a:stretch>
+            <a:fillRect/>
+          </a:stretch>
+        </p:blipFill>
+        <p:spPr>
+          <a:xfrm>
+            <a:off x="9006826" y="535756"/>
+            <a:ext cx="2438400" cy="2438400"/>
+          </a:xfrm>
+          <a:prstGeom prst="rect">
+            <a:avLst/>
+          </a:prstGeom>
+        </p:spPr>
+      </p:pic>
     </p:spTree>
     <p:extLst>
       <p:ext uri="{BB962C8B-B14F-4D97-AF65-F5344CB8AC3E}">
-        <p14:creationId xmlns:p14="http://schemas.microsoft.com/office/powerpoint/2010/main" val="1839136876"/>
+        <p14:creationId xmlns:p14="http://schemas.microsoft.com/office/powerpoint/2010/main" val="3426247378"/>
+      </p:ext>
+    </p:extLst>
+  </p:cSld>
+  <p:clrMapOvr>
+    <a:masterClrMapping/>
+  </p:clrMapOvr>
+</p:sld>
+</file>
+
+<file path=ppt/slides/slide2.xml><?xml version="1.0" encoding="utf-8"?>
+<p:sld xmlns:a="http://schemas.openxmlformats.org/drawingml/2006/main" xmlns:r="http://schemas.openxmlformats.org/officeDocument/2006/relationships" xmlns:p="http://schemas.openxmlformats.org/presentationml/2006/main">
+  <p:cSld>
+    <p:spTree>
+      <p:nvGrpSpPr>
+        <p:cNvPr id="1" name=""/>
+        <p:cNvGrpSpPr/>
+        <p:nvPr/>
+      </p:nvGrpSpPr>
+      <p:grpSpPr>
+        <a:xfrm>
+          <a:off x="0" y="0"/>
+          <a:ext cx="0" cy="0"/>
+          <a:chOff x="0" y="0"/>
+          <a:chExt cx="0" cy="0"/>
+        </a:xfrm>
+      </p:grpSpPr>
+      <p:sp>
+        <p:nvSpPr>
+          <p:cNvPr id="4" name="Rectángulo 3">
+            <a:extLst>
+              <a:ext uri="{FF2B5EF4-FFF2-40B4-BE49-F238E27FC236}">
+                <a16:creationId xmlns:a16="http://schemas.microsoft.com/office/drawing/2014/main" id="{6E3B50AC-E8D6-D94E-BC14-88744424B03C}"/>
+              </a:ext>
+            </a:extLst>
+          </p:cNvPr>
+          <p:cNvSpPr/>
+          <p:nvPr/>
+        </p:nvSpPr>
+        <p:spPr>
+          <a:xfrm>
+            <a:off x="498765" y="466643"/>
+            <a:ext cx="6783184" cy="923330"/>
+          </a:xfrm>
+          <a:prstGeom prst="rect">
+            <a:avLst/>
+          </a:prstGeom>
+          <a:noFill/>
+        </p:spPr>
+        <p:txBody>
+          <a:bodyPr wrap="square" lIns="91440" tIns="45720" rIns="91440" bIns="45720">
+            <a:spAutoFit/>
+          </a:bodyPr>
+          <a:lstStyle/>
+          <a:p>
+            <a:r>
+              <a:rPr lang="es-MX" sz="5400" cap="none" spc="0" dirty="0">
+                <a:ln w="0"/>
+                <a:solidFill>
+                  <a:schemeClr val="tx1"/>
+                </a:solidFill>
+                <a:effectLst>
+                  <a:outerShdw blurRad="38100" dist="19050" dir="2700000" algn="tl" rotWithShape="0">
+                    <a:schemeClr val="dk1">
+                      <a:alpha val="40000"/>
+                    </a:schemeClr>
+                  </a:outerShdw>
+                </a:effectLst>
+                <a:latin typeface="Calibri" panose="020F0502020204030204" pitchFamily="34" charset="0"/>
+                <a:ea typeface="Apple Color Emoji" pitchFamily="2" charset="0"/>
+                <a:cs typeface="Calibri" panose="020F0502020204030204" pitchFamily="34" charset="0"/>
+              </a:rPr>
+              <a:t>Contenido del proyecto</a:t>
+            </a:r>
+          </a:p>
+        </p:txBody>
+      </p:sp>
+      <p:sp>
+        <p:nvSpPr>
+          <p:cNvPr id="5" name="CuadroTexto 4">
+            <a:extLst>
+              <a:ext uri="{FF2B5EF4-FFF2-40B4-BE49-F238E27FC236}">
+                <a16:creationId xmlns:a16="http://schemas.microsoft.com/office/drawing/2014/main" id="{57C4212C-5AA9-434F-BCE3-6E36691923DD}"/>
+              </a:ext>
+            </a:extLst>
+          </p:cNvPr>
+          <p:cNvSpPr txBox="1"/>
+          <p:nvPr/>
+        </p:nvSpPr>
+        <p:spPr>
+          <a:xfrm>
+            <a:off x="498765" y="1579418"/>
+            <a:ext cx="9010997" cy="3046988"/>
+          </a:xfrm>
+          <a:prstGeom prst="rect">
+            <a:avLst/>
+          </a:prstGeom>
+          <a:noFill/>
+        </p:spPr>
+        <p:txBody>
+          <a:bodyPr wrap="square" rtlCol="0">
+            <a:spAutoFit/>
+          </a:bodyPr>
+          <a:lstStyle/>
+          <a:p>
+            <a:pPr marL="571500" indent="-571500">
+              <a:buFont typeface="Arial" panose="020B0604020202020204" pitchFamily="34" charset="0"/>
+              <a:buChar char="•"/>
+            </a:pPr>
+            <a:r>
+              <a:rPr lang="es-ES_tradnl" sz="3200" dirty="0">
+                <a:latin typeface="Arial" panose="020B0604020202020204" pitchFamily="34" charset="0"/>
+                <a:cs typeface="Arial" panose="020B0604020202020204" pitchFamily="34" charset="0"/>
+              </a:rPr>
+              <a:t>Objetivos</a:t>
+            </a:r>
+          </a:p>
+          <a:p>
+            <a:pPr marL="571500" indent="-571500">
+              <a:buFont typeface="Arial" panose="020B0604020202020204" pitchFamily="34" charset="0"/>
+              <a:buChar char="•"/>
+            </a:pPr>
+            <a:r>
+              <a:rPr lang="es-ES_tradnl" sz="3200" dirty="0">
+                <a:latin typeface="Arial" panose="020B0604020202020204" pitchFamily="34" charset="0"/>
+                <a:cs typeface="Arial" panose="020B0604020202020204" pitchFamily="34" charset="0"/>
+              </a:rPr>
+              <a:t>Restricciones del objetivo</a:t>
+            </a:r>
+          </a:p>
+          <a:p>
+            <a:pPr marL="571500" indent="-571500">
+              <a:buFont typeface="Arial" panose="020B0604020202020204" pitchFamily="34" charset="0"/>
+              <a:buChar char="•"/>
+            </a:pPr>
+            <a:r>
+              <a:rPr lang="es-ES_tradnl" sz="3200" dirty="0">
+                <a:latin typeface="Arial" panose="020B0604020202020204" pitchFamily="34" charset="0"/>
+                <a:cs typeface="Arial" panose="020B0604020202020204" pitchFamily="34" charset="0"/>
+              </a:rPr>
+              <a:t>Objetivos principales y específicos</a:t>
+            </a:r>
+          </a:p>
+          <a:p>
+            <a:pPr marL="571500" indent="-571500">
+              <a:buFont typeface="Arial" panose="020B0604020202020204" pitchFamily="34" charset="0"/>
+              <a:buChar char="•"/>
+            </a:pPr>
+            <a:r>
+              <a:rPr lang="es-ES_tradnl" sz="3200" dirty="0">
+                <a:latin typeface="Arial" panose="020B0604020202020204" pitchFamily="34" charset="0"/>
+                <a:cs typeface="Arial" panose="020B0604020202020204" pitchFamily="34" charset="0"/>
+              </a:rPr>
+              <a:t>Modelo de representación del problema</a:t>
+            </a:r>
+          </a:p>
+          <a:p>
+            <a:pPr marL="571500" indent="-571500">
+              <a:buFont typeface="Arial" panose="020B0604020202020204" pitchFamily="34" charset="0"/>
+              <a:buChar char="•"/>
+            </a:pPr>
+            <a:r>
+              <a:rPr lang="es-ES_tradnl" sz="3200" dirty="0">
+                <a:latin typeface="Arial" panose="020B0604020202020204" pitchFamily="34" charset="0"/>
+                <a:cs typeface="Arial" panose="020B0604020202020204" pitchFamily="34" charset="0"/>
+              </a:rPr>
+              <a:t>Resultados y conclusión</a:t>
+            </a:r>
+          </a:p>
+          <a:p>
+            <a:pPr marL="571500" indent="-571500">
+              <a:buFont typeface="Arial" panose="020B0604020202020204" pitchFamily="34" charset="0"/>
+              <a:buChar char="•"/>
+            </a:pPr>
+            <a:r>
+              <a:rPr lang="es-ES_tradnl" sz="3200" dirty="0">
+                <a:latin typeface="Arial" panose="020B0604020202020204" pitchFamily="34" charset="0"/>
+                <a:cs typeface="Arial" panose="020B0604020202020204" pitchFamily="34" charset="0"/>
+              </a:rPr>
+              <a:t>Bibliografía</a:t>
+            </a:r>
+          </a:p>
+        </p:txBody>
+      </p:sp>
+      <p:pic>
+        <p:nvPicPr>
+          <p:cNvPr id="7" name="Imagen 6">
+            <a:extLst>
+              <a:ext uri="{FF2B5EF4-FFF2-40B4-BE49-F238E27FC236}">
+                <a16:creationId xmlns:a16="http://schemas.microsoft.com/office/drawing/2014/main" id="{22810EDE-C7A6-EE4B-9D89-AD2F52CF99F5}"/>
+              </a:ext>
+            </a:extLst>
+          </p:cNvPr>
+          <p:cNvPicPr>
+            <a:picLocks noChangeAspect="1"/>
+          </p:cNvPicPr>
+          <p:nvPr/>
+        </p:nvPicPr>
+        <p:blipFill>
+          <a:blip r:embed="rId2">
+            <a:extLst>
+              <a:ext uri="{28A0092B-C50C-407E-A947-70E740481C1C}">
+                <a14:useLocalDpi xmlns:a14="http://schemas.microsoft.com/office/drawing/2010/main" val="0"/>
+              </a:ext>
+            </a:extLst>
+          </a:blip>
+          <a:stretch>
+            <a:fillRect/>
+          </a:stretch>
+        </p:blipFill>
+        <p:spPr>
+          <a:xfrm>
+            <a:off x="9246291" y="4304868"/>
+            <a:ext cx="2252747" cy="2252747"/>
+          </a:xfrm>
+          <a:prstGeom prst="rect">
+            <a:avLst/>
+          </a:prstGeom>
+        </p:spPr>
+      </p:pic>
+    </p:spTree>
+    <p:extLst>
+      <p:ext uri="{BB962C8B-B14F-4D97-AF65-F5344CB8AC3E}">
+        <p14:creationId xmlns:p14="http://schemas.microsoft.com/office/powerpoint/2010/main" val="2017794923"/>
+      </p:ext>
+    </p:extLst>
+  </p:cSld>
+  <p:clrMapOvr>
+    <a:masterClrMapping/>
+  </p:clrMapOvr>
+</p:sld>
+</file>
+
+<file path=ppt/slides/slide3.xml><?xml version="1.0" encoding="utf-8"?>
+<p:sld xmlns:a="http://schemas.openxmlformats.org/drawingml/2006/main" xmlns:r="http://schemas.openxmlformats.org/officeDocument/2006/relationships" xmlns:p="http://schemas.openxmlformats.org/presentationml/2006/main">
+  <p:cSld>
+    <p:spTree>
+      <p:nvGrpSpPr>
+        <p:cNvPr id="1" name=""/>
+        <p:cNvGrpSpPr/>
+        <p:nvPr/>
+      </p:nvGrpSpPr>
+      <p:grpSpPr>
+        <a:xfrm>
+          <a:off x="0" y="0"/>
+          <a:ext cx="0" cy="0"/>
+          <a:chOff x="0" y="0"/>
+          <a:chExt cx="0" cy="0"/>
+        </a:xfrm>
+      </p:grpSpPr>
+      <p:sp>
+        <p:nvSpPr>
+          <p:cNvPr id="4" name="Rectángulo 3">
+            <a:extLst>
+              <a:ext uri="{FF2B5EF4-FFF2-40B4-BE49-F238E27FC236}">
+                <a16:creationId xmlns:a16="http://schemas.microsoft.com/office/drawing/2014/main" id="{335F3CC7-E7D2-E24D-B313-DEB43FA18502}"/>
+              </a:ext>
+            </a:extLst>
+          </p:cNvPr>
+          <p:cNvSpPr/>
+          <p:nvPr/>
+        </p:nvSpPr>
+        <p:spPr>
+          <a:xfrm>
+            <a:off x="498765" y="466643"/>
+            <a:ext cx="6783184" cy="923330"/>
+          </a:xfrm>
+          <a:prstGeom prst="rect">
+            <a:avLst/>
+          </a:prstGeom>
+          <a:noFill/>
+        </p:spPr>
+        <p:txBody>
+          <a:bodyPr wrap="square" lIns="91440" tIns="45720" rIns="91440" bIns="45720">
+            <a:spAutoFit/>
+          </a:bodyPr>
+          <a:lstStyle/>
+          <a:p>
+            <a:r>
+              <a:rPr lang="es-MX" sz="5400" cap="none" spc="0" dirty="0">
+                <a:ln w="0"/>
+                <a:solidFill>
+                  <a:schemeClr val="tx1"/>
+                </a:solidFill>
+                <a:effectLst>
+                  <a:outerShdw blurRad="38100" dist="19050" dir="2700000" algn="tl" rotWithShape="0">
+                    <a:schemeClr val="dk1">
+                      <a:alpha val="40000"/>
+                    </a:schemeClr>
+                  </a:outerShdw>
+                </a:effectLst>
+                <a:latin typeface="Calibri" panose="020F0502020204030204" pitchFamily="34" charset="0"/>
+                <a:ea typeface="Apple Color Emoji" pitchFamily="2" charset="0"/>
+                <a:cs typeface="Calibri" panose="020F0502020204030204" pitchFamily="34" charset="0"/>
+              </a:rPr>
+              <a:t>Objetivos</a:t>
+            </a:r>
+          </a:p>
+        </p:txBody>
+      </p:sp>
+      <p:sp>
+        <p:nvSpPr>
+          <p:cNvPr id="6" name="CuadroTexto 5">
+            <a:extLst>
+              <a:ext uri="{FF2B5EF4-FFF2-40B4-BE49-F238E27FC236}">
+                <a16:creationId xmlns:a16="http://schemas.microsoft.com/office/drawing/2014/main" id="{31DFF80B-0782-5E45-86AD-B7987A68C322}"/>
+              </a:ext>
+            </a:extLst>
+          </p:cNvPr>
+          <p:cNvSpPr txBox="1"/>
+          <p:nvPr/>
+        </p:nvSpPr>
+        <p:spPr>
+          <a:xfrm>
+            <a:off x="498765" y="1524883"/>
+            <a:ext cx="11194470" cy="3108543"/>
+          </a:xfrm>
+          <a:prstGeom prst="rect">
+            <a:avLst/>
+          </a:prstGeom>
+          <a:noFill/>
+        </p:spPr>
+        <p:txBody>
+          <a:bodyPr wrap="square" rtlCol="0">
+            <a:spAutoFit/>
+          </a:bodyPr>
+          <a:lstStyle/>
+          <a:p>
+            <a:pPr marL="457200" indent="-457200">
+              <a:buFont typeface="Arial" panose="020B0604020202020204" pitchFamily="34" charset="0"/>
+              <a:buChar char="•"/>
+            </a:pPr>
+            <a:r>
+              <a:rPr lang="es-MX" sz="2800" dirty="0">
+                <a:latin typeface="Arial" panose="020B0604020202020204" pitchFamily="34" charset="0"/>
+                <a:cs typeface="Arial" panose="020B0604020202020204" pitchFamily="34" charset="0"/>
+              </a:rPr>
+              <a:t>Existe una cementera que cuenta con 4 plantas(A, B, C y D), para producir unidades(costales) de 2 clases diferentes de cementos(clase 1 y 2), cada una de estas plantas cuentan con equipo, personal, materias primas y límites de producción de unidades de cemento diferentes por lo tanto la utilidad que obtienen de cada clase de cemento es diferente, además cada una tiene un limite de producción diferente.</a:t>
+            </a:r>
+            <a:endParaRPr lang="es-ES_tradnl" sz="4800" dirty="0">
+              <a:latin typeface="Arial" panose="020B0604020202020204" pitchFamily="34" charset="0"/>
+              <a:cs typeface="Arial" panose="020B0604020202020204" pitchFamily="34" charset="0"/>
+            </a:endParaRPr>
+          </a:p>
+        </p:txBody>
+      </p:sp>
+    </p:spTree>
+    <p:extLst>
+      <p:ext uri="{BB962C8B-B14F-4D97-AF65-F5344CB8AC3E}">
+        <p14:creationId xmlns:p14="http://schemas.microsoft.com/office/powerpoint/2010/main" val="3018808410"/>
+      </p:ext>
+    </p:extLst>
+  </p:cSld>
+  <p:clrMapOvr>
+    <a:masterClrMapping/>
+  </p:clrMapOvr>
+</p:sld>
+</file>
+
+<file path=ppt/slides/slide4.xml><?xml version="1.0" encoding="utf-8"?>
+<p:sld xmlns:a="http://schemas.openxmlformats.org/drawingml/2006/main" xmlns:r="http://schemas.openxmlformats.org/officeDocument/2006/relationships" xmlns:p="http://schemas.openxmlformats.org/presentationml/2006/main">
+  <p:cSld>
+    <p:spTree>
+      <p:nvGrpSpPr>
+        <p:cNvPr id="1" name=""/>
+        <p:cNvGrpSpPr/>
+        <p:nvPr/>
+      </p:nvGrpSpPr>
+      <p:grpSpPr>
+        <a:xfrm>
+          <a:off x="0" y="0"/>
+          <a:ext cx="0" cy="0"/>
+          <a:chOff x="0" y="0"/>
+          <a:chExt cx="0" cy="0"/>
+        </a:xfrm>
+      </p:grpSpPr>
+      <p:sp>
+        <p:nvSpPr>
+          <p:cNvPr id="4" name="Rectángulo 3">
+            <a:extLst>
+              <a:ext uri="{FF2B5EF4-FFF2-40B4-BE49-F238E27FC236}">
+                <a16:creationId xmlns:a16="http://schemas.microsoft.com/office/drawing/2014/main" id="{25175220-A73C-924A-BCB6-63B4CBF507C1}"/>
+              </a:ext>
+            </a:extLst>
+          </p:cNvPr>
+          <p:cNvSpPr/>
+          <p:nvPr/>
+        </p:nvSpPr>
+        <p:spPr>
+          <a:xfrm>
+            <a:off x="498765" y="466643"/>
+            <a:ext cx="8165550" cy="923330"/>
+          </a:xfrm>
+          <a:prstGeom prst="rect">
+            <a:avLst/>
+          </a:prstGeom>
+          <a:noFill/>
+        </p:spPr>
+        <p:txBody>
+          <a:bodyPr wrap="square" lIns="91440" tIns="45720" rIns="91440" bIns="45720">
+            <a:spAutoFit/>
+          </a:bodyPr>
+          <a:lstStyle/>
+          <a:p>
+            <a:r>
+              <a:rPr lang="es-MX" sz="5400" cap="none" spc="0" dirty="0">
+                <a:ln w="0"/>
+                <a:solidFill>
+                  <a:schemeClr val="tx1"/>
+                </a:solidFill>
+                <a:effectLst>
+                  <a:outerShdw blurRad="38100" dist="19050" dir="2700000" algn="tl" rotWithShape="0">
+                    <a:schemeClr val="dk1">
+                      <a:alpha val="40000"/>
+                    </a:schemeClr>
+                  </a:outerShdw>
+                </a:effectLst>
+                <a:latin typeface="Calibri" panose="020F0502020204030204" pitchFamily="34" charset="0"/>
+                <a:ea typeface="Apple Color Emoji" pitchFamily="2" charset="0"/>
+                <a:cs typeface="Calibri" panose="020F0502020204030204" pitchFamily="34" charset="0"/>
+              </a:rPr>
+              <a:t>Restricciones del objetivo</a:t>
+            </a:r>
+          </a:p>
+        </p:txBody>
+      </p:sp>
+      <p:sp>
+        <p:nvSpPr>
+          <p:cNvPr id="5" name="CuadroTexto 4">
+            <a:extLst>
+              <a:ext uri="{FF2B5EF4-FFF2-40B4-BE49-F238E27FC236}">
+                <a16:creationId xmlns:a16="http://schemas.microsoft.com/office/drawing/2014/main" id="{3159DA94-BA4E-7942-A76C-0C8631F1AB76}"/>
+              </a:ext>
+            </a:extLst>
+          </p:cNvPr>
+          <p:cNvSpPr txBox="1"/>
+          <p:nvPr/>
+        </p:nvSpPr>
+        <p:spPr>
+          <a:xfrm>
+            <a:off x="648667" y="1524883"/>
+            <a:ext cx="11194470" cy="4524315"/>
+          </a:xfrm>
+          <a:prstGeom prst="rect">
+            <a:avLst/>
+          </a:prstGeom>
+          <a:noFill/>
+        </p:spPr>
+        <p:txBody>
+          <a:bodyPr wrap="square" rtlCol="0">
+            <a:spAutoFit/>
+          </a:bodyPr>
+          <a:lstStyle/>
+          <a:p>
+            <a:pPr marL="285750" indent="-285750">
+              <a:buFont typeface="Arial" panose="020B0604020202020204" pitchFamily="34" charset="0"/>
+              <a:buChar char="•"/>
+            </a:pPr>
+            <a:r>
+              <a:rPr lang="es-MX" dirty="0">
+                <a:latin typeface="Arial" panose="020B0604020202020204" pitchFamily="34" charset="0"/>
+                <a:cs typeface="Arial" panose="020B0604020202020204" pitchFamily="34" charset="0"/>
+              </a:rPr>
+              <a:t>La planta A obtiene una utilidad por cada unidad de cemento producido de clase:</a:t>
+            </a:r>
+          </a:p>
+          <a:p>
+            <a:pPr lvl="1"/>
+            <a:r>
+              <a:rPr lang="es-MX" dirty="0">
+                <a:latin typeface="Arial" panose="020B0604020202020204" pitchFamily="34" charset="0"/>
+                <a:cs typeface="Arial" panose="020B0604020202020204" pitchFamily="34" charset="0"/>
+              </a:rPr>
+              <a:t>Clase 1 de $50.</a:t>
+            </a:r>
+          </a:p>
+          <a:p>
+            <a:pPr lvl="1"/>
+            <a:r>
+              <a:rPr lang="es-MX" dirty="0">
+                <a:latin typeface="Arial" panose="020B0604020202020204" pitchFamily="34" charset="0"/>
+                <a:cs typeface="Arial" panose="020B0604020202020204" pitchFamily="34" charset="0"/>
+              </a:rPr>
+              <a:t>Clase 2 de $75.</a:t>
+            </a:r>
+          </a:p>
+          <a:p>
+            <a:pPr lvl="1"/>
+            <a:r>
+              <a:rPr lang="es-MX" dirty="0">
+                <a:latin typeface="Arial" panose="020B0604020202020204" pitchFamily="34" charset="0"/>
+                <a:cs typeface="Arial" panose="020B0604020202020204" pitchFamily="34" charset="0"/>
+              </a:rPr>
+              <a:t>Y tiene un limite de producción de 1050 unidades por día.</a:t>
+            </a:r>
+          </a:p>
+          <a:p>
+            <a:pPr marL="285750" indent="-285750">
+              <a:buFont typeface="Arial" panose="020B0604020202020204" pitchFamily="34" charset="0"/>
+              <a:buChar char="•"/>
+            </a:pPr>
+            <a:r>
+              <a:rPr lang="es-MX" dirty="0">
+                <a:latin typeface="Arial" panose="020B0604020202020204" pitchFamily="34" charset="0"/>
+                <a:cs typeface="Arial" panose="020B0604020202020204" pitchFamily="34" charset="0"/>
+              </a:rPr>
+              <a:t>La planta B obtiene una utilidad por cada unidad de cemento producido de clase:</a:t>
+            </a:r>
+          </a:p>
+          <a:p>
+            <a:pPr lvl="1"/>
+            <a:r>
+              <a:rPr lang="es-MX" dirty="0">
+                <a:latin typeface="Arial" panose="020B0604020202020204" pitchFamily="34" charset="0"/>
+                <a:cs typeface="Arial" panose="020B0604020202020204" pitchFamily="34" charset="0"/>
+              </a:rPr>
+              <a:t>Clase 1 de $40.</a:t>
+            </a:r>
+          </a:p>
+          <a:p>
+            <a:pPr lvl="1"/>
+            <a:r>
+              <a:rPr lang="es-MX" dirty="0">
+                <a:latin typeface="Arial" panose="020B0604020202020204" pitchFamily="34" charset="0"/>
+                <a:cs typeface="Arial" panose="020B0604020202020204" pitchFamily="34" charset="0"/>
+              </a:rPr>
+              <a:t>Clase 2 de $95.</a:t>
+            </a:r>
+          </a:p>
+          <a:p>
+            <a:pPr lvl="1"/>
+            <a:r>
+              <a:rPr lang="es-MX" dirty="0">
+                <a:latin typeface="Arial" panose="020B0604020202020204" pitchFamily="34" charset="0"/>
+                <a:cs typeface="Arial" panose="020B0604020202020204" pitchFamily="34" charset="0"/>
+              </a:rPr>
+              <a:t>Y tiene un limite de producción de 600 unidades por día.</a:t>
+            </a:r>
+          </a:p>
+          <a:p>
+            <a:pPr marL="285750" indent="-285750">
+              <a:buFont typeface="Arial" panose="020B0604020202020204" pitchFamily="34" charset="0"/>
+              <a:buChar char="•"/>
+            </a:pPr>
+            <a:r>
+              <a:rPr lang="es-MX" dirty="0">
+                <a:latin typeface="Arial" panose="020B0604020202020204" pitchFamily="34" charset="0"/>
+                <a:cs typeface="Arial" panose="020B0604020202020204" pitchFamily="34" charset="0"/>
+              </a:rPr>
+              <a:t>La planta C obtiene una utilidad por cada unidad de cemento producido de clase:</a:t>
+            </a:r>
+          </a:p>
+          <a:p>
+            <a:pPr lvl="1"/>
+            <a:r>
+              <a:rPr lang="es-MX" dirty="0">
+                <a:latin typeface="Arial" panose="020B0604020202020204" pitchFamily="34" charset="0"/>
+                <a:cs typeface="Arial" panose="020B0604020202020204" pitchFamily="34" charset="0"/>
+              </a:rPr>
+              <a:t>Clase 1 de $65.</a:t>
+            </a:r>
+          </a:p>
+          <a:p>
+            <a:pPr lvl="1"/>
+            <a:r>
+              <a:rPr lang="es-MX" dirty="0">
+                <a:latin typeface="Arial" panose="020B0604020202020204" pitchFamily="34" charset="0"/>
+                <a:cs typeface="Arial" panose="020B0604020202020204" pitchFamily="34" charset="0"/>
+              </a:rPr>
+              <a:t>Clase 2 de $55.</a:t>
+            </a:r>
+          </a:p>
+          <a:p>
+            <a:pPr lvl="1"/>
+            <a:r>
+              <a:rPr lang="es-MX" dirty="0">
+                <a:latin typeface="Arial" panose="020B0604020202020204" pitchFamily="34" charset="0"/>
+                <a:cs typeface="Arial" panose="020B0604020202020204" pitchFamily="34" charset="0"/>
+              </a:rPr>
+              <a:t>Y tiene un limite de producción de 950 unidades por día.</a:t>
+            </a:r>
+          </a:p>
+          <a:p>
+            <a:pPr marL="285750" indent="-285750">
+              <a:buFont typeface="Arial" panose="020B0604020202020204" pitchFamily="34" charset="0"/>
+              <a:buChar char="•"/>
+            </a:pPr>
+            <a:r>
+              <a:rPr lang="es-MX" dirty="0">
+                <a:latin typeface="Arial" panose="020B0604020202020204" pitchFamily="34" charset="0"/>
+                <a:cs typeface="Arial" panose="020B0604020202020204" pitchFamily="34" charset="0"/>
+              </a:rPr>
+              <a:t>La planta D obtiene una utilidad por cada unidad de cemento producido de clase:</a:t>
+            </a:r>
+          </a:p>
+          <a:p>
+            <a:pPr lvl="1"/>
+            <a:r>
+              <a:rPr lang="es-MX" dirty="0">
+                <a:latin typeface="Arial" panose="020B0604020202020204" pitchFamily="34" charset="0"/>
+                <a:cs typeface="Arial" panose="020B0604020202020204" pitchFamily="34" charset="0"/>
+              </a:rPr>
+              <a:t>Clase 1 de $60.</a:t>
+            </a:r>
+          </a:p>
+          <a:p>
+            <a:pPr lvl="1"/>
+            <a:r>
+              <a:rPr lang="es-MX" dirty="0">
+                <a:latin typeface="Arial" panose="020B0604020202020204" pitchFamily="34" charset="0"/>
+                <a:cs typeface="Arial" panose="020B0604020202020204" pitchFamily="34" charset="0"/>
+              </a:rPr>
+              <a:t>Clase 2 de $65.</a:t>
+            </a:r>
+          </a:p>
+          <a:p>
+            <a:pPr lvl="1"/>
+            <a:r>
+              <a:rPr lang="es-MX" dirty="0">
+                <a:latin typeface="Arial" panose="020B0604020202020204" pitchFamily="34" charset="0"/>
+                <a:cs typeface="Arial" panose="020B0604020202020204" pitchFamily="34" charset="0"/>
+              </a:rPr>
+              <a:t>Y tiene un limite de producción de 450 unidades por día.</a:t>
+            </a:r>
+          </a:p>
+        </p:txBody>
+      </p:sp>
+    </p:spTree>
+    <p:extLst>
+      <p:ext uri="{BB962C8B-B14F-4D97-AF65-F5344CB8AC3E}">
+        <p14:creationId xmlns:p14="http://schemas.microsoft.com/office/powerpoint/2010/main" val="32212100"/>
+      </p:ext>
+    </p:extLst>
+  </p:cSld>
+  <p:clrMapOvr>
+    <a:masterClrMapping/>
+  </p:clrMapOvr>
+</p:sld>
+</file>
+
+<file path=ppt/slides/slide5.xml><?xml version="1.0" encoding="utf-8"?>
+<p:sld xmlns:a="http://schemas.openxmlformats.org/drawingml/2006/main" xmlns:r="http://schemas.openxmlformats.org/officeDocument/2006/relationships" xmlns:p="http://schemas.openxmlformats.org/presentationml/2006/main">
+  <p:cSld>
+    <p:spTree>
+      <p:nvGrpSpPr>
+        <p:cNvPr id="1" name=""/>
+        <p:cNvGrpSpPr/>
+        <p:nvPr/>
+      </p:nvGrpSpPr>
+      <p:grpSpPr>
+        <a:xfrm>
+          <a:off x="0" y="0"/>
+          <a:ext cx="0" cy="0"/>
+          <a:chOff x="0" y="0"/>
+          <a:chExt cx="0" cy="0"/>
+        </a:xfrm>
+      </p:grpSpPr>
+      <p:sp>
+        <p:nvSpPr>
+          <p:cNvPr id="4" name="Rectángulo 3">
+            <a:extLst>
+              <a:ext uri="{FF2B5EF4-FFF2-40B4-BE49-F238E27FC236}">
+                <a16:creationId xmlns:a16="http://schemas.microsoft.com/office/drawing/2014/main" id="{80AABC1D-E90A-0C4E-B6DB-97A47F76F19F}"/>
+              </a:ext>
+            </a:extLst>
+          </p:cNvPr>
+          <p:cNvSpPr/>
+          <p:nvPr/>
+        </p:nvSpPr>
+        <p:spPr>
+          <a:xfrm>
+            <a:off x="498764" y="466643"/>
+            <a:ext cx="9739517" cy="923330"/>
+          </a:xfrm>
+          <a:prstGeom prst="rect">
+            <a:avLst/>
+          </a:prstGeom>
+          <a:noFill/>
+        </p:spPr>
+        <p:txBody>
+          <a:bodyPr wrap="square" lIns="91440" tIns="45720" rIns="91440" bIns="45720">
+            <a:spAutoFit/>
+          </a:bodyPr>
+          <a:lstStyle/>
+          <a:p>
+            <a:r>
+              <a:rPr lang="es-MX" sz="5400" cap="none" spc="0" dirty="0">
+                <a:ln w="0"/>
+                <a:solidFill>
+                  <a:schemeClr val="tx1"/>
+                </a:solidFill>
+                <a:effectLst>
+                  <a:outerShdw blurRad="38100" dist="19050" dir="2700000" algn="tl" rotWithShape="0">
+                    <a:schemeClr val="dk1">
+                      <a:alpha val="40000"/>
+                    </a:schemeClr>
+                  </a:outerShdw>
+                </a:effectLst>
+                <a:latin typeface="Calibri" panose="020F0502020204030204" pitchFamily="34" charset="0"/>
+                <a:ea typeface="Apple Color Emoji" pitchFamily="2" charset="0"/>
+                <a:cs typeface="Calibri" panose="020F0502020204030204" pitchFamily="34" charset="0"/>
+              </a:rPr>
+              <a:t>Objetivos principales y específicos</a:t>
+            </a:r>
+          </a:p>
+        </p:txBody>
+      </p:sp>
+      <p:sp>
+        <p:nvSpPr>
+          <p:cNvPr id="5" name="CuadroTexto 4">
+            <a:extLst>
+              <a:ext uri="{FF2B5EF4-FFF2-40B4-BE49-F238E27FC236}">
+                <a16:creationId xmlns:a16="http://schemas.microsoft.com/office/drawing/2014/main" id="{250917A1-C9C0-4D49-977C-592851E85161}"/>
+              </a:ext>
+            </a:extLst>
+          </p:cNvPr>
+          <p:cNvSpPr txBox="1"/>
+          <p:nvPr/>
+        </p:nvSpPr>
+        <p:spPr>
+          <a:xfrm>
+            <a:off x="633677" y="1539873"/>
+            <a:ext cx="11194470" cy="2677656"/>
+          </a:xfrm>
+          <a:prstGeom prst="rect">
+            <a:avLst/>
+          </a:prstGeom>
+          <a:noFill/>
+        </p:spPr>
+        <p:txBody>
+          <a:bodyPr wrap="square" rtlCol="0">
+            <a:spAutoFit/>
+          </a:bodyPr>
+          <a:lstStyle/>
+          <a:p>
+            <a:pPr marL="285750" indent="-285750">
+              <a:buFont typeface="Arial" panose="020B0604020202020204" pitchFamily="34" charset="0"/>
+              <a:buChar char="•"/>
+            </a:pPr>
+            <a:r>
+              <a:rPr lang="es-MX" sz="2800" b="1" dirty="0">
+                <a:latin typeface="Arial" panose="020B0604020202020204" pitchFamily="34" charset="0"/>
+                <a:cs typeface="Arial" panose="020B0604020202020204" pitchFamily="34" charset="0"/>
+              </a:rPr>
+              <a:t>Objetivo Principal</a:t>
+            </a:r>
+            <a:endParaRPr lang="es-MX" sz="2800" dirty="0">
+              <a:latin typeface="Arial" panose="020B0604020202020204" pitchFamily="34" charset="0"/>
+              <a:cs typeface="Arial" panose="020B0604020202020204" pitchFamily="34" charset="0"/>
+            </a:endParaRPr>
+          </a:p>
+          <a:p>
+            <a:r>
+              <a:rPr lang="es-MX" sz="2800" dirty="0">
+                <a:latin typeface="Arial" panose="020B0604020202020204" pitchFamily="34" charset="0"/>
+                <a:cs typeface="Arial" panose="020B0604020202020204" pitchFamily="34" charset="0"/>
+              </a:rPr>
+              <a:t>Obtener las ganancias máximas en la venta de cementos.</a:t>
+            </a:r>
+          </a:p>
+          <a:p>
+            <a:endParaRPr lang="es-MX" sz="2800" dirty="0">
+              <a:latin typeface="Arial" panose="020B0604020202020204" pitchFamily="34" charset="0"/>
+              <a:cs typeface="Arial" panose="020B0604020202020204" pitchFamily="34" charset="0"/>
+            </a:endParaRPr>
+          </a:p>
+          <a:p>
+            <a:pPr marL="285750" indent="-285750">
+              <a:buFont typeface="Arial" panose="020B0604020202020204" pitchFamily="34" charset="0"/>
+              <a:buChar char="•"/>
+            </a:pPr>
+            <a:r>
+              <a:rPr lang="es-MX" sz="2800" b="1" dirty="0">
+                <a:latin typeface="Arial" panose="020B0604020202020204" pitchFamily="34" charset="0"/>
+                <a:cs typeface="Arial" panose="020B0604020202020204" pitchFamily="34" charset="0"/>
+              </a:rPr>
+              <a:t>Objetivo Específicos</a:t>
+            </a:r>
+            <a:endParaRPr lang="es-MX" sz="2800" dirty="0">
+              <a:latin typeface="Arial" panose="020B0604020202020204" pitchFamily="34" charset="0"/>
+              <a:cs typeface="Arial" panose="020B0604020202020204" pitchFamily="34" charset="0"/>
+            </a:endParaRPr>
+          </a:p>
+          <a:p>
+            <a:r>
+              <a:rPr lang="es-MX" sz="2800" dirty="0">
+                <a:latin typeface="Arial" panose="020B0604020202020204" pitchFamily="34" charset="0"/>
+                <a:cs typeface="Arial" panose="020B0604020202020204" pitchFamily="34" charset="0"/>
+              </a:rPr>
+              <a:t>Conocer la cantidad de cemento a fabricar de cada clase en cada planta, de acuerdo a la demanda y limitantes de producción.</a:t>
+            </a:r>
+          </a:p>
+        </p:txBody>
+      </p:sp>
+    </p:spTree>
+    <p:extLst>
+      <p:ext uri="{BB962C8B-B14F-4D97-AF65-F5344CB8AC3E}">
+        <p14:creationId xmlns:p14="http://schemas.microsoft.com/office/powerpoint/2010/main" val="3980917827"/>
+      </p:ext>
+    </p:extLst>
+  </p:cSld>
+  <p:clrMapOvr>
+    <a:masterClrMapping/>
+  </p:clrMapOvr>
+</p:sld>
+</file>
+
+<file path=ppt/slides/slide6.xml><?xml version="1.0" encoding="utf-8"?>
+<p:sld xmlns:a="http://schemas.openxmlformats.org/drawingml/2006/main" xmlns:r="http://schemas.openxmlformats.org/officeDocument/2006/relationships" xmlns:p="http://schemas.openxmlformats.org/presentationml/2006/main">
+  <p:cSld>
+    <p:spTree>
+      <p:nvGrpSpPr>
+        <p:cNvPr id="1" name=""/>
+        <p:cNvGrpSpPr/>
+        <p:nvPr/>
+      </p:nvGrpSpPr>
+      <p:grpSpPr>
+        <a:xfrm>
+          <a:off x="0" y="0"/>
+          <a:ext cx="0" cy="0"/>
+          <a:chOff x="0" y="0"/>
+          <a:chExt cx="0" cy="0"/>
+        </a:xfrm>
+      </p:grpSpPr>
+      <p:sp>
+        <p:nvSpPr>
+          <p:cNvPr id="4" name="Rectángulo 3">
+            <a:extLst>
+              <a:ext uri="{FF2B5EF4-FFF2-40B4-BE49-F238E27FC236}">
+                <a16:creationId xmlns:a16="http://schemas.microsoft.com/office/drawing/2014/main" id="{80AABC1D-E90A-0C4E-B6DB-97A47F76F19F}"/>
+              </a:ext>
+            </a:extLst>
+          </p:cNvPr>
+          <p:cNvSpPr/>
+          <p:nvPr/>
+        </p:nvSpPr>
+        <p:spPr>
+          <a:xfrm>
+            <a:off x="498765" y="373653"/>
+            <a:ext cx="8165550" cy="923330"/>
+          </a:xfrm>
+          <a:prstGeom prst="rect">
+            <a:avLst/>
+          </a:prstGeom>
+          <a:noFill/>
+        </p:spPr>
+        <p:txBody>
+          <a:bodyPr wrap="square" lIns="91440" tIns="45720" rIns="91440" bIns="45720">
+            <a:spAutoFit/>
+          </a:bodyPr>
+          <a:lstStyle/>
+          <a:p>
+            <a:r>
+              <a:rPr lang="es-MX" sz="5400" cap="none" spc="0" dirty="0">
+                <a:ln w="0"/>
+                <a:solidFill>
+                  <a:schemeClr val="tx1"/>
+                </a:solidFill>
+                <a:effectLst>
+                  <a:outerShdw blurRad="38100" dist="19050" dir="2700000" algn="tl" rotWithShape="0">
+                    <a:schemeClr val="dk1">
+                      <a:alpha val="40000"/>
+                    </a:schemeClr>
+                  </a:outerShdw>
+                </a:effectLst>
+                <a:latin typeface="Calibri" panose="020F0502020204030204" pitchFamily="34" charset="0"/>
+                <a:ea typeface="Apple Color Emoji" pitchFamily="2" charset="0"/>
+                <a:cs typeface="Calibri" panose="020F0502020204030204" pitchFamily="34" charset="0"/>
+              </a:rPr>
+              <a:t>Modelo del Problema</a:t>
+            </a:r>
+          </a:p>
+        </p:txBody>
+      </p:sp>
+      <p:pic>
+        <p:nvPicPr>
+          <p:cNvPr id="3" name="Imagen 2">
+            <a:extLst>
+              <a:ext uri="{FF2B5EF4-FFF2-40B4-BE49-F238E27FC236}">
+                <a16:creationId xmlns:a16="http://schemas.microsoft.com/office/drawing/2014/main" id="{25B1A952-641F-9949-85DF-B45ED1CE64DD}"/>
+              </a:ext>
+            </a:extLst>
+          </p:cNvPr>
+          <p:cNvPicPr>
+            <a:picLocks noChangeAspect="1"/>
+          </p:cNvPicPr>
+          <p:nvPr/>
+        </p:nvPicPr>
+        <p:blipFill>
+          <a:blip r:embed="rId2"/>
+          <a:stretch>
+            <a:fillRect/>
+          </a:stretch>
+        </p:blipFill>
+        <p:spPr>
+          <a:xfrm>
+            <a:off x="619932" y="1389972"/>
+            <a:ext cx="9577953" cy="5227925"/>
+          </a:xfrm>
+          <a:prstGeom prst="rect">
+            <a:avLst/>
+          </a:prstGeom>
+        </p:spPr>
+      </p:pic>
+    </p:spTree>
+    <p:extLst>
+      <p:ext uri="{BB962C8B-B14F-4D97-AF65-F5344CB8AC3E}">
+        <p14:creationId xmlns:p14="http://schemas.microsoft.com/office/powerpoint/2010/main" val="3424822776"/>
+      </p:ext>
+    </p:extLst>
+  </p:cSld>
+  <p:clrMapOvr>
+    <a:masterClrMapping/>
+  </p:clrMapOvr>
+</p:sld>
+</file>
+
+<file path=ppt/slides/slide7.xml><?xml version="1.0" encoding="utf-8"?>
+<p:sld xmlns:a="http://schemas.openxmlformats.org/drawingml/2006/main" xmlns:r="http://schemas.openxmlformats.org/officeDocument/2006/relationships" xmlns:p="http://schemas.openxmlformats.org/presentationml/2006/main">
+  <p:cSld>
+    <p:spTree>
+      <p:nvGrpSpPr>
+        <p:cNvPr id="1" name=""/>
+        <p:cNvGrpSpPr/>
+        <p:nvPr/>
+      </p:nvGrpSpPr>
+      <p:grpSpPr>
+        <a:xfrm>
+          <a:off x="0" y="0"/>
+          <a:ext cx="0" cy="0"/>
+          <a:chOff x="0" y="0"/>
+          <a:chExt cx="0" cy="0"/>
+        </a:xfrm>
+      </p:grpSpPr>
+      <p:sp>
+        <p:nvSpPr>
+          <p:cNvPr id="4" name="Rectángulo 3">
+            <a:extLst>
+              <a:ext uri="{FF2B5EF4-FFF2-40B4-BE49-F238E27FC236}">
+                <a16:creationId xmlns:a16="http://schemas.microsoft.com/office/drawing/2014/main" id="{32F4B575-5EC8-AC47-A18D-78D51A1193D2}"/>
+              </a:ext>
+            </a:extLst>
+          </p:cNvPr>
+          <p:cNvSpPr/>
+          <p:nvPr/>
+        </p:nvSpPr>
+        <p:spPr>
+          <a:xfrm>
+            <a:off x="498765" y="373653"/>
+            <a:ext cx="8165550" cy="923330"/>
+          </a:xfrm>
+          <a:prstGeom prst="rect">
+            <a:avLst/>
+          </a:prstGeom>
+          <a:noFill/>
+        </p:spPr>
+        <p:txBody>
+          <a:bodyPr wrap="square" lIns="91440" tIns="45720" rIns="91440" bIns="45720">
+            <a:spAutoFit/>
+          </a:bodyPr>
+          <a:lstStyle/>
+          <a:p>
+            <a:r>
+              <a:rPr lang="es-MX" sz="5400" cap="none" spc="0" dirty="0">
+                <a:ln w="0"/>
+                <a:solidFill>
+                  <a:schemeClr val="tx1"/>
+                </a:solidFill>
+                <a:effectLst>
+                  <a:outerShdw blurRad="38100" dist="19050" dir="2700000" algn="tl" rotWithShape="0">
+                    <a:schemeClr val="dk1">
+                      <a:alpha val="40000"/>
+                    </a:schemeClr>
+                  </a:outerShdw>
+                </a:effectLst>
+                <a:latin typeface="Calibri" panose="020F0502020204030204" pitchFamily="34" charset="0"/>
+                <a:ea typeface="Apple Color Emoji" pitchFamily="2" charset="0"/>
+                <a:cs typeface="Calibri" panose="020F0502020204030204" pitchFamily="34" charset="0"/>
+              </a:rPr>
+              <a:t>Resultado y conlusión</a:t>
+            </a:r>
+          </a:p>
+        </p:txBody>
+      </p:sp>
+      <p:pic>
+        <p:nvPicPr>
+          <p:cNvPr id="7" name="Imagen 6">
+            <a:extLst>
+              <a:ext uri="{FF2B5EF4-FFF2-40B4-BE49-F238E27FC236}">
+                <a16:creationId xmlns:a16="http://schemas.microsoft.com/office/drawing/2014/main" id="{D83F24A9-0E2D-E146-98D9-B5406A5794EC}"/>
+              </a:ext>
+            </a:extLst>
+          </p:cNvPr>
+          <p:cNvPicPr>
+            <a:picLocks noChangeAspect="1"/>
+          </p:cNvPicPr>
+          <p:nvPr/>
+        </p:nvPicPr>
+        <p:blipFill rotWithShape="1">
+          <a:blip r:embed="rId2">
+            <a:extLst>
+              <a:ext uri="{28A0092B-C50C-407E-A947-70E740481C1C}">
+                <a14:useLocalDpi xmlns:a14="http://schemas.microsoft.com/office/drawing/2010/main" val="0"/>
+              </a:ext>
+            </a:extLst>
+          </a:blip>
+          <a:srcRect t="11905" r="43036"/>
+          <a:stretch/>
+        </p:blipFill>
+        <p:spPr>
+          <a:xfrm>
+            <a:off x="469557" y="2346596"/>
+            <a:ext cx="5508776" cy="2855744"/>
+          </a:xfrm>
+          <a:prstGeom prst="rect">
+            <a:avLst/>
+          </a:prstGeom>
+        </p:spPr>
+      </p:pic>
+      <p:pic>
+        <p:nvPicPr>
+          <p:cNvPr id="10" name="Imagen 9">
+            <a:extLst>
+              <a:ext uri="{FF2B5EF4-FFF2-40B4-BE49-F238E27FC236}">
+                <a16:creationId xmlns:a16="http://schemas.microsoft.com/office/drawing/2014/main" id="{BA2A36CE-1165-4C45-945E-246B8F2DAFCF}"/>
+              </a:ext>
+            </a:extLst>
+          </p:cNvPr>
+          <p:cNvPicPr>
+            <a:picLocks noChangeAspect="1"/>
+          </p:cNvPicPr>
+          <p:nvPr/>
+        </p:nvPicPr>
+        <p:blipFill>
+          <a:blip r:embed="rId3">
+            <a:extLst>
+              <a:ext uri="{28A0092B-C50C-407E-A947-70E740481C1C}">
+                <a14:useLocalDpi xmlns:a14="http://schemas.microsoft.com/office/drawing/2010/main" val="0"/>
+              </a:ext>
+            </a:extLst>
+          </a:blip>
+          <a:stretch>
+            <a:fillRect/>
+          </a:stretch>
+        </p:blipFill>
+        <p:spPr>
+          <a:xfrm>
+            <a:off x="6359471" y="1889459"/>
+            <a:ext cx="5674523" cy="3380278"/>
+          </a:xfrm>
+          <a:prstGeom prst="rect">
+            <a:avLst/>
+          </a:prstGeom>
+        </p:spPr>
+      </p:pic>
+      <p:sp>
+        <p:nvSpPr>
+          <p:cNvPr id="11" name="CuadroTexto 10">
+            <a:extLst>
+              <a:ext uri="{FF2B5EF4-FFF2-40B4-BE49-F238E27FC236}">
+                <a16:creationId xmlns:a16="http://schemas.microsoft.com/office/drawing/2014/main" id="{AA807675-A2FB-C749-9D46-470C63A03734}"/>
+              </a:ext>
+            </a:extLst>
+          </p:cNvPr>
+          <p:cNvSpPr txBox="1"/>
+          <p:nvPr/>
+        </p:nvSpPr>
+        <p:spPr>
+          <a:xfrm>
+            <a:off x="498765" y="1597728"/>
+            <a:ext cx="5098430" cy="553998"/>
+          </a:xfrm>
+          <a:prstGeom prst="rect">
+            <a:avLst/>
+          </a:prstGeom>
+          <a:noFill/>
+        </p:spPr>
+        <p:txBody>
+          <a:bodyPr wrap="square" rtlCol="0">
+            <a:spAutoFit/>
+          </a:bodyPr>
+          <a:lstStyle/>
+          <a:p>
+            <a:r>
+              <a:rPr lang="es-MX" sz="1500" i="1" dirty="0">
+                <a:latin typeface="Arial" panose="020B0604020202020204" pitchFamily="34" charset="0"/>
+                <a:cs typeface="Arial" panose="020B0604020202020204" pitchFamily="34" charset="0"/>
+              </a:rPr>
+              <a:t>Ahora podemos concluir que la producción optima de </a:t>
+            </a:r>
+          </a:p>
+          <a:p>
+            <a:r>
+              <a:rPr lang="es-MX" sz="1500" i="1" dirty="0">
+                <a:latin typeface="Arial" panose="020B0604020202020204" pitchFamily="34" charset="0"/>
+                <a:cs typeface="Arial" panose="020B0604020202020204" pitchFamily="34" charset="0"/>
+              </a:rPr>
+              <a:t>cada clase de cemento por parte de cada plante es de:</a:t>
+            </a:r>
+            <a:endParaRPr lang="es-ES_tradnl" sz="1500" dirty="0">
+              <a:latin typeface="Arial" panose="020B0604020202020204" pitchFamily="34" charset="0"/>
+              <a:cs typeface="Arial" panose="020B0604020202020204" pitchFamily="34" charset="0"/>
+            </a:endParaRPr>
+          </a:p>
+        </p:txBody>
+      </p:sp>
+    </p:spTree>
+    <p:extLst>
+      <p:ext uri="{BB962C8B-B14F-4D97-AF65-F5344CB8AC3E}">
+        <p14:creationId xmlns:p14="http://schemas.microsoft.com/office/powerpoint/2010/main" val="4239325132"/>
+      </p:ext>
+    </p:extLst>
+  </p:cSld>
+  <p:clrMapOvr>
+    <a:masterClrMapping/>
+  </p:clrMapOvr>
+</p:sld>
+</file>
+
+<file path=ppt/slides/slide8.xml><?xml version="1.0" encoding="utf-8"?>
+<p:sld xmlns:a="http://schemas.openxmlformats.org/drawingml/2006/main" xmlns:r="http://schemas.openxmlformats.org/officeDocument/2006/relationships" xmlns:p="http://schemas.openxmlformats.org/presentationml/2006/main">
+  <p:cSld>
+    <p:spTree>
+      <p:nvGrpSpPr>
+        <p:cNvPr id="1" name=""/>
+        <p:cNvGrpSpPr/>
+        <p:nvPr/>
+      </p:nvGrpSpPr>
+      <p:grpSpPr>
+        <a:xfrm>
+          <a:off x="0" y="0"/>
+          <a:ext cx="0" cy="0"/>
+          <a:chOff x="0" y="0"/>
+          <a:chExt cx="0" cy="0"/>
+        </a:xfrm>
+      </p:grpSpPr>
+      <p:sp>
+        <p:nvSpPr>
+          <p:cNvPr id="4" name="Rectángulo 3">
+            <a:extLst>
+              <a:ext uri="{FF2B5EF4-FFF2-40B4-BE49-F238E27FC236}">
+                <a16:creationId xmlns:a16="http://schemas.microsoft.com/office/drawing/2014/main" id="{32F4B575-5EC8-AC47-A18D-78D51A1193D2}"/>
+              </a:ext>
+            </a:extLst>
+          </p:cNvPr>
+          <p:cNvSpPr/>
+          <p:nvPr/>
+        </p:nvSpPr>
+        <p:spPr>
+          <a:xfrm>
+            <a:off x="498765" y="373653"/>
+            <a:ext cx="8165550" cy="923330"/>
+          </a:xfrm>
+          <a:prstGeom prst="rect">
+            <a:avLst/>
+          </a:prstGeom>
+          <a:noFill/>
+        </p:spPr>
+        <p:txBody>
+          <a:bodyPr wrap="square" lIns="91440" tIns="45720" rIns="91440" bIns="45720">
+            <a:spAutoFit/>
+          </a:bodyPr>
+          <a:lstStyle/>
+          <a:p>
+            <a:r>
+              <a:rPr lang="es-MX" sz="5400" cap="none" spc="0" dirty="0">
+                <a:ln w="0"/>
+                <a:solidFill>
+                  <a:schemeClr val="tx1"/>
+                </a:solidFill>
+                <a:effectLst>
+                  <a:outerShdw blurRad="38100" dist="19050" dir="2700000" algn="tl" rotWithShape="0">
+                    <a:schemeClr val="dk1">
+                      <a:alpha val="40000"/>
+                    </a:schemeClr>
+                  </a:outerShdw>
+                </a:effectLst>
+                <a:latin typeface="Calibri" panose="020F0502020204030204" pitchFamily="34" charset="0"/>
+                <a:ea typeface="Apple Color Emoji" pitchFamily="2" charset="0"/>
+                <a:cs typeface="Calibri" panose="020F0502020204030204" pitchFamily="34" charset="0"/>
+              </a:rPr>
+              <a:t>Resultado y conlusión</a:t>
+            </a:r>
+          </a:p>
+        </p:txBody>
+      </p:sp>
+      <p:pic>
+        <p:nvPicPr>
+          <p:cNvPr id="3" name="Imagen 2">
+            <a:extLst>
+              <a:ext uri="{FF2B5EF4-FFF2-40B4-BE49-F238E27FC236}">
+                <a16:creationId xmlns:a16="http://schemas.microsoft.com/office/drawing/2014/main" id="{80243D90-2AA7-014D-86E4-5B4C56AAD93D}"/>
+              </a:ext>
+            </a:extLst>
+          </p:cNvPr>
+          <p:cNvPicPr>
+            <a:picLocks noChangeAspect="1"/>
+          </p:cNvPicPr>
+          <p:nvPr/>
+        </p:nvPicPr>
+        <p:blipFill>
+          <a:blip r:embed="rId2">
+            <a:extLst>
+              <a:ext uri="{28A0092B-C50C-407E-A947-70E740481C1C}">
+                <a14:useLocalDpi xmlns:a14="http://schemas.microsoft.com/office/drawing/2010/main" val="0"/>
+              </a:ext>
+            </a:extLst>
+          </a:blip>
+          <a:stretch>
+            <a:fillRect/>
+          </a:stretch>
+        </p:blipFill>
+        <p:spPr>
+          <a:xfrm>
+            <a:off x="498765" y="1434137"/>
+            <a:ext cx="9980436" cy="3431811"/>
+          </a:xfrm>
+          <a:prstGeom prst="rect">
+            <a:avLst/>
+          </a:prstGeom>
+        </p:spPr>
+      </p:pic>
+      <p:sp>
+        <p:nvSpPr>
+          <p:cNvPr id="5" name="Rectángulo 4">
+            <a:extLst>
+              <a:ext uri="{FF2B5EF4-FFF2-40B4-BE49-F238E27FC236}">
+                <a16:creationId xmlns:a16="http://schemas.microsoft.com/office/drawing/2014/main" id="{328A7992-9EAC-4544-BDBD-0773938CDE8C}"/>
+              </a:ext>
+            </a:extLst>
+          </p:cNvPr>
+          <p:cNvSpPr/>
+          <p:nvPr/>
+        </p:nvSpPr>
+        <p:spPr>
+          <a:xfrm>
+            <a:off x="704538" y="4332157"/>
+            <a:ext cx="1484026" cy="497954"/>
+          </a:xfrm>
+          <a:prstGeom prst="rect">
+            <a:avLst/>
+          </a:prstGeom>
+          <a:noFill/>
+          <a:ln>
+            <a:solidFill>
+              <a:srgbClr val="FF0000"/>
+            </a:solidFill>
+          </a:ln>
+        </p:spPr>
+        <p:style>
+          <a:lnRef idx="2">
+            <a:schemeClr val="accent1">
+              <a:shade val="50000"/>
+            </a:schemeClr>
+          </a:lnRef>
+          <a:fillRef idx="1">
+            <a:schemeClr val="accent1"/>
+          </a:fillRef>
+          <a:effectRef idx="0">
+            <a:schemeClr val="accent1"/>
+          </a:effectRef>
+          <a:fontRef idx="minor">
+            <a:schemeClr val="lt1"/>
+          </a:fontRef>
+        </p:style>
+        <p:txBody>
+          <a:bodyPr rtlCol="0" anchor="ctr"/>
+          <a:lstStyle/>
+          <a:p>
+            <a:pPr algn="ctr"/>
+            <a:endParaRPr lang="es-ES_tradnl"/>
+          </a:p>
+        </p:txBody>
+      </p:sp>
+    </p:spTree>
+    <p:extLst>
+      <p:ext uri="{BB962C8B-B14F-4D97-AF65-F5344CB8AC3E}">
+        <p14:creationId xmlns:p14="http://schemas.microsoft.com/office/powerpoint/2010/main" val="2885435072"/>
+      </p:ext>
+    </p:extLst>
+  </p:cSld>
+  <p:clrMapOvr>
+    <a:masterClrMapping/>
+  </p:clrMapOvr>
+</p:sld>
+</file>
+
+<file path=ppt/slides/slide9.xml><?xml version="1.0" encoding="utf-8"?>
+<p:sld xmlns:a="http://schemas.openxmlformats.org/drawingml/2006/main" xmlns:r="http://schemas.openxmlformats.org/officeDocument/2006/relationships" xmlns:p="http://schemas.openxmlformats.org/presentationml/2006/main">
+  <p:cSld>
+    <p:spTree>
+      <p:nvGrpSpPr>
+        <p:cNvPr id="1" name=""/>
+        <p:cNvGrpSpPr/>
+        <p:nvPr/>
+      </p:nvGrpSpPr>
+      <p:grpSpPr>
+        <a:xfrm>
+          <a:off x="0" y="0"/>
+          <a:ext cx="0" cy="0"/>
+          <a:chOff x="0" y="0"/>
+          <a:chExt cx="0" cy="0"/>
+        </a:xfrm>
+      </p:grpSpPr>
+      <p:sp>
+        <p:nvSpPr>
+          <p:cNvPr id="4" name="Rectángulo 3">
+            <a:extLst>
+              <a:ext uri="{FF2B5EF4-FFF2-40B4-BE49-F238E27FC236}">
+                <a16:creationId xmlns:a16="http://schemas.microsoft.com/office/drawing/2014/main" id="{32F4B575-5EC8-AC47-A18D-78D51A1193D2}"/>
+              </a:ext>
+            </a:extLst>
+          </p:cNvPr>
+          <p:cNvSpPr/>
+          <p:nvPr/>
+        </p:nvSpPr>
+        <p:spPr>
+          <a:xfrm>
+            <a:off x="498765" y="373653"/>
+            <a:ext cx="8165550" cy="923330"/>
+          </a:xfrm>
+          <a:prstGeom prst="rect">
+            <a:avLst/>
+          </a:prstGeom>
+          <a:noFill/>
+        </p:spPr>
+        <p:txBody>
+          <a:bodyPr wrap="square" lIns="91440" tIns="45720" rIns="91440" bIns="45720">
+            <a:spAutoFit/>
+          </a:bodyPr>
+          <a:lstStyle/>
+          <a:p>
+            <a:r>
+              <a:rPr lang="es-MX" sz="5400" dirty="0">
+                <a:ln w="0"/>
+                <a:effectLst>
+                  <a:outerShdw blurRad="38100" dist="19050" dir="2700000" algn="tl" rotWithShape="0">
+                    <a:schemeClr val="dk1">
+                      <a:alpha val="40000"/>
+                    </a:schemeClr>
+                  </a:outerShdw>
+                </a:effectLst>
+                <a:latin typeface="Calibri" panose="020F0502020204030204" pitchFamily="34" charset="0"/>
+                <a:ea typeface="Apple Color Emoji" pitchFamily="2" charset="0"/>
+                <a:cs typeface="Calibri" panose="020F0502020204030204" pitchFamily="34" charset="0"/>
+              </a:rPr>
+              <a:t>Referencias</a:t>
+            </a:r>
+            <a:endParaRPr lang="es-MX" sz="5400" cap="none" spc="0" dirty="0">
+              <a:ln w="0"/>
+              <a:solidFill>
+                <a:schemeClr val="tx1"/>
+              </a:solidFill>
+              <a:effectLst>
+                <a:outerShdw blurRad="38100" dist="19050" dir="2700000" algn="tl" rotWithShape="0">
+                  <a:schemeClr val="dk1">
+                    <a:alpha val="40000"/>
+                  </a:schemeClr>
+                </a:outerShdw>
+              </a:effectLst>
+              <a:latin typeface="Calibri" panose="020F0502020204030204" pitchFamily="34" charset="0"/>
+              <a:ea typeface="Apple Color Emoji" pitchFamily="2" charset="0"/>
+              <a:cs typeface="Calibri" panose="020F0502020204030204" pitchFamily="34" charset="0"/>
+            </a:endParaRPr>
+          </a:p>
+        </p:txBody>
+      </p:sp>
+      <p:sp>
+        <p:nvSpPr>
+          <p:cNvPr id="6" name="CuadroTexto 5">
+            <a:extLst>
+              <a:ext uri="{FF2B5EF4-FFF2-40B4-BE49-F238E27FC236}">
+                <a16:creationId xmlns:a16="http://schemas.microsoft.com/office/drawing/2014/main" id="{F4702E1E-5B14-0F42-B637-1BC766FF98E3}"/>
+              </a:ext>
+            </a:extLst>
+          </p:cNvPr>
+          <p:cNvSpPr txBox="1"/>
+          <p:nvPr/>
+        </p:nvSpPr>
+        <p:spPr>
+          <a:xfrm>
+            <a:off x="498765" y="1524883"/>
+            <a:ext cx="11194470" cy="3293209"/>
+          </a:xfrm>
+          <a:prstGeom prst="rect">
+            <a:avLst/>
+          </a:prstGeom>
+          <a:noFill/>
+        </p:spPr>
+        <p:txBody>
+          <a:bodyPr wrap="square" rtlCol="0">
+            <a:spAutoFit/>
+          </a:bodyPr>
+          <a:lstStyle/>
+          <a:p>
+            <a:pPr marL="457200" indent="-457200">
+              <a:buFont typeface="Arial" panose="020B0604020202020204" pitchFamily="34" charset="0"/>
+              <a:buChar char="•"/>
+            </a:pPr>
+            <a:r>
+              <a:rPr lang="es-MX" sz="3200" dirty="0">
+                <a:latin typeface="Arial" panose="020B0604020202020204" pitchFamily="34" charset="0"/>
+                <a:cs typeface="Arial" panose="020B0604020202020204" pitchFamily="34" charset="0"/>
+              </a:rPr>
+              <a:t>Home | CEMEX Mexico. (2019). Retrieved 1 October 2019, from </a:t>
+            </a:r>
+            <a:r>
+              <a:rPr lang="es-MX" sz="3200" u="sng" dirty="0">
+                <a:latin typeface="Arial" panose="020B0604020202020204" pitchFamily="34" charset="0"/>
+                <a:cs typeface="Arial" panose="020B0604020202020204" pitchFamily="34" charset="0"/>
+                <a:hlinkClick r:id="rId2"/>
+              </a:rPr>
+              <a:t>https://www.cemexmexico.com/</a:t>
+            </a:r>
+            <a:endParaRPr lang="es-MX" sz="3200" u="sng" dirty="0">
+              <a:latin typeface="Arial" panose="020B0604020202020204" pitchFamily="34" charset="0"/>
+              <a:cs typeface="Arial" panose="020B0604020202020204" pitchFamily="34" charset="0"/>
+            </a:endParaRPr>
+          </a:p>
+          <a:p>
+            <a:endParaRPr lang="es-MX" sz="3200" dirty="0">
+              <a:latin typeface="Arial" panose="020B0604020202020204" pitchFamily="34" charset="0"/>
+              <a:cs typeface="Arial" panose="020B0604020202020204" pitchFamily="34" charset="0"/>
+            </a:endParaRPr>
+          </a:p>
+          <a:p>
+            <a:pPr marL="457200" indent="-457200">
+              <a:buFont typeface="Arial" panose="020B0604020202020204" pitchFamily="34" charset="0"/>
+              <a:buChar char="•"/>
+            </a:pPr>
+            <a:r>
+              <a:rPr lang="es-MX" sz="3200" dirty="0">
+                <a:latin typeface="Arial" panose="020B0604020202020204" pitchFamily="34" charset="0"/>
+                <a:cs typeface="Arial" panose="020B0604020202020204" pitchFamily="34" charset="0"/>
+              </a:rPr>
+              <a:t>Cemento. (2019). Retrieved 1 October 2019, from </a:t>
+            </a:r>
+            <a:r>
+              <a:rPr lang="es-MX" sz="3200" u="sng" dirty="0">
+                <a:latin typeface="Arial" panose="020B0604020202020204" pitchFamily="34" charset="0"/>
+                <a:cs typeface="Arial" panose="020B0604020202020204" pitchFamily="34" charset="0"/>
+                <a:hlinkClick r:id="rId3"/>
+              </a:rPr>
+              <a:t>https://es.wikipedia.org/wiki/Cemento</a:t>
+            </a:r>
+            <a:endParaRPr lang="es-MX" sz="3200" dirty="0">
+              <a:latin typeface="Arial" panose="020B0604020202020204" pitchFamily="34" charset="0"/>
+              <a:cs typeface="Arial" panose="020B0604020202020204" pitchFamily="34" charset="0"/>
+            </a:endParaRPr>
+          </a:p>
+          <a:p>
+            <a:pPr marL="457200" indent="-457200">
+              <a:buFont typeface="Arial" panose="020B0604020202020204" pitchFamily="34" charset="0"/>
+              <a:buChar char="•"/>
+            </a:pPr>
+            <a:endParaRPr lang="es-ES_tradnl" sz="4800" dirty="0">
+              <a:latin typeface="Arial" panose="020B0604020202020204" pitchFamily="34" charset="0"/>
+              <a:cs typeface="Arial" panose="020B0604020202020204" pitchFamily="34" charset="0"/>
+            </a:endParaRPr>
+          </a:p>
+        </p:txBody>
+      </p:sp>
+    </p:spTree>
+    <p:extLst>
+      <p:ext uri="{BB962C8B-B14F-4D97-AF65-F5344CB8AC3E}">
+        <p14:creationId xmlns:p14="http://schemas.microsoft.com/office/powerpoint/2010/main" val="3788480154"/>
       </p:ext>
     </p:extLst>
   </p:cSld>

--- a/Presentación del proyecto.pptx
+++ b/Presentación del proyecto.pptx
@@ -3355,6 +3355,52 @@
           <a:chExt cx="0" cy="0"/>
         </a:xfrm>
       </p:grpSpPr>
+      <p:sp>
+        <p:nvSpPr>
+          <p:cNvPr id="18" name="Rectángulo 17">
+            <a:extLst>
+              <a:ext uri="{FF2B5EF4-FFF2-40B4-BE49-F238E27FC236}">
+                <a16:creationId xmlns:a16="http://schemas.microsoft.com/office/drawing/2014/main" id="{814D939E-28AE-3641-94DD-BB2AC04C3658}"/>
+              </a:ext>
+            </a:extLst>
+          </p:cNvPr>
+          <p:cNvSpPr/>
+          <p:nvPr/>
+        </p:nvSpPr>
+        <p:spPr>
+          <a:xfrm>
+            <a:off x="8521917" y="494944"/>
+            <a:ext cx="3520266" cy="5716406"/>
+          </a:xfrm>
+          <a:prstGeom prst="rect">
+            <a:avLst/>
+          </a:prstGeom>
+        </p:spPr>
+        <p:style>
+          <a:lnRef idx="2">
+            <a:schemeClr val="dk1">
+              <a:shade val="50000"/>
+            </a:schemeClr>
+          </a:lnRef>
+          <a:fillRef idx="1">
+            <a:schemeClr val="dk1"/>
+          </a:fillRef>
+          <a:effectRef idx="0">
+            <a:schemeClr val="dk1"/>
+          </a:effectRef>
+          <a:fontRef idx="minor">
+            <a:schemeClr val="lt1"/>
+          </a:fontRef>
+        </p:style>
+        <p:txBody>
+          <a:bodyPr rtlCol="0" anchor="ctr"/>
+          <a:lstStyle/>
+          <a:p>
+            <a:pPr algn="ctr"/>
+            <a:endParaRPr lang="es-ES_tradnl" dirty="0"/>
+          </a:p>
+        </p:txBody>
+      </p:sp>
       <p:pic>
         <p:nvPicPr>
           <p:cNvPr id="9" name="Imagen 8">
@@ -3383,8 +3429,8 @@
         </p:blipFill>
         <p:spPr>
           <a:xfrm>
-            <a:off x="405590" y="339964"/>
-            <a:ext cx="7923762" cy="5268384"/>
+            <a:off x="405590" y="494943"/>
+            <a:ext cx="7923762" cy="5716407"/>
           </a:xfrm>
           <a:prstGeom prst="rect">
             <a:avLst/>
@@ -3408,8 +3454,8 @@
         </p:nvSpPr>
         <p:spPr>
           <a:xfrm>
-            <a:off x="83129" y="5720289"/>
-            <a:ext cx="11155681" cy="830997"/>
+            <a:off x="8576597" y="553658"/>
+            <a:ext cx="3750591" cy="3785652"/>
           </a:xfrm>
           <a:prstGeom prst="rect">
             <a:avLst/>
@@ -3422,9 +3468,109 @@
           </a:bodyPr>
           <a:lstStyle/>
           <a:p>
-            <a:pPr algn="ctr"/>
-            <a:r>
-              <a:rPr lang="es-MX" sz="4800" b="1" cap="none" spc="0" dirty="0">
+            <a:r>
+              <a:rPr lang="es-MX" sz="4800" cap="none" spc="0" dirty="0">
+                <a:ln w="0"/>
+                <a:solidFill>
+                  <a:schemeClr val="bg1"/>
+                </a:solidFill>
+                <a:effectLst>
+                  <a:outerShdw blurRad="38100" dist="19050" dir="2700000" algn="tl" rotWithShape="0">
+                    <a:schemeClr val="dk1">
+                      <a:alpha val="40000"/>
+                    </a:schemeClr>
+                  </a:outerShdw>
+                </a:effectLst>
+                <a:ea typeface="Apple Color Emoji" pitchFamily="2" charset="0"/>
+                <a:cs typeface="Calibri Light" panose="020F0302020204030204" pitchFamily="34" charset="0"/>
+              </a:rPr>
+              <a:t>PROYECTO MODULO 1:</a:t>
+            </a:r>
+            <a:br>
+              <a:rPr lang="es-MX" sz="4800" cap="none" spc="0" dirty="0">
+                <a:ln w="0"/>
+                <a:solidFill>
+                  <a:schemeClr val="bg1"/>
+                </a:solidFill>
+                <a:effectLst>
+                  <a:outerShdw blurRad="38100" dist="19050" dir="2700000" algn="tl" rotWithShape="0">
+                    <a:schemeClr val="dk1">
+                      <a:alpha val="40000"/>
+                    </a:schemeClr>
+                  </a:outerShdw>
+                </a:effectLst>
+                <a:ea typeface="Apple Color Emoji" pitchFamily="2" charset="0"/>
+                <a:cs typeface="Calibri Light" panose="020F0302020204030204" pitchFamily="34" charset="0"/>
+              </a:rPr>
+            </a:br>
+            <a:endParaRPr lang="es-MX" sz="4800" cap="none" spc="0" dirty="0">
+              <a:ln w="0"/>
+              <a:solidFill>
+                <a:schemeClr val="bg1"/>
+              </a:solidFill>
+              <a:effectLst>
+                <a:outerShdw blurRad="38100" dist="19050" dir="2700000" algn="tl" rotWithShape="0">
+                  <a:schemeClr val="dk1">
+                    <a:alpha val="40000"/>
+                  </a:schemeClr>
+                </a:outerShdw>
+              </a:effectLst>
+              <a:ea typeface="Apple Color Emoji" pitchFamily="2" charset="0"/>
+              <a:cs typeface="Calibri Light" panose="020F0302020204030204" pitchFamily="34" charset="0"/>
+            </a:endParaRPr>
+          </a:p>
+          <a:p>
+            <a:r>
+              <a:rPr lang="es-MX" sz="4800" cap="none" spc="0" dirty="0">
+                <a:ln w="0"/>
+                <a:solidFill>
+                  <a:schemeClr val="bg1"/>
+                </a:solidFill>
+                <a:effectLst>
+                  <a:outerShdw blurRad="38100" dist="19050" dir="2700000" algn="tl" rotWithShape="0">
+                    <a:schemeClr val="dk1">
+                      <a:alpha val="40000"/>
+                    </a:schemeClr>
+                  </a:outerShdw>
+                </a:effectLst>
+                <a:ea typeface="Apple Color Emoji" pitchFamily="2" charset="0"/>
+                <a:cs typeface="Calibri Light" panose="020F0302020204030204" pitchFamily="34" charset="0"/>
+              </a:rPr>
+              <a:t>Optimización Cementera</a:t>
+            </a:r>
+          </a:p>
+        </p:txBody>
+      </p:sp>
+      <p:sp>
+        <p:nvSpPr>
+          <p:cNvPr id="12" name="Rectángulo 11">
+            <a:extLst>
+              <a:ext uri="{FF2B5EF4-FFF2-40B4-BE49-F238E27FC236}">
+                <a16:creationId xmlns:a16="http://schemas.microsoft.com/office/drawing/2014/main" id="{0A990B2A-265F-4A48-BB6D-27D9FB36026E}"/>
+              </a:ext>
+            </a:extLst>
+          </p:cNvPr>
+          <p:cNvSpPr/>
+          <p:nvPr/>
+        </p:nvSpPr>
+        <p:spPr>
+          <a:xfrm>
+            <a:off x="291416" y="6287204"/>
+            <a:ext cx="6894112" cy="461665"/>
+          </a:xfrm>
+          <a:prstGeom prst="rect">
+            <a:avLst/>
+          </a:prstGeom>
+          <a:noFill/>
+        </p:spPr>
+        <p:txBody>
+          <a:bodyPr wrap="square" lIns="91440" tIns="45720" rIns="91440" bIns="45720">
+            <a:spAutoFit/>
+          </a:bodyPr>
+          <a:lstStyle/>
+          <a:p>
+            <a:r>
+              <a:rPr lang="es-MX" sz="2400" cap="none" spc="0" dirty="0">
                 <a:ln w="0"/>
                 <a:solidFill>
                   <a:schemeClr val="tx1"/>
@@ -3440,113 +3586,10 @@
                 <a:ea typeface="Apple Color Emoji" pitchFamily="2" charset="0"/>
                 <a:cs typeface="Arial Narrow" panose="020B0604020202020204" pitchFamily="34" charset="0"/>
               </a:rPr>
-              <a:t>Proyecto Modulo 1: Optimización Cementera</a:t>
-            </a:r>
-          </a:p>
-        </p:txBody>
-      </p:sp>
-      <p:sp>
-        <p:nvSpPr>
-          <p:cNvPr id="11" name="Rectángulo 10">
-            <a:extLst>
-              <a:ext uri="{FF2B5EF4-FFF2-40B4-BE49-F238E27FC236}">
-                <a16:creationId xmlns:a16="http://schemas.microsoft.com/office/drawing/2014/main" id="{33DDB3C7-C9FC-2C41-9566-C2A868C8C701}"/>
-              </a:ext>
-            </a:extLst>
-          </p:cNvPr>
-          <p:cNvSpPr/>
-          <p:nvPr/>
-        </p:nvSpPr>
-        <p:spPr>
-          <a:xfrm>
-            <a:off x="8312727" y="3895199"/>
-            <a:ext cx="1896674" cy="646331"/>
-          </a:xfrm>
-          <a:prstGeom prst="rect">
-            <a:avLst/>
-          </a:prstGeom>
-          <a:noFill/>
-        </p:spPr>
-        <p:txBody>
-          <a:bodyPr wrap="square" lIns="91440" tIns="45720" rIns="91440" bIns="45720">
-            <a:spAutoFit/>
-          </a:bodyPr>
-          <a:lstStyle/>
-          <a:p>
-            <a:pPr algn="ctr"/>
-            <a:r>
-              <a:rPr lang="es-MX" sz="3600" cap="none" spc="0" dirty="0">
-                <a:ln w="0"/>
-                <a:solidFill>
-                  <a:schemeClr val="tx1"/>
-                </a:solidFill>
-                <a:effectLst>
-                  <a:outerShdw blurRad="38100" dist="19050" dir="2700000" algn="tl" rotWithShape="0">
-                    <a:schemeClr val="dk1">
-                      <a:alpha val="40000"/>
-                    </a:schemeClr>
-                  </a:outerShdw>
-                </a:effectLst>
-                <a:latin typeface="Arial Narrow" panose="020B0604020202020204" pitchFamily="34" charset="0"/>
-                <a:ea typeface="Apple Color Emoji" pitchFamily="2" charset="0"/>
-                <a:cs typeface="Arial Narrow" panose="020B0604020202020204" pitchFamily="34" charset="0"/>
-              </a:rPr>
-              <a:t>Equipo:</a:t>
-            </a:r>
-          </a:p>
-        </p:txBody>
-      </p:sp>
-      <p:sp>
-        <p:nvSpPr>
-          <p:cNvPr id="12" name="Rectángulo 11">
-            <a:extLst>
-              <a:ext uri="{FF2B5EF4-FFF2-40B4-BE49-F238E27FC236}">
-                <a16:creationId xmlns:a16="http://schemas.microsoft.com/office/drawing/2014/main" id="{0A990B2A-265F-4A48-BB6D-27D9FB36026E}"/>
-              </a:ext>
-            </a:extLst>
-          </p:cNvPr>
-          <p:cNvSpPr/>
-          <p:nvPr/>
-        </p:nvSpPr>
-        <p:spPr>
-          <a:xfrm>
-            <a:off x="8538542" y="4453460"/>
-            <a:ext cx="3374968" cy="1200329"/>
-          </a:xfrm>
-          <a:prstGeom prst="rect">
-            <a:avLst/>
-          </a:prstGeom>
-          <a:noFill/>
-        </p:spPr>
-        <p:txBody>
-          <a:bodyPr wrap="square" lIns="91440" tIns="45720" rIns="91440" bIns="45720">
-            <a:spAutoFit/>
-          </a:bodyPr>
-          <a:lstStyle/>
-          <a:p>
-            <a:r>
-              <a:rPr lang="es-MX" sz="3600" cap="none" spc="0" dirty="0">
-                <a:ln w="0"/>
-                <a:solidFill>
-                  <a:schemeClr val="tx1"/>
-                </a:solidFill>
-                <a:effectLst>
-                  <a:outerShdw blurRad="38100" dist="19050" dir="2700000" algn="tl" rotWithShape="0">
-                    <a:schemeClr val="dk1">
-                      <a:alpha val="40000"/>
-                    </a:schemeClr>
-                  </a:outerShdw>
-                </a:effectLst>
-                <a:latin typeface="Arial Narrow" panose="020B0604020202020204" pitchFamily="34" charset="0"/>
-                <a:ea typeface="Apple Color Emoji" pitchFamily="2" charset="0"/>
-                <a:cs typeface="Arial Narrow" panose="020B0604020202020204" pitchFamily="34" charset="0"/>
-              </a:rPr>
-              <a:t>Fernando Aguilar</a:t>
-            </a:r>
-          </a:p>
-          <a:p>
-            <a:r>
-              <a:rPr lang="es-MX" sz="3600" dirty="0">
+              <a:t>Por Fernando Aguilar y </a:t>
+            </a:r>
+            <a:r>
+              <a:rPr lang="es-MX" sz="2400" dirty="0">
                 <a:ln w="0"/>
                 <a:effectLst>
                   <a:outerShdw blurRad="38100" dist="19050" dir="2700000" algn="tl" rotWithShape="0">
@@ -3561,7 +3604,7 @@
               </a:rPr>
               <a:t>Diego Díaz</a:t>
             </a:r>
-            <a:endParaRPr lang="es-MX" sz="3600" cap="none" spc="0" dirty="0">
+            <a:endParaRPr lang="es-MX" sz="2400" cap="none" spc="0" dirty="0">
               <a:ln w="0"/>
               <a:solidFill>
                 <a:schemeClr val="tx1"/>
@@ -3582,10 +3625,10 @@
       </p:sp>
       <p:pic>
         <p:nvPicPr>
-          <p:cNvPr id="14" name="Imagen 13">
-            <a:extLst>
-              <a:ext uri="{FF2B5EF4-FFF2-40B4-BE49-F238E27FC236}">
-                <a16:creationId xmlns:a16="http://schemas.microsoft.com/office/drawing/2014/main" id="{160ED5C5-BF51-5043-AFC1-A5EEFE73D285}"/>
+          <p:cNvPr id="20" name="Imagen 19">
+            <a:extLst>
+              <a:ext uri="{FF2B5EF4-FFF2-40B4-BE49-F238E27FC236}">
+                <a16:creationId xmlns:a16="http://schemas.microsoft.com/office/drawing/2014/main" id="{5660E655-C45D-5941-B59A-3D530CB3B5D7}"/>
               </a:ext>
             </a:extLst>
           </p:cNvPr>
@@ -3608,8 +3651,8 @@
         </p:blipFill>
         <p:spPr>
           <a:xfrm>
-            <a:off x="9006826" y="535756"/>
-            <a:ext cx="2438400" cy="2438400"/>
+            <a:off x="9481738" y="4463294"/>
+            <a:ext cx="1600624" cy="1600624"/>
           </a:xfrm>
           <a:prstGeom prst="rect">
             <a:avLst/>
@@ -3632,6 +3675,14 @@
 <file path=ppt/slides/slide2.xml><?xml version="1.0" encoding="utf-8"?>
 <p:sld xmlns:a="http://schemas.openxmlformats.org/drawingml/2006/main" xmlns:r="http://schemas.openxmlformats.org/officeDocument/2006/relationships" xmlns:p="http://schemas.openxmlformats.org/presentationml/2006/main">
   <p:cSld>
+    <p:bg>
+      <p:bgPr>
+        <a:solidFill>
+          <a:schemeClr val="bg1"/>
+        </a:solidFill>
+        <a:effectLst/>
+      </p:bgPr>
+    </p:bg>
     <p:spTree>
       <p:nvGrpSpPr>
         <p:cNvPr id="1" name=""/>
@@ -3648,10 +3699,10 @@
       </p:grpSpPr>
       <p:sp>
         <p:nvSpPr>
-          <p:cNvPr id="4" name="Rectángulo 3">
-            <a:extLst>
-              <a:ext uri="{FF2B5EF4-FFF2-40B4-BE49-F238E27FC236}">
-                <a16:creationId xmlns:a16="http://schemas.microsoft.com/office/drawing/2014/main" id="{6E3B50AC-E8D6-D94E-BC14-88744424B03C}"/>
+          <p:cNvPr id="8" name="Rectángulo 7">
+            <a:extLst>
+              <a:ext uri="{FF2B5EF4-FFF2-40B4-BE49-F238E27FC236}">
+                <a16:creationId xmlns:a16="http://schemas.microsoft.com/office/drawing/2014/main" id="{55024845-240D-0546-8596-7BE343EF4462}"/>
               </a:ext>
             </a:extLst>
           </p:cNvPr>
@@ -3660,7 +3711,53 @@
         </p:nvSpPr>
         <p:spPr>
           <a:xfrm>
-            <a:off x="498765" y="466643"/>
+            <a:off x="498765" y="1425846"/>
+            <a:ext cx="8397262" cy="4479010"/>
+          </a:xfrm>
+          <a:prstGeom prst="rect">
+            <a:avLst/>
+          </a:prstGeom>
+        </p:spPr>
+        <p:style>
+          <a:lnRef idx="2">
+            <a:schemeClr val="dk1">
+              <a:shade val="50000"/>
+            </a:schemeClr>
+          </a:lnRef>
+          <a:fillRef idx="1">
+            <a:schemeClr val="dk1"/>
+          </a:fillRef>
+          <a:effectRef idx="0">
+            <a:schemeClr val="dk1"/>
+          </a:effectRef>
+          <a:fontRef idx="minor">
+            <a:schemeClr val="lt1"/>
+          </a:fontRef>
+        </p:style>
+        <p:txBody>
+          <a:bodyPr rtlCol="0" anchor="ctr"/>
+          <a:lstStyle/>
+          <a:p>
+            <a:pPr algn="ctr"/>
+            <a:endParaRPr lang="es-ES_tradnl"/>
+          </a:p>
+        </p:txBody>
+      </p:sp>
+      <p:sp>
+        <p:nvSpPr>
+          <p:cNvPr id="4" name="Rectángulo 3">
+            <a:extLst>
+              <a:ext uri="{FF2B5EF4-FFF2-40B4-BE49-F238E27FC236}">
+                <a16:creationId xmlns:a16="http://schemas.microsoft.com/office/drawing/2014/main" id="{6E3B50AC-E8D6-D94E-BC14-88744424B03C}"/>
+              </a:ext>
+            </a:extLst>
+          </p:cNvPr>
+          <p:cNvSpPr/>
+          <p:nvPr/>
+        </p:nvSpPr>
+        <p:spPr>
+          <a:xfrm>
+            <a:off x="498765" y="408192"/>
             <a:ext cx="6783184" cy="923330"/>
           </a:xfrm>
           <a:prstGeom prst="rect">
@@ -3710,8 +3807,8 @@
         </p:nvSpPr>
         <p:spPr>
           <a:xfrm>
-            <a:off x="498765" y="1579418"/>
-            <a:ext cx="9010997" cy="3046988"/>
+            <a:off x="591753" y="1549948"/>
+            <a:ext cx="9010997" cy="4185761"/>
           </a:xfrm>
           <a:prstGeom prst="rect">
             <a:avLst/>
@@ -3729,7 +3826,10 @@
               <a:buChar char="•"/>
             </a:pPr>
             <a:r>
-              <a:rPr lang="es-ES_tradnl" sz="3200" dirty="0">
+              <a:rPr lang="es-ES_tradnl" sz="3800" dirty="0">
+                <a:solidFill>
+                  <a:schemeClr val="bg1"/>
+                </a:solidFill>
                 <a:latin typeface="Arial" panose="020B0604020202020204" pitchFamily="34" charset="0"/>
                 <a:cs typeface="Arial" panose="020B0604020202020204" pitchFamily="34" charset="0"/>
               </a:rPr>
@@ -3742,7 +3842,10 @@
               <a:buChar char="•"/>
             </a:pPr>
             <a:r>
-              <a:rPr lang="es-ES_tradnl" sz="3200" dirty="0">
+              <a:rPr lang="es-ES_tradnl" sz="3800" dirty="0">
+                <a:solidFill>
+                  <a:schemeClr val="bg1"/>
+                </a:solidFill>
                 <a:latin typeface="Arial" panose="020B0604020202020204" pitchFamily="34" charset="0"/>
                 <a:cs typeface="Arial" panose="020B0604020202020204" pitchFamily="34" charset="0"/>
               </a:rPr>
@@ -3755,7 +3858,10 @@
               <a:buChar char="•"/>
             </a:pPr>
             <a:r>
-              <a:rPr lang="es-ES_tradnl" sz="3200" dirty="0">
+              <a:rPr lang="es-ES_tradnl" sz="3800" dirty="0">
+                <a:solidFill>
+                  <a:schemeClr val="bg1"/>
+                </a:solidFill>
                 <a:latin typeface="Arial" panose="020B0604020202020204" pitchFamily="34" charset="0"/>
                 <a:cs typeface="Arial" panose="020B0604020202020204" pitchFamily="34" charset="0"/>
               </a:rPr>
@@ -3768,7 +3874,10 @@
               <a:buChar char="•"/>
             </a:pPr>
             <a:r>
-              <a:rPr lang="es-ES_tradnl" sz="3200" dirty="0">
+              <a:rPr lang="es-ES_tradnl" sz="3800" dirty="0">
+                <a:solidFill>
+                  <a:schemeClr val="bg1"/>
+                </a:solidFill>
                 <a:latin typeface="Arial" panose="020B0604020202020204" pitchFamily="34" charset="0"/>
                 <a:cs typeface="Arial" panose="020B0604020202020204" pitchFamily="34" charset="0"/>
               </a:rPr>
@@ -3781,7 +3890,10 @@
               <a:buChar char="•"/>
             </a:pPr>
             <a:r>
-              <a:rPr lang="es-ES_tradnl" sz="3200" dirty="0">
+              <a:rPr lang="es-ES_tradnl" sz="3800" dirty="0">
+                <a:solidFill>
+                  <a:schemeClr val="bg1"/>
+                </a:solidFill>
                 <a:latin typeface="Arial" panose="020B0604020202020204" pitchFamily="34" charset="0"/>
                 <a:cs typeface="Arial" panose="020B0604020202020204" pitchFamily="34" charset="0"/>
               </a:rPr>
@@ -3794,7 +3906,10 @@
               <a:buChar char="•"/>
             </a:pPr>
             <a:r>
-              <a:rPr lang="es-ES_tradnl" sz="3200" dirty="0">
+              <a:rPr lang="es-ES_tradnl" sz="3800" dirty="0">
+                <a:solidFill>
+                  <a:schemeClr val="bg1"/>
+                </a:solidFill>
                 <a:latin typeface="Arial" panose="020B0604020202020204" pitchFamily="34" charset="0"/>
                 <a:cs typeface="Arial" panose="020B0604020202020204" pitchFamily="34" charset="0"/>
               </a:rPr>
@@ -3819,7 +3934,17 @@
         </p:nvPicPr>
         <p:blipFill>
           <a:blip r:embed="rId2">
-            <a:extLst>
+            <a:grayscl/>
+            <a:extLst>
+              <a:ext uri="{BEBA8EAE-BF5A-486C-A8C5-ECC9F3942E4B}">
+                <a14:imgProps xmlns:a14="http://schemas.microsoft.com/office/drawing/2010/main">
+                  <a14:imgLayer r:embed="rId3">
+                    <a14:imgEffect>
+                      <a14:colorTemperature colorTemp="5841"/>
+                    </a14:imgEffect>
+                  </a14:imgLayer>
+                </a14:imgProps>
+              </a:ext>
               <a:ext uri="{28A0092B-C50C-407E-A947-70E740481C1C}">
                 <a14:useLocalDpi xmlns:a14="http://schemas.microsoft.com/office/drawing/2010/main" val="0"/>
               </a:ext>
@@ -3831,8 +3956,8 @@
         </p:blipFill>
         <p:spPr>
           <a:xfrm>
-            <a:off x="9246291" y="4304868"/>
-            <a:ext cx="2252747" cy="2252747"/>
+            <a:off x="9203286" y="3429000"/>
+            <a:ext cx="2489949" cy="2489949"/>
           </a:xfrm>
           <a:prstGeom prst="rect">
             <a:avLst/>
@@ -3871,6 +3996,58 @@
       </p:grpSpPr>
       <p:sp>
         <p:nvSpPr>
+          <p:cNvPr id="10" name="Rectángulo 9">
+            <a:extLst>
+              <a:ext uri="{FF2B5EF4-FFF2-40B4-BE49-F238E27FC236}">
+                <a16:creationId xmlns:a16="http://schemas.microsoft.com/office/drawing/2014/main" id="{27C248F3-06E9-3F42-8E68-38A16AEFE7BC}"/>
+              </a:ext>
+            </a:extLst>
+          </p:cNvPr>
+          <p:cNvSpPr/>
+          <p:nvPr/>
+        </p:nvSpPr>
+        <p:spPr>
+          <a:xfrm>
+            <a:off x="498765" y="1896253"/>
+            <a:ext cx="11194470" cy="3946607"/>
+          </a:xfrm>
+          <a:prstGeom prst="rect">
+            <a:avLst/>
+          </a:prstGeom>
+          <a:solidFill>
+            <a:srgbClr val="FF668C"/>
+          </a:solidFill>
+          <a:ln>
+            <a:noFill/>
+          </a:ln>
+        </p:spPr>
+        <p:style>
+          <a:lnRef idx="2">
+            <a:schemeClr val="accent1">
+              <a:shade val="50000"/>
+            </a:schemeClr>
+          </a:lnRef>
+          <a:fillRef idx="1">
+            <a:schemeClr val="accent1"/>
+          </a:fillRef>
+          <a:effectRef idx="0">
+            <a:schemeClr val="accent1"/>
+          </a:effectRef>
+          <a:fontRef idx="minor">
+            <a:schemeClr val="lt1"/>
+          </a:fontRef>
+        </p:style>
+        <p:txBody>
+          <a:bodyPr rtlCol="0" anchor="ctr"/>
+          <a:lstStyle/>
+          <a:p>
+            <a:pPr algn="ctr"/>
+            <a:endParaRPr lang="es-ES_tradnl"/>
+          </a:p>
+        </p:txBody>
+      </p:sp>
+      <p:sp>
+        <p:nvSpPr>
           <p:cNvPr id="4" name="Rectángulo 3">
             <a:extLst>
               <a:ext uri="{FF2B5EF4-FFF2-40B4-BE49-F238E27FC236}">
@@ -3933,8 +4110,8 @@
         </p:nvSpPr>
         <p:spPr>
           <a:xfrm>
-            <a:off x="498765" y="1524883"/>
-            <a:ext cx="11194470" cy="3108543"/>
+            <a:off x="498765" y="2045206"/>
+            <a:ext cx="11194470" cy="3539430"/>
           </a:xfrm>
           <a:prstGeom prst="rect">
             <a:avLst/>
@@ -3956,7 +4133,89 @@
                 <a:latin typeface="Arial" panose="020B0604020202020204" pitchFamily="34" charset="0"/>
                 <a:cs typeface="Arial" panose="020B0604020202020204" pitchFamily="34" charset="0"/>
               </a:rPr>
-              <a:t>Existe una cementera que cuenta con 4 plantas(A, B, C y D), para producir unidades(costales) de 2 clases diferentes de cementos(clase 1 y 2), cada una de estas plantas cuentan con equipo, personal, materias primas y límites de producción de unidades de cemento diferentes por lo tanto la utilidad que obtienen de cada clase de cemento es diferente, además cada una tiene un limite de producción diferente.</a:t>
+              <a:t>Existe una cementera que cuenta con </a:t>
+            </a:r>
+            <a:r>
+              <a:rPr lang="es-MX" sz="2800" b="1" dirty="0">
+                <a:latin typeface="Arial" panose="020B0604020202020204" pitchFamily="34" charset="0"/>
+                <a:cs typeface="Arial" panose="020B0604020202020204" pitchFamily="34" charset="0"/>
+              </a:rPr>
+              <a:t>4 plantas (A, B, C y D), </a:t>
+            </a:r>
+            <a:r>
+              <a:rPr lang="es-MX" sz="2800" dirty="0">
+                <a:latin typeface="Arial" panose="020B0604020202020204" pitchFamily="34" charset="0"/>
+                <a:cs typeface="Arial" panose="020B0604020202020204" pitchFamily="34" charset="0"/>
+              </a:rPr>
+              <a:t>para producir unidades (costales) de </a:t>
+            </a:r>
+            <a:r>
+              <a:rPr lang="es-MX" sz="2800" b="1" dirty="0">
+                <a:latin typeface="Arial" panose="020B0604020202020204" pitchFamily="34" charset="0"/>
+                <a:cs typeface="Arial" panose="020B0604020202020204" pitchFamily="34" charset="0"/>
+              </a:rPr>
+              <a:t>2 clases </a:t>
+            </a:r>
+            <a:r>
+              <a:rPr lang="es-MX" sz="2800" dirty="0">
+                <a:latin typeface="Arial" panose="020B0604020202020204" pitchFamily="34" charset="0"/>
+                <a:cs typeface="Arial" panose="020B0604020202020204" pitchFamily="34" charset="0"/>
+              </a:rPr>
+              <a:t>diferentes de cementos </a:t>
+            </a:r>
+            <a:r>
+              <a:rPr lang="es-MX" sz="2800" b="1" dirty="0">
+                <a:latin typeface="Arial" panose="020B0604020202020204" pitchFamily="34" charset="0"/>
+                <a:cs typeface="Arial" panose="020B0604020202020204" pitchFamily="34" charset="0"/>
+              </a:rPr>
+              <a:t>(clase 1 y 2).</a:t>
+            </a:r>
+          </a:p>
+          <a:p>
+            <a:endParaRPr lang="es-MX" sz="2800" b="1" dirty="0">
+              <a:latin typeface="Arial" panose="020B0604020202020204" pitchFamily="34" charset="0"/>
+              <a:cs typeface="Arial" panose="020B0604020202020204" pitchFamily="34" charset="0"/>
+            </a:endParaRPr>
+          </a:p>
+          <a:p>
+            <a:pPr marL="457200" indent="-457200">
+              <a:buFont typeface="Arial" panose="020B0604020202020204" pitchFamily="34" charset="0"/>
+              <a:buChar char="•"/>
+            </a:pPr>
+            <a:r>
+              <a:rPr lang="es-MX" sz="2800" dirty="0">
+                <a:latin typeface="Arial" panose="020B0604020202020204" pitchFamily="34" charset="0"/>
+                <a:cs typeface="Arial" panose="020B0604020202020204" pitchFamily="34" charset="0"/>
+              </a:rPr>
+              <a:t>Cada una cuenta con equipo, personal, materias primas y límites de producción de unidades de cemento diferentes por lo tanto</a:t>
+            </a:r>
+            <a:r>
+              <a:rPr lang="es-MX" sz="2800" b="1" dirty="0">
+                <a:latin typeface="Arial" panose="020B0604020202020204" pitchFamily="34" charset="0"/>
+                <a:cs typeface="Arial" panose="020B0604020202020204" pitchFamily="34" charset="0"/>
+              </a:rPr>
+              <a:t> la utilidad </a:t>
+            </a:r>
+            <a:r>
+              <a:rPr lang="es-MX" sz="2800" dirty="0">
+                <a:latin typeface="Arial" panose="020B0604020202020204" pitchFamily="34" charset="0"/>
+                <a:cs typeface="Arial" panose="020B0604020202020204" pitchFamily="34" charset="0"/>
+              </a:rPr>
+              <a:t>que obtienen de cada clase de cemento es diferente, además cada una tiene un </a:t>
+            </a:r>
+            <a:r>
+              <a:rPr lang="es-MX" sz="2800" b="1" dirty="0">
+                <a:latin typeface="Arial" panose="020B0604020202020204" pitchFamily="34" charset="0"/>
+                <a:cs typeface="Arial" panose="020B0604020202020204" pitchFamily="34" charset="0"/>
+              </a:rPr>
+              <a:t>limite</a:t>
+            </a:r>
+            <a:r>
+              <a:rPr lang="es-MX" sz="2800" dirty="0">
+                <a:latin typeface="Arial" panose="020B0604020202020204" pitchFamily="34" charset="0"/>
+                <a:cs typeface="Arial" panose="020B0604020202020204" pitchFamily="34" charset="0"/>
+              </a:rPr>
+              <a:t> de producción diferente.</a:t>
             </a:r>
             <a:endParaRPr lang="es-ES_tradnl" sz="4800" dirty="0">
               <a:latin typeface="Arial" panose="020B0604020202020204" pitchFamily="34" charset="0"/>
@@ -3965,6 +4224,42 @@
           </a:p>
         </p:txBody>
       </p:sp>
+      <p:pic>
+        <p:nvPicPr>
+          <p:cNvPr id="9" name="Imagen 8">
+            <a:extLst>
+              <a:ext uri="{FF2B5EF4-FFF2-40B4-BE49-F238E27FC236}">
+                <a16:creationId xmlns:a16="http://schemas.microsoft.com/office/drawing/2014/main" id="{571577ED-2CC8-584F-A4B5-6C262333CE1F}"/>
+              </a:ext>
+            </a:extLst>
+          </p:cNvPr>
+          <p:cNvPicPr>
+            <a:picLocks noChangeAspect="1"/>
+          </p:cNvPicPr>
+          <p:nvPr/>
+        </p:nvPicPr>
+        <p:blipFill>
+          <a:blip r:embed="rId2">
+            <a:extLst>
+              <a:ext uri="{28A0092B-C50C-407E-A947-70E740481C1C}">
+                <a14:useLocalDpi xmlns:a14="http://schemas.microsoft.com/office/drawing/2010/main" val="0"/>
+              </a:ext>
+            </a:extLst>
+          </a:blip>
+          <a:stretch>
+            <a:fillRect/>
+          </a:stretch>
+        </p:blipFill>
+        <p:spPr>
+          <a:xfrm>
+            <a:off x="3731324" y="287978"/>
+            <a:ext cx="1429611" cy="1429611"/>
+          </a:xfrm>
+          <a:prstGeom prst="rect">
+            <a:avLst/>
+          </a:prstGeom>
+        </p:spPr>
+      </p:pic>
     </p:spTree>
     <p:extLst>
       <p:ext uri="{BB962C8B-B14F-4D97-AF65-F5344CB8AC3E}">
@@ -3997,6 +4292,58 @@
       </p:grpSpPr>
       <p:sp>
         <p:nvSpPr>
+          <p:cNvPr id="8" name="Rectángulo 7">
+            <a:extLst>
+              <a:ext uri="{FF2B5EF4-FFF2-40B4-BE49-F238E27FC236}">
+                <a16:creationId xmlns:a16="http://schemas.microsoft.com/office/drawing/2014/main" id="{7162B7A1-B183-714E-97B1-DBF2C75E2086}"/>
+              </a:ext>
+            </a:extLst>
+          </p:cNvPr>
+          <p:cNvSpPr/>
+          <p:nvPr/>
+        </p:nvSpPr>
+        <p:spPr>
+          <a:xfrm>
+            <a:off x="464950" y="1431896"/>
+            <a:ext cx="9159498" cy="4844620"/>
+          </a:xfrm>
+          <a:prstGeom prst="rect">
+            <a:avLst/>
+          </a:prstGeom>
+          <a:solidFill>
+            <a:srgbClr val="FFD86E"/>
+          </a:solidFill>
+          <a:ln>
+            <a:noFill/>
+          </a:ln>
+        </p:spPr>
+        <p:style>
+          <a:lnRef idx="2">
+            <a:schemeClr val="accent1">
+              <a:shade val="50000"/>
+            </a:schemeClr>
+          </a:lnRef>
+          <a:fillRef idx="1">
+            <a:schemeClr val="accent1"/>
+          </a:fillRef>
+          <a:effectRef idx="0">
+            <a:schemeClr val="accent1"/>
+          </a:effectRef>
+          <a:fontRef idx="minor">
+            <a:schemeClr val="lt1"/>
+          </a:fontRef>
+        </p:style>
+        <p:txBody>
+          <a:bodyPr rtlCol="0" anchor="ctr"/>
+          <a:lstStyle/>
+          <a:p>
+            <a:pPr algn="ctr"/>
+            <a:endParaRPr lang="es-ES_tradnl"/>
+          </a:p>
+        </p:txBody>
+      </p:sp>
+      <p:sp>
+        <p:nvSpPr>
           <p:cNvPr id="4" name="Rectángulo 3">
             <a:extLst>
               <a:ext uri="{FF2B5EF4-FFF2-40B4-BE49-F238E27FC236}">
@@ -4059,8 +4406,8 @@
         </p:nvSpPr>
         <p:spPr>
           <a:xfrm>
-            <a:off x="648667" y="1524883"/>
-            <a:ext cx="11194470" cy="4524315"/>
+            <a:off x="498765" y="1540382"/>
+            <a:ext cx="9048191" cy="4565950"/>
           </a:xfrm>
           <a:prstGeom prst="rect">
             <a:avLst/>
@@ -4243,6 +4590,94 @@
               </a:rPr>
               <a:t>Y tiene un limite de producción de 450 unidades por día.</a:t>
             </a:r>
+          </a:p>
+        </p:txBody>
+      </p:sp>
+      <p:pic>
+        <p:nvPicPr>
+          <p:cNvPr id="7" name="Imagen 6">
+            <a:extLst>
+              <a:ext uri="{FF2B5EF4-FFF2-40B4-BE49-F238E27FC236}">
+                <a16:creationId xmlns:a16="http://schemas.microsoft.com/office/drawing/2014/main" id="{5411188E-3C42-4F45-8AC9-AF2BA7EE8C71}"/>
+              </a:ext>
+            </a:extLst>
+          </p:cNvPr>
+          <p:cNvPicPr>
+            <a:picLocks noChangeAspect="1"/>
+          </p:cNvPicPr>
+          <p:nvPr/>
+        </p:nvPicPr>
+        <p:blipFill>
+          <a:blip r:embed="rId2">
+            <a:extLst>
+              <a:ext uri="{28A0092B-C50C-407E-A947-70E740481C1C}">
+                <a14:useLocalDpi xmlns:a14="http://schemas.microsoft.com/office/drawing/2010/main" val="0"/>
+              </a:ext>
+            </a:extLst>
+          </a:blip>
+          <a:stretch>
+            <a:fillRect/>
+          </a:stretch>
+        </p:blipFill>
+        <p:spPr>
+          <a:xfrm>
+            <a:off x="9824741" y="4711486"/>
+            <a:ext cx="1596026" cy="1596026"/>
+          </a:xfrm>
+          <a:prstGeom prst="rect">
+            <a:avLst/>
+          </a:prstGeom>
+        </p:spPr>
+      </p:pic>
+      <p:sp>
+        <p:nvSpPr>
+          <p:cNvPr id="9" name="Rectángulo 8">
+            <a:extLst>
+              <a:ext uri="{FF2B5EF4-FFF2-40B4-BE49-F238E27FC236}">
+                <a16:creationId xmlns:a16="http://schemas.microsoft.com/office/drawing/2014/main" id="{5BF028C1-2ECA-074E-BB28-89E3A815D392}"/>
+              </a:ext>
+            </a:extLst>
+          </p:cNvPr>
+          <p:cNvSpPr/>
+          <p:nvPr/>
+        </p:nvSpPr>
+        <p:spPr>
+          <a:xfrm>
+            <a:off x="9824741" y="1431896"/>
+            <a:ext cx="2000466" cy="3062612"/>
+          </a:xfrm>
+          <a:prstGeom prst="rect">
+            <a:avLst/>
+          </a:prstGeom>
+          <a:solidFill>
+            <a:srgbClr val="80E1DC"/>
+          </a:solidFill>
+          <a:ln>
+            <a:noFill/>
+          </a:ln>
+        </p:spPr>
+        <p:style>
+          <a:lnRef idx="2">
+            <a:schemeClr val="accent1">
+              <a:shade val="50000"/>
+            </a:schemeClr>
+          </a:lnRef>
+          <a:fillRef idx="1">
+            <a:schemeClr val="accent1"/>
+          </a:fillRef>
+          <a:effectRef idx="0">
+            <a:schemeClr val="accent1"/>
+          </a:effectRef>
+          <a:fontRef idx="minor">
+            <a:schemeClr val="lt1"/>
+          </a:fontRef>
+        </p:style>
+        <p:txBody>
+          <a:bodyPr rtlCol="0" anchor="ctr"/>
+          <a:lstStyle/>
+          <a:p>
+            <a:pPr algn="ctr"/>
+            <a:endParaRPr lang="es-ES_tradnl"/>
           </a:p>
         </p:txBody>
       </p:sp>
@@ -4278,10 +4713,10 @@
       </p:grpSpPr>
       <p:sp>
         <p:nvSpPr>
-          <p:cNvPr id="4" name="Rectángulo 3">
-            <a:extLst>
-              <a:ext uri="{FF2B5EF4-FFF2-40B4-BE49-F238E27FC236}">
-                <a16:creationId xmlns:a16="http://schemas.microsoft.com/office/drawing/2014/main" id="{80AABC1D-E90A-0C4E-B6DB-97A47F76F19F}"/>
+          <p:cNvPr id="9" name="Rectángulo 8">
+            <a:extLst>
+              <a:ext uri="{FF2B5EF4-FFF2-40B4-BE49-F238E27FC236}">
+                <a16:creationId xmlns:a16="http://schemas.microsoft.com/office/drawing/2014/main" id="{989BE535-2405-0C4E-B578-AF07E8621FD3}"/>
               </a:ext>
             </a:extLst>
           </p:cNvPr>
@@ -4290,7 +4725,59 @@
         </p:nvSpPr>
         <p:spPr>
           <a:xfrm>
-            <a:off x="498764" y="466643"/>
+            <a:off x="421274" y="1687488"/>
+            <a:ext cx="10691011" cy="3116987"/>
+          </a:xfrm>
+          <a:prstGeom prst="rect">
+            <a:avLst/>
+          </a:prstGeom>
+          <a:solidFill>
+            <a:srgbClr val="618AAB"/>
+          </a:solidFill>
+          <a:ln>
+            <a:noFill/>
+          </a:ln>
+        </p:spPr>
+        <p:style>
+          <a:lnRef idx="2">
+            <a:schemeClr val="accent1">
+              <a:shade val="50000"/>
+            </a:schemeClr>
+          </a:lnRef>
+          <a:fillRef idx="1">
+            <a:schemeClr val="accent1"/>
+          </a:fillRef>
+          <a:effectRef idx="0">
+            <a:schemeClr val="accent1"/>
+          </a:effectRef>
+          <a:fontRef idx="minor">
+            <a:schemeClr val="lt1"/>
+          </a:fontRef>
+        </p:style>
+        <p:txBody>
+          <a:bodyPr rtlCol="0" anchor="ctr"/>
+          <a:lstStyle/>
+          <a:p>
+            <a:pPr algn="ctr"/>
+            <a:endParaRPr lang="es-ES_tradnl"/>
+          </a:p>
+        </p:txBody>
+      </p:sp>
+      <p:sp>
+        <p:nvSpPr>
+          <p:cNvPr id="4" name="Rectángulo 3">
+            <a:extLst>
+              <a:ext uri="{FF2B5EF4-FFF2-40B4-BE49-F238E27FC236}">
+                <a16:creationId xmlns:a16="http://schemas.microsoft.com/office/drawing/2014/main" id="{80AABC1D-E90A-0C4E-B6DB-97A47F76F19F}"/>
+              </a:ext>
+            </a:extLst>
+          </p:cNvPr>
+          <p:cNvSpPr/>
+          <p:nvPr/>
+        </p:nvSpPr>
+        <p:spPr>
+          <a:xfrm>
+            <a:off x="421274" y="541532"/>
             <a:ext cx="9739517" cy="923330"/>
           </a:xfrm>
           <a:prstGeom prst="rect">
@@ -4340,7 +4827,7 @@
         </p:nvSpPr>
         <p:spPr>
           <a:xfrm>
-            <a:off x="633677" y="1539873"/>
+            <a:off x="498765" y="1904193"/>
             <a:ext cx="11194470" cy="2677656"/>
           </a:xfrm>
           <a:prstGeom prst="rect">
@@ -4410,6 +4897,94 @@
               </a:rPr>
               <a:t>Conocer la cantidad de cemento a fabricar de cada clase en cada planta, de acuerdo a la demanda y limitantes de producción.</a:t>
             </a:r>
+          </a:p>
+        </p:txBody>
+      </p:sp>
+      <p:pic>
+        <p:nvPicPr>
+          <p:cNvPr id="8" name="Imagen 7">
+            <a:extLst>
+              <a:ext uri="{FF2B5EF4-FFF2-40B4-BE49-F238E27FC236}">
+                <a16:creationId xmlns:a16="http://schemas.microsoft.com/office/drawing/2014/main" id="{CE8FE6D7-7DB1-4F45-AD19-EB3471EACD02}"/>
+              </a:ext>
+            </a:extLst>
+          </p:cNvPr>
+          <p:cNvPicPr>
+            <a:picLocks noChangeAspect="1"/>
+          </p:cNvPicPr>
+          <p:nvPr/>
+        </p:nvPicPr>
+        <p:blipFill>
+          <a:blip r:embed="rId2">
+            <a:extLst>
+              <a:ext uri="{28A0092B-C50C-407E-A947-70E740481C1C}">
+                <a14:useLocalDpi xmlns:a14="http://schemas.microsoft.com/office/drawing/2010/main" val="0"/>
+              </a:ext>
+            </a:extLst>
+          </a:blip>
+          <a:stretch>
+            <a:fillRect/>
+          </a:stretch>
+        </p:blipFill>
+        <p:spPr>
+          <a:xfrm>
+            <a:off x="10156099" y="4543580"/>
+            <a:ext cx="1912372" cy="1912372"/>
+          </a:xfrm>
+          <a:prstGeom prst="rect">
+            <a:avLst/>
+          </a:prstGeom>
+        </p:spPr>
+      </p:pic>
+      <p:sp>
+        <p:nvSpPr>
+          <p:cNvPr id="10" name="Rectángulo 9">
+            <a:extLst>
+              <a:ext uri="{FF2B5EF4-FFF2-40B4-BE49-F238E27FC236}">
+                <a16:creationId xmlns:a16="http://schemas.microsoft.com/office/drawing/2014/main" id="{1D8EECDE-E715-7B46-8AF7-6E4791914D2E}"/>
+              </a:ext>
+            </a:extLst>
+          </p:cNvPr>
+          <p:cNvSpPr/>
+          <p:nvPr/>
+        </p:nvSpPr>
+        <p:spPr>
+          <a:xfrm>
+            <a:off x="421274" y="4974956"/>
+            <a:ext cx="9575133" cy="1480996"/>
+          </a:xfrm>
+          <a:prstGeom prst="rect">
+            <a:avLst/>
+          </a:prstGeom>
+          <a:solidFill>
+            <a:srgbClr val="A7C7D3"/>
+          </a:solidFill>
+          <a:ln>
+            <a:noFill/>
+          </a:ln>
+        </p:spPr>
+        <p:style>
+          <a:lnRef idx="2">
+            <a:schemeClr val="accent1">
+              <a:shade val="50000"/>
+            </a:schemeClr>
+          </a:lnRef>
+          <a:fillRef idx="1">
+            <a:schemeClr val="accent1"/>
+          </a:fillRef>
+          <a:effectRef idx="0">
+            <a:schemeClr val="accent1"/>
+          </a:effectRef>
+          <a:fontRef idx="minor">
+            <a:schemeClr val="lt1"/>
+          </a:fontRef>
+        </p:style>
+        <p:txBody>
+          <a:bodyPr rtlCol="0" anchor="ctr"/>
+          <a:lstStyle/>
+          <a:p>
+            <a:pPr algn="ctr"/>
+            <a:endParaRPr lang="es-ES_tradnl"/>
           </a:p>
         </p:txBody>
       </p:sp>
@@ -4457,7 +5032,7 @@
         </p:nvSpPr>
         <p:spPr>
           <a:xfrm>
-            <a:off x="498765" y="373653"/>
+            <a:off x="498765" y="156681"/>
             <a:ext cx="8165550" cy="923330"/>
           </a:xfrm>
           <a:prstGeom prst="rect">
@@ -4515,8 +5090,44 @@
         </p:blipFill>
         <p:spPr>
           <a:xfrm>
-            <a:off x="619932" y="1389972"/>
-            <a:ext cx="9577953" cy="5227925"/>
+            <a:off x="498765" y="1142003"/>
+            <a:ext cx="9739384" cy="5316039"/>
+          </a:xfrm>
+          <a:prstGeom prst="rect">
+            <a:avLst/>
+          </a:prstGeom>
+        </p:spPr>
+      </p:pic>
+      <p:pic>
+        <p:nvPicPr>
+          <p:cNvPr id="7" name="Imagen 6">
+            <a:extLst>
+              <a:ext uri="{FF2B5EF4-FFF2-40B4-BE49-F238E27FC236}">
+                <a16:creationId xmlns:a16="http://schemas.microsoft.com/office/drawing/2014/main" id="{3F90E166-C1B6-6149-B224-4B1674EC4834}"/>
+              </a:ext>
+            </a:extLst>
+          </p:cNvPr>
+          <p:cNvPicPr>
+            <a:picLocks noChangeAspect="1"/>
+          </p:cNvPicPr>
+          <p:nvPr/>
+        </p:nvPicPr>
+        <p:blipFill>
+          <a:blip r:embed="rId3">
+            <a:extLst>
+              <a:ext uri="{28A0092B-C50C-407E-A947-70E740481C1C}">
+                <a14:useLocalDpi xmlns:a14="http://schemas.microsoft.com/office/drawing/2010/main" val="0"/>
+              </a:ext>
+            </a:extLst>
+          </a:blip>
+          <a:stretch>
+            <a:fillRect/>
+          </a:stretch>
+        </p:blipFill>
+        <p:spPr>
+          <a:xfrm>
+            <a:off x="7245685" y="2584048"/>
+            <a:ext cx="2992464" cy="2992464"/>
           </a:xfrm>
           <a:prstGeom prst="rect">
             <a:avLst/>
@@ -4567,7 +5178,7 @@
         </p:nvSpPr>
         <p:spPr>
           <a:xfrm>
-            <a:off x="498765" y="373653"/>
+            <a:off x="374778" y="595745"/>
             <a:ext cx="8165550" cy="923330"/>
           </a:xfrm>
           <a:prstGeom prst="rect">
@@ -4630,7 +5241,7 @@
         </p:blipFill>
         <p:spPr>
           <a:xfrm>
-            <a:off x="469557" y="2346596"/>
+            <a:off x="498765" y="2749552"/>
             <a:ext cx="5508776" cy="2855744"/>
           </a:xfrm>
           <a:prstGeom prst="rect">
@@ -4666,7 +5277,7 @@
         </p:blipFill>
         <p:spPr>
           <a:xfrm>
-            <a:off x="6359471" y="1889459"/>
+            <a:off x="6388679" y="2292415"/>
             <a:ext cx="5674523" cy="3380278"/>
           </a:xfrm>
           <a:prstGeom prst="rect">
@@ -4688,7 +5299,7 @@
         </p:nvSpPr>
         <p:spPr>
           <a:xfrm>
-            <a:off x="498765" y="1597728"/>
+            <a:off x="527973" y="2000684"/>
             <a:ext cx="5098430" cy="553998"/>
           </a:xfrm>
           <a:prstGeom prst="rect">
@@ -4725,6 +5336,42 @@
           </a:p>
         </p:txBody>
       </p:sp>
+      <p:pic>
+        <p:nvPicPr>
+          <p:cNvPr id="13" name="Imagen 12">
+            <a:extLst>
+              <a:ext uri="{FF2B5EF4-FFF2-40B4-BE49-F238E27FC236}">
+                <a16:creationId xmlns:a16="http://schemas.microsoft.com/office/drawing/2014/main" id="{851F6572-C312-244F-B715-BE4FDD422CEC}"/>
+              </a:ext>
+            </a:extLst>
+          </p:cNvPr>
+          <p:cNvPicPr>
+            <a:picLocks noChangeAspect="1"/>
+          </p:cNvPicPr>
+          <p:nvPr/>
+        </p:nvPicPr>
+        <p:blipFill>
+          <a:blip r:embed="rId4">
+            <a:extLst>
+              <a:ext uri="{28A0092B-C50C-407E-A947-70E740481C1C}">
+                <a14:useLocalDpi xmlns:a14="http://schemas.microsoft.com/office/drawing/2010/main" val="0"/>
+              </a:ext>
+            </a:extLst>
+          </a:blip>
+          <a:stretch>
+            <a:fillRect/>
+          </a:stretch>
+        </p:blipFill>
+        <p:spPr>
+          <a:xfrm>
+            <a:off x="7078958" y="265434"/>
+            <a:ext cx="1461370" cy="1461370"/>
+          </a:xfrm>
+          <a:prstGeom prst="rect">
+            <a:avLst/>
+          </a:prstGeom>
+        </p:spPr>
+      </p:pic>
     </p:spTree>
     <p:extLst>
       <p:ext uri="{BB962C8B-B14F-4D97-AF65-F5344CB8AC3E}">
@@ -4769,7 +5416,7 @@
         </p:nvSpPr>
         <p:spPr>
           <a:xfrm>
-            <a:off x="498765" y="373653"/>
+            <a:off x="498765" y="606128"/>
             <a:ext cx="8165550" cy="923330"/>
           </a:xfrm>
           <a:prstGeom prst="rect">
@@ -4833,7 +5480,7 @@
         </p:blipFill>
         <p:spPr>
           <a:xfrm>
-            <a:off x="498765" y="1434137"/>
+            <a:off x="498765" y="2147059"/>
             <a:ext cx="9980436" cy="3431811"/>
           </a:xfrm>
           <a:prstGeom prst="rect">
@@ -4855,7 +5502,7 @@
         </p:nvSpPr>
         <p:spPr>
           <a:xfrm>
-            <a:off x="704538" y="4332157"/>
+            <a:off x="704538" y="5045079"/>
             <a:ext cx="1484026" cy="497954"/>
           </a:xfrm>
           <a:prstGeom prst="rect">
@@ -4893,6 +5540,42 @@
           </a:p>
         </p:txBody>
       </p:sp>
+      <p:pic>
+        <p:nvPicPr>
+          <p:cNvPr id="8" name="Imagen 7">
+            <a:extLst>
+              <a:ext uri="{FF2B5EF4-FFF2-40B4-BE49-F238E27FC236}">
+                <a16:creationId xmlns:a16="http://schemas.microsoft.com/office/drawing/2014/main" id="{7F5B1EE9-795F-A046-8338-A644CDB92A3A}"/>
+              </a:ext>
+            </a:extLst>
+          </p:cNvPr>
+          <p:cNvPicPr>
+            <a:picLocks noChangeAspect="1"/>
+          </p:cNvPicPr>
+          <p:nvPr/>
+        </p:nvPicPr>
+        <p:blipFill>
+          <a:blip r:embed="rId3">
+            <a:extLst>
+              <a:ext uri="{28A0092B-C50C-407E-A947-70E740481C1C}">
+                <a14:useLocalDpi xmlns:a14="http://schemas.microsoft.com/office/drawing/2010/main" val="0"/>
+              </a:ext>
+            </a:extLst>
+          </a:blip>
+          <a:stretch>
+            <a:fillRect/>
+          </a:stretch>
+        </p:blipFill>
+        <p:spPr>
+          <a:xfrm>
+            <a:off x="7373426" y="254358"/>
+            <a:ext cx="2049543" cy="2049543"/>
+          </a:xfrm>
+          <a:prstGeom prst="rect">
+            <a:avLst/>
+          </a:prstGeom>
+        </p:spPr>
+      </p:pic>
     </p:spTree>
     <p:extLst>
       <p:ext uri="{BB962C8B-B14F-4D97-AF65-F5344CB8AC3E}">
@@ -4925,10 +5608,10 @@
       </p:grpSpPr>
       <p:sp>
         <p:nvSpPr>
-          <p:cNvPr id="4" name="Rectángulo 3">
-            <a:extLst>
-              <a:ext uri="{FF2B5EF4-FFF2-40B4-BE49-F238E27FC236}">
-                <a16:creationId xmlns:a16="http://schemas.microsoft.com/office/drawing/2014/main" id="{32F4B575-5EC8-AC47-A18D-78D51A1193D2}"/>
+          <p:cNvPr id="8" name="Rectángulo 7">
+            <a:extLst>
+              <a:ext uri="{FF2B5EF4-FFF2-40B4-BE49-F238E27FC236}">
+                <a16:creationId xmlns:a16="http://schemas.microsoft.com/office/drawing/2014/main" id="{E14E22B8-BE9A-A84C-A2E5-A07A4A1DE64C}"/>
               </a:ext>
             </a:extLst>
           </p:cNvPr>
@@ -4937,7 +5620,59 @@
         </p:nvSpPr>
         <p:spPr>
           <a:xfrm>
-            <a:off x="498765" y="373653"/>
+            <a:off x="498765" y="2185261"/>
+            <a:ext cx="10861493" cy="2975675"/>
+          </a:xfrm>
+          <a:prstGeom prst="rect">
+            <a:avLst/>
+          </a:prstGeom>
+          <a:solidFill>
+            <a:srgbClr val="88B436"/>
+          </a:solidFill>
+          <a:ln>
+            <a:noFill/>
+          </a:ln>
+        </p:spPr>
+        <p:style>
+          <a:lnRef idx="2">
+            <a:schemeClr val="accent1">
+              <a:shade val="50000"/>
+            </a:schemeClr>
+          </a:lnRef>
+          <a:fillRef idx="1">
+            <a:schemeClr val="accent1"/>
+          </a:fillRef>
+          <a:effectRef idx="0">
+            <a:schemeClr val="accent1"/>
+          </a:effectRef>
+          <a:fontRef idx="minor">
+            <a:schemeClr val="lt1"/>
+          </a:fontRef>
+        </p:style>
+        <p:txBody>
+          <a:bodyPr rtlCol="0" anchor="ctr"/>
+          <a:lstStyle/>
+          <a:p>
+            <a:pPr algn="ctr"/>
+            <a:endParaRPr lang="es-ES_tradnl"/>
+          </a:p>
+        </p:txBody>
+      </p:sp>
+      <p:sp>
+        <p:nvSpPr>
+          <p:cNvPr id="4" name="Rectángulo 3">
+            <a:extLst>
+              <a:ext uri="{FF2B5EF4-FFF2-40B4-BE49-F238E27FC236}">
+                <a16:creationId xmlns:a16="http://schemas.microsoft.com/office/drawing/2014/main" id="{32F4B575-5EC8-AC47-A18D-78D51A1193D2}"/>
+              </a:ext>
+            </a:extLst>
+          </p:cNvPr>
+          <p:cNvSpPr/>
+          <p:nvPr/>
+        </p:nvSpPr>
+        <p:spPr>
+          <a:xfrm>
+            <a:off x="498765" y="710337"/>
             <a:ext cx="8165550" cy="923330"/>
           </a:xfrm>
           <a:prstGeom prst="rect">
@@ -5000,7 +5735,7 @@
         </p:nvSpPr>
         <p:spPr>
           <a:xfrm>
-            <a:off x="498765" y="1524883"/>
+            <a:off x="715741" y="2405573"/>
             <a:ext cx="11194470" cy="3293209"/>
           </a:xfrm>
           <a:prstGeom prst="rect">
@@ -5081,6 +5816,42 @@
           </a:p>
         </p:txBody>
       </p:sp>
+      <p:pic>
+        <p:nvPicPr>
+          <p:cNvPr id="7" name="Imagen 6">
+            <a:extLst>
+              <a:ext uri="{FF2B5EF4-FFF2-40B4-BE49-F238E27FC236}">
+                <a16:creationId xmlns:a16="http://schemas.microsoft.com/office/drawing/2014/main" id="{0556AADC-89CD-4142-8279-0FAA50D1B702}"/>
+              </a:ext>
+            </a:extLst>
+          </p:cNvPr>
+          <p:cNvPicPr>
+            <a:picLocks noChangeAspect="1"/>
+          </p:cNvPicPr>
+          <p:nvPr/>
+        </p:nvPicPr>
+        <p:blipFill>
+          <a:blip r:embed="rId4">
+            <a:extLst>
+              <a:ext uri="{28A0092B-C50C-407E-A947-70E740481C1C}">
+                <a14:useLocalDpi xmlns:a14="http://schemas.microsoft.com/office/drawing/2010/main" val="0"/>
+              </a:ext>
+            </a:extLst>
+          </a:blip>
+          <a:stretch>
+            <a:fillRect/>
+          </a:stretch>
+        </p:blipFill>
+        <p:spPr>
+          <a:xfrm>
+            <a:off x="4732046" y="490025"/>
+            <a:ext cx="1363954" cy="1363954"/>
+          </a:xfrm>
+          <a:prstGeom prst="rect">
+            <a:avLst/>
+          </a:prstGeom>
+        </p:spPr>
+      </p:pic>
     </p:spTree>
     <p:extLst>
       <p:ext uri="{BB962C8B-B14F-4D97-AF65-F5344CB8AC3E}">
